--- a/PPTX/DAY2.pptx
+++ b/PPTX/DAY2.pptx
@@ -5,10 +5,10 @@
     <p:sldMasterId id="2147483673" r:id="rId1"/>
   </p:sldMasterIdLst>
   <p:notesMasterIdLst>
-    <p:notesMasterId r:id="rId16"/>
+    <p:notesMasterId r:id="rId30"/>
   </p:notesMasterIdLst>
   <p:handoutMasterIdLst>
-    <p:handoutMasterId r:id="rId17"/>
+    <p:handoutMasterId r:id="rId31"/>
   </p:handoutMasterIdLst>
   <p:sldIdLst>
     <p:sldId id="257" r:id="rId2"/>
@@ -20,11 +20,25 @@
     <p:sldId id="284" r:id="rId8"/>
     <p:sldId id="266" r:id="rId9"/>
     <p:sldId id="267" r:id="rId10"/>
-    <p:sldId id="270" r:id="rId11"/>
-    <p:sldId id="272" r:id="rId12"/>
-    <p:sldId id="281" r:id="rId13"/>
-    <p:sldId id="276" r:id="rId14"/>
-    <p:sldId id="277" r:id="rId15"/>
+    <p:sldId id="287" r:id="rId11"/>
+    <p:sldId id="288" r:id="rId12"/>
+    <p:sldId id="289" r:id="rId13"/>
+    <p:sldId id="272" r:id="rId14"/>
+    <p:sldId id="291" r:id="rId15"/>
+    <p:sldId id="290" r:id="rId16"/>
+    <p:sldId id="292" r:id="rId17"/>
+    <p:sldId id="293" r:id="rId18"/>
+    <p:sldId id="276" r:id="rId19"/>
+    <p:sldId id="277" r:id="rId20"/>
+    <p:sldId id="294" r:id="rId21"/>
+    <p:sldId id="295" r:id="rId22"/>
+    <p:sldId id="296" r:id="rId23"/>
+    <p:sldId id="298" r:id="rId24"/>
+    <p:sldId id="297" r:id="rId25"/>
+    <p:sldId id="299" r:id="rId26"/>
+    <p:sldId id="300" r:id="rId27"/>
+    <p:sldId id="301" r:id="rId28"/>
+    <p:sldId id="302" r:id="rId29"/>
   </p:sldIdLst>
   <p:sldSz cx="12192000" cy="6858000"/>
   <p:notesSz cx="6858000" cy="9144000"/>
@@ -3726,6 +3740,2094 @@
 </p:notes>
 </file>
 
+<file path=ppt/notesSlides/notesSlide10.xml><?xml version="1.0" encoding="utf-8"?>
+<p:notes xmlns:a="http://schemas.openxmlformats.org/drawingml/2006/main" xmlns:r="http://schemas.openxmlformats.org/officeDocument/2006/relationships" xmlns:p="http://schemas.openxmlformats.org/presentationml/2006/main">
+  <p:cSld>
+    <p:spTree>
+      <p:nvGrpSpPr>
+        <p:cNvPr id="1" name=""/>
+        <p:cNvGrpSpPr/>
+        <p:nvPr/>
+      </p:nvGrpSpPr>
+      <p:grpSpPr>
+        <a:xfrm>
+          <a:off x="0" y="0"/>
+          <a:ext cx="0" cy="0"/>
+          <a:chOff x="0" y="0"/>
+          <a:chExt cx="0" cy="0"/>
+        </a:xfrm>
+      </p:grpSpPr>
+      <p:sp>
+        <p:nvSpPr>
+          <p:cNvPr id="2" name="Espace réservé de l'image des diapositives 1"/>
+          <p:cNvSpPr>
+            <a:spLocks noGrp="1" noRot="1" noChangeAspect="1"/>
+          </p:cNvSpPr>
+          <p:nvPr>
+            <p:ph type="sldImg"/>
+          </p:nvPr>
+        </p:nvSpPr>
+        <p:spPr/>
+      </p:sp>
+      <p:sp>
+        <p:nvSpPr>
+          <p:cNvPr id="3" name="Espace réservé des notes 2"/>
+          <p:cNvSpPr>
+            <a:spLocks noGrp="1"/>
+          </p:cNvSpPr>
+          <p:nvPr>
+            <p:ph type="body" idx="1"/>
+          </p:nvPr>
+        </p:nvSpPr>
+        <p:spPr/>
+        <p:txBody>
+          <a:bodyPr/>
+          <a:lstStyle/>
+          <a:p>
+            <a:pPr algn="l">
+              <a:buFont typeface="Arial" panose="020B0604020202020204" pitchFamily="34" charset="0"/>
+              <a:buChar char="•"/>
+            </a:pPr>
+            <a:r>
+              <a:rPr lang="fr-FR" b="0" i="0" dirty="0">
+                <a:solidFill>
+                  <a:srgbClr val="D1D5DB"/>
+                </a:solidFill>
+                <a:effectLst/>
+                <a:latin typeface="Söhne"/>
+              </a:rPr>
+              <a:t>GET : les données sont transmises dans l'URL, moins sécurisé, limité en taille, adapté pour la récupération de données</a:t>
+            </a:r>
+          </a:p>
+          <a:p>
+            <a:pPr algn="l">
+              <a:buFont typeface="Arial" panose="020B0604020202020204" pitchFamily="34" charset="0"/>
+              <a:buChar char="•"/>
+            </a:pPr>
+            <a:r>
+              <a:rPr lang="fr-FR" b="0" i="0" dirty="0">
+                <a:solidFill>
+                  <a:srgbClr val="D1D5DB"/>
+                </a:solidFill>
+                <a:effectLst/>
+                <a:latin typeface="Söhne"/>
+              </a:rPr>
+              <a:t>POST : les données sont transmises dans le corps de la requête, plus sécurisé, pas de limite de taille, adapté pour envoyer des données</a:t>
+            </a:r>
+          </a:p>
+        </p:txBody>
+      </p:sp>
+      <p:sp>
+        <p:nvSpPr>
+          <p:cNvPr id="4" name="Espace réservé de la date 3"/>
+          <p:cNvSpPr>
+            <a:spLocks noGrp="1"/>
+          </p:cNvSpPr>
+          <p:nvPr>
+            <p:ph type="dt" idx="1"/>
+          </p:nvPr>
+        </p:nvSpPr>
+        <p:spPr/>
+        <p:txBody>
+          <a:bodyPr/>
+          <a:lstStyle/>
+          <a:p>
+            <a:pPr rtl="0"/>
+            <a:fld id="{139F4AB6-716B-4E95-AAD2-DB349D9AC9BA}" type="datetime1">
+              <a:rPr lang="fr-FR" smtClean="0"/>
+              <a:t>20/03/2023</a:t>
+            </a:fld>
+            <a:endParaRPr lang="en-US"/>
+          </a:p>
+        </p:txBody>
+      </p:sp>
+      <p:sp>
+        <p:nvSpPr>
+          <p:cNvPr id="5" name="Espace réservé du numéro de diapositive 4"/>
+          <p:cNvSpPr>
+            <a:spLocks noGrp="1"/>
+          </p:cNvSpPr>
+          <p:nvPr>
+            <p:ph type="sldNum" sz="quarter" idx="5"/>
+          </p:nvPr>
+        </p:nvSpPr>
+        <p:spPr/>
+        <p:txBody>
+          <a:bodyPr/>
+          <a:lstStyle/>
+          <a:p>
+            <a:pPr rtl="0"/>
+            <a:fld id="{37A705E3-E620-489D-9973-6221209A4B3B}" type="slidenum">
+              <a:rPr lang="en-US" smtClean="0"/>
+              <a:t>14</a:t>
+            </a:fld>
+            <a:endParaRPr lang="en-US"/>
+          </a:p>
+        </p:txBody>
+      </p:sp>
+    </p:spTree>
+    <p:extLst>
+      <p:ext uri="{BB962C8B-B14F-4D97-AF65-F5344CB8AC3E}">
+        <p14:creationId xmlns:p14="http://schemas.microsoft.com/office/powerpoint/2010/main" val="3763491457"/>
+      </p:ext>
+    </p:extLst>
+  </p:cSld>
+  <p:clrMapOvr>
+    <a:masterClrMapping/>
+  </p:clrMapOvr>
+</p:notes>
+</file>
+
+<file path=ppt/notesSlides/notesSlide11.xml><?xml version="1.0" encoding="utf-8"?>
+<p:notes xmlns:a="http://schemas.openxmlformats.org/drawingml/2006/main" xmlns:r="http://schemas.openxmlformats.org/officeDocument/2006/relationships" xmlns:p="http://schemas.openxmlformats.org/presentationml/2006/main">
+  <p:cSld>
+    <p:spTree>
+      <p:nvGrpSpPr>
+        <p:cNvPr id="1" name=""/>
+        <p:cNvGrpSpPr/>
+        <p:nvPr/>
+      </p:nvGrpSpPr>
+      <p:grpSpPr>
+        <a:xfrm>
+          <a:off x="0" y="0"/>
+          <a:ext cx="0" cy="0"/>
+          <a:chOff x="0" y="0"/>
+          <a:chExt cx="0" cy="0"/>
+        </a:xfrm>
+      </p:grpSpPr>
+      <p:sp>
+        <p:nvSpPr>
+          <p:cNvPr id="2" name="Espace réservé de l'image des diapositives 1"/>
+          <p:cNvSpPr>
+            <a:spLocks noGrp="1" noRot="1" noChangeAspect="1"/>
+          </p:cNvSpPr>
+          <p:nvPr>
+            <p:ph type="sldImg"/>
+          </p:nvPr>
+        </p:nvSpPr>
+        <p:spPr/>
+      </p:sp>
+      <p:sp>
+        <p:nvSpPr>
+          <p:cNvPr id="3" name="Espace réservé des notes 2"/>
+          <p:cNvSpPr>
+            <a:spLocks noGrp="1"/>
+          </p:cNvSpPr>
+          <p:nvPr>
+            <p:ph type="body" idx="1"/>
+          </p:nvPr>
+        </p:nvSpPr>
+        <p:spPr/>
+        <p:txBody>
+          <a:bodyPr/>
+          <a:lstStyle/>
+          <a:p>
+            <a:pPr algn="l">
+              <a:buFont typeface="Arial" panose="020B0604020202020204" pitchFamily="34" charset="0"/>
+              <a:buChar char="•"/>
+            </a:pPr>
+            <a:r>
+              <a:rPr lang="fr-FR" b="0" i="0" dirty="0">
+                <a:solidFill>
+                  <a:srgbClr val="D1D5DB"/>
+                </a:solidFill>
+                <a:effectLst/>
+                <a:latin typeface="Söhne"/>
+              </a:rPr>
+              <a:t>GET : les données sont transmises dans l'URL, moins sécurisé, limité en taille, adapté pour la récupération de données</a:t>
+            </a:r>
+          </a:p>
+          <a:p>
+            <a:pPr algn="l">
+              <a:buFont typeface="Arial" panose="020B0604020202020204" pitchFamily="34" charset="0"/>
+              <a:buChar char="•"/>
+            </a:pPr>
+            <a:r>
+              <a:rPr lang="fr-FR" b="0" i="0" dirty="0">
+                <a:solidFill>
+                  <a:srgbClr val="D1D5DB"/>
+                </a:solidFill>
+                <a:effectLst/>
+                <a:latin typeface="Söhne"/>
+              </a:rPr>
+              <a:t>POST : les données sont transmises dans le corps de la requête, plus sécurisé, pas de limite de taille, adapté pour envoyer des données</a:t>
+            </a:r>
+          </a:p>
+          <a:p>
+            <a:endParaRPr lang="en-US" dirty="0"/>
+          </a:p>
+          <a:p>
+            <a:endParaRPr lang="en-US" dirty="0"/>
+          </a:p>
+        </p:txBody>
+      </p:sp>
+      <p:sp>
+        <p:nvSpPr>
+          <p:cNvPr id="4" name="Espace réservé de la date 3"/>
+          <p:cNvSpPr>
+            <a:spLocks noGrp="1"/>
+          </p:cNvSpPr>
+          <p:nvPr>
+            <p:ph type="dt" idx="1"/>
+          </p:nvPr>
+        </p:nvSpPr>
+        <p:spPr/>
+        <p:txBody>
+          <a:bodyPr/>
+          <a:lstStyle/>
+          <a:p>
+            <a:pPr rtl="0"/>
+            <a:fld id="{139F4AB6-716B-4E95-AAD2-DB349D9AC9BA}" type="datetime1">
+              <a:rPr lang="fr-FR" smtClean="0"/>
+              <a:t>20/03/2023</a:t>
+            </a:fld>
+            <a:endParaRPr lang="en-US"/>
+          </a:p>
+        </p:txBody>
+      </p:sp>
+      <p:sp>
+        <p:nvSpPr>
+          <p:cNvPr id="5" name="Espace réservé du numéro de diapositive 4"/>
+          <p:cNvSpPr>
+            <a:spLocks noGrp="1"/>
+          </p:cNvSpPr>
+          <p:nvPr>
+            <p:ph type="sldNum" sz="quarter" idx="5"/>
+          </p:nvPr>
+        </p:nvSpPr>
+        <p:spPr/>
+        <p:txBody>
+          <a:bodyPr/>
+          <a:lstStyle/>
+          <a:p>
+            <a:pPr rtl="0"/>
+            <a:fld id="{37A705E3-E620-489D-9973-6221209A4B3B}" type="slidenum">
+              <a:rPr lang="en-US" smtClean="0"/>
+              <a:t>15</a:t>
+            </a:fld>
+            <a:endParaRPr lang="en-US"/>
+          </a:p>
+        </p:txBody>
+      </p:sp>
+    </p:spTree>
+    <p:extLst>
+      <p:ext uri="{BB962C8B-B14F-4D97-AF65-F5344CB8AC3E}">
+        <p14:creationId xmlns:p14="http://schemas.microsoft.com/office/powerpoint/2010/main" val="2562121016"/>
+      </p:ext>
+    </p:extLst>
+  </p:cSld>
+  <p:clrMapOvr>
+    <a:masterClrMapping/>
+  </p:clrMapOvr>
+</p:notes>
+</file>
+
+<file path=ppt/notesSlides/notesSlide12.xml><?xml version="1.0" encoding="utf-8"?>
+<p:notes xmlns:a="http://schemas.openxmlformats.org/drawingml/2006/main" xmlns:r="http://schemas.openxmlformats.org/officeDocument/2006/relationships" xmlns:p="http://schemas.openxmlformats.org/presentationml/2006/main">
+  <p:cSld>
+    <p:spTree>
+      <p:nvGrpSpPr>
+        <p:cNvPr id="1" name=""/>
+        <p:cNvGrpSpPr/>
+        <p:nvPr/>
+      </p:nvGrpSpPr>
+      <p:grpSpPr>
+        <a:xfrm>
+          <a:off x="0" y="0"/>
+          <a:ext cx="0" cy="0"/>
+          <a:chOff x="0" y="0"/>
+          <a:chExt cx="0" cy="0"/>
+        </a:xfrm>
+      </p:grpSpPr>
+      <p:sp>
+        <p:nvSpPr>
+          <p:cNvPr id="2" name="Espace réservé de l'image des diapositives 1"/>
+          <p:cNvSpPr>
+            <a:spLocks noGrp="1" noRot="1" noChangeAspect="1"/>
+          </p:cNvSpPr>
+          <p:nvPr>
+            <p:ph type="sldImg"/>
+          </p:nvPr>
+        </p:nvSpPr>
+        <p:spPr/>
+      </p:sp>
+      <p:sp>
+        <p:nvSpPr>
+          <p:cNvPr id="3" name="Espace réservé des notes 2"/>
+          <p:cNvSpPr>
+            <a:spLocks noGrp="1"/>
+          </p:cNvSpPr>
+          <p:nvPr>
+            <p:ph type="body" idx="1"/>
+          </p:nvPr>
+        </p:nvSpPr>
+        <p:spPr/>
+        <p:txBody>
+          <a:bodyPr/>
+          <a:lstStyle/>
+          <a:p>
+            <a:pPr algn="l">
+              <a:buFont typeface="Arial" panose="020B0604020202020204" pitchFamily="34" charset="0"/>
+              <a:buChar char="•"/>
+            </a:pPr>
+            <a:r>
+              <a:rPr lang="fr-FR" b="0" i="0" dirty="0">
+                <a:solidFill>
+                  <a:srgbClr val="D1D5DB"/>
+                </a:solidFill>
+                <a:effectLst/>
+                <a:latin typeface="Söhne"/>
+              </a:rPr>
+              <a:t>GET : les données sont transmises dans l'URL, moins sécurisé, limité en taille, adapté pour la récupération de données</a:t>
+            </a:r>
+          </a:p>
+          <a:p>
+            <a:pPr algn="l">
+              <a:buFont typeface="Arial" panose="020B0604020202020204" pitchFamily="34" charset="0"/>
+              <a:buChar char="•"/>
+            </a:pPr>
+            <a:r>
+              <a:rPr lang="fr-FR" b="0" i="0" dirty="0">
+                <a:solidFill>
+                  <a:srgbClr val="D1D5DB"/>
+                </a:solidFill>
+                <a:effectLst/>
+                <a:latin typeface="Söhne"/>
+              </a:rPr>
+              <a:t>POST : les données sont transmises dans le corps de la requête, plus sécurisé, pas de limite de taille, adapté pour envoyer des données</a:t>
+            </a:r>
+          </a:p>
+          <a:p>
+            <a:endParaRPr lang="en-US" dirty="0"/>
+          </a:p>
+          <a:p>
+            <a:endParaRPr lang="en-US" dirty="0"/>
+          </a:p>
+        </p:txBody>
+      </p:sp>
+      <p:sp>
+        <p:nvSpPr>
+          <p:cNvPr id="4" name="Espace réservé de la date 3"/>
+          <p:cNvSpPr>
+            <a:spLocks noGrp="1"/>
+          </p:cNvSpPr>
+          <p:nvPr>
+            <p:ph type="dt" idx="1"/>
+          </p:nvPr>
+        </p:nvSpPr>
+        <p:spPr/>
+        <p:txBody>
+          <a:bodyPr/>
+          <a:lstStyle/>
+          <a:p>
+            <a:pPr rtl="0"/>
+            <a:fld id="{139F4AB6-716B-4E95-AAD2-DB349D9AC9BA}" type="datetime1">
+              <a:rPr lang="fr-FR" smtClean="0"/>
+              <a:t>20/03/2023</a:t>
+            </a:fld>
+            <a:endParaRPr lang="en-US"/>
+          </a:p>
+        </p:txBody>
+      </p:sp>
+      <p:sp>
+        <p:nvSpPr>
+          <p:cNvPr id="5" name="Espace réservé du numéro de diapositive 4"/>
+          <p:cNvSpPr>
+            <a:spLocks noGrp="1"/>
+          </p:cNvSpPr>
+          <p:nvPr>
+            <p:ph type="sldNum" sz="quarter" idx="5"/>
+          </p:nvPr>
+        </p:nvSpPr>
+        <p:spPr/>
+        <p:txBody>
+          <a:bodyPr/>
+          <a:lstStyle/>
+          <a:p>
+            <a:pPr rtl="0"/>
+            <a:fld id="{37A705E3-E620-489D-9973-6221209A4B3B}" type="slidenum">
+              <a:rPr lang="en-US" smtClean="0"/>
+              <a:t>16</a:t>
+            </a:fld>
+            <a:endParaRPr lang="en-US"/>
+          </a:p>
+        </p:txBody>
+      </p:sp>
+    </p:spTree>
+    <p:extLst>
+      <p:ext uri="{BB962C8B-B14F-4D97-AF65-F5344CB8AC3E}">
+        <p14:creationId xmlns:p14="http://schemas.microsoft.com/office/powerpoint/2010/main" val="1602551731"/>
+      </p:ext>
+    </p:extLst>
+  </p:cSld>
+  <p:clrMapOvr>
+    <a:masterClrMapping/>
+  </p:clrMapOvr>
+</p:notes>
+</file>
+
+<file path=ppt/notesSlides/notesSlide13.xml><?xml version="1.0" encoding="utf-8"?>
+<p:notes xmlns:a="http://schemas.openxmlformats.org/drawingml/2006/main" xmlns:r="http://schemas.openxmlformats.org/officeDocument/2006/relationships" xmlns:p="http://schemas.openxmlformats.org/presentationml/2006/main">
+  <p:cSld>
+    <p:spTree>
+      <p:nvGrpSpPr>
+        <p:cNvPr id="1" name=""/>
+        <p:cNvGrpSpPr/>
+        <p:nvPr/>
+      </p:nvGrpSpPr>
+      <p:grpSpPr>
+        <a:xfrm>
+          <a:off x="0" y="0"/>
+          <a:ext cx="0" cy="0"/>
+          <a:chOff x="0" y="0"/>
+          <a:chExt cx="0" cy="0"/>
+        </a:xfrm>
+      </p:grpSpPr>
+      <p:sp>
+        <p:nvSpPr>
+          <p:cNvPr id="2" name="Espace réservé de l'image des diapositives 1"/>
+          <p:cNvSpPr>
+            <a:spLocks noGrp="1" noRot="1" noChangeAspect="1"/>
+          </p:cNvSpPr>
+          <p:nvPr>
+            <p:ph type="sldImg"/>
+          </p:nvPr>
+        </p:nvSpPr>
+        <p:spPr/>
+      </p:sp>
+      <p:sp>
+        <p:nvSpPr>
+          <p:cNvPr id="3" name="Espace réservé des notes 2"/>
+          <p:cNvSpPr>
+            <a:spLocks noGrp="1"/>
+          </p:cNvSpPr>
+          <p:nvPr>
+            <p:ph type="body" idx="1"/>
+          </p:nvPr>
+        </p:nvSpPr>
+        <p:spPr/>
+        <p:txBody>
+          <a:bodyPr/>
+          <a:lstStyle/>
+          <a:p>
+            <a:pPr algn="l">
+              <a:buFont typeface="Arial" panose="020B0604020202020204" pitchFamily="34" charset="0"/>
+              <a:buChar char="•"/>
+            </a:pPr>
+            <a:r>
+              <a:rPr lang="fr-FR" b="0" i="0" dirty="0">
+                <a:solidFill>
+                  <a:srgbClr val="D1D5DB"/>
+                </a:solidFill>
+                <a:effectLst/>
+                <a:latin typeface="Söhne"/>
+              </a:rPr>
+              <a:t>GET : les données sont transmises dans l'URL, moins sécurisé, limité en taille, adapté pour la récupération de données</a:t>
+            </a:r>
+          </a:p>
+          <a:p>
+            <a:pPr algn="l">
+              <a:buFont typeface="Arial" panose="020B0604020202020204" pitchFamily="34" charset="0"/>
+              <a:buChar char="•"/>
+            </a:pPr>
+            <a:r>
+              <a:rPr lang="fr-FR" b="0" i="0" dirty="0">
+                <a:solidFill>
+                  <a:srgbClr val="D1D5DB"/>
+                </a:solidFill>
+                <a:effectLst/>
+                <a:latin typeface="Söhne"/>
+              </a:rPr>
+              <a:t>POST : les données sont transmises dans le corps de la requête, plus sécurisé, pas de limite de taille, adapté pour envoyer des données</a:t>
+            </a:r>
+          </a:p>
+          <a:p>
+            <a:endParaRPr lang="en-US" dirty="0"/>
+          </a:p>
+          <a:p>
+            <a:endParaRPr lang="en-US" dirty="0"/>
+          </a:p>
+        </p:txBody>
+      </p:sp>
+      <p:sp>
+        <p:nvSpPr>
+          <p:cNvPr id="4" name="Espace réservé de la date 3"/>
+          <p:cNvSpPr>
+            <a:spLocks noGrp="1"/>
+          </p:cNvSpPr>
+          <p:nvPr>
+            <p:ph type="dt" idx="1"/>
+          </p:nvPr>
+        </p:nvSpPr>
+        <p:spPr/>
+        <p:txBody>
+          <a:bodyPr/>
+          <a:lstStyle/>
+          <a:p>
+            <a:pPr rtl="0"/>
+            <a:fld id="{139F4AB6-716B-4E95-AAD2-DB349D9AC9BA}" type="datetime1">
+              <a:rPr lang="fr-FR" smtClean="0"/>
+              <a:t>20/03/2023</a:t>
+            </a:fld>
+            <a:endParaRPr lang="en-US"/>
+          </a:p>
+        </p:txBody>
+      </p:sp>
+      <p:sp>
+        <p:nvSpPr>
+          <p:cNvPr id="5" name="Espace réservé du numéro de diapositive 4"/>
+          <p:cNvSpPr>
+            <a:spLocks noGrp="1"/>
+          </p:cNvSpPr>
+          <p:nvPr>
+            <p:ph type="sldNum" sz="quarter" idx="5"/>
+          </p:nvPr>
+        </p:nvSpPr>
+        <p:spPr/>
+        <p:txBody>
+          <a:bodyPr/>
+          <a:lstStyle/>
+          <a:p>
+            <a:pPr rtl="0"/>
+            <a:fld id="{37A705E3-E620-489D-9973-6221209A4B3B}" type="slidenum">
+              <a:rPr lang="en-US" smtClean="0"/>
+              <a:t>17</a:t>
+            </a:fld>
+            <a:endParaRPr lang="en-US"/>
+          </a:p>
+        </p:txBody>
+      </p:sp>
+    </p:spTree>
+    <p:extLst>
+      <p:ext uri="{BB962C8B-B14F-4D97-AF65-F5344CB8AC3E}">
+        <p14:creationId xmlns:p14="http://schemas.microsoft.com/office/powerpoint/2010/main" val="581896477"/>
+      </p:ext>
+    </p:extLst>
+  </p:cSld>
+  <p:clrMapOvr>
+    <a:masterClrMapping/>
+  </p:clrMapOvr>
+</p:notes>
+</file>
+
+<file path=ppt/notesSlides/notesSlide14.xml><?xml version="1.0" encoding="utf-8"?>
+<p:notes xmlns:a="http://schemas.openxmlformats.org/drawingml/2006/main" xmlns:r="http://schemas.openxmlformats.org/officeDocument/2006/relationships" xmlns:p="http://schemas.openxmlformats.org/presentationml/2006/main">
+  <p:cSld>
+    <p:spTree>
+      <p:nvGrpSpPr>
+        <p:cNvPr id="1" name=""/>
+        <p:cNvGrpSpPr/>
+        <p:nvPr/>
+      </p:nvGrpSpPr>
+      <p:grpSpPr>
+        <a:xfrm>
+          <a:off x="0" y="0"/>
+          <a:ext cx="0" cy="0"/>
+          <a:chOff x="0" y="0"/>
+          <a:chExt cx="0" cy="0"/>
+        </a:xfrm>
+      </p:grpSpPr>
+      <p:sp>
+        <p:nvSpPr>
+          <p:cNvPr id="2" name="Espace réservé de l'image des diapositives 1"/>
+          <p:cNvSpPr>
+            <a:spLocks noGrp="1" noRot="1" noChangeAspect="1"/>
+          </p:cNvSpPr>
+          <p:nvPr>
+            <p:ph type="sldImg"/>
+          </p:nvPr>
+        </p:nvSpPr>
+        <p:spPr/>
+      </p:sp>
+      <p:sp>
+        <p:nvSpPr>
+          <p:cNvPr id="3" name="Espace réservé des notes 2"/>
+          <p:cNvSpPr>
+            <a:spLocks noGrp="1"/>
+          </p:cNvSpPr>
+          <p:nvPr>
+            <p:ph type="body" idx="1"/>
+          </p:nvPr>
+        </p:nvSpPr>
+        <p:spPr/>
+        <p:txBody>
+          <a:bodyPr/>
+          <a:lstStyle/>
+          <a:p>
+            <a:pPr algn="l">
+              <a:buFont typeface="Arial" panose="020B0604020202020204" pitchFamily="34" charset="0"/>
+              <a:buChar char="•"/>
+            </a:pPr>
+            <a:r>
+              <a:rPr lang="fr-FR" b="0" i="0" dirty="0">
+                <a:solidFill>
+                  <a:srgbClr val="D1D5DB"/>
+                </a:solidFill>
+                <a:effectLst/>
+                <a:latin typeface="Söhne"/>
+              </a:rPr>
+              <a:t>Prévenir les erreurs et les problèmes de sécurité : La validation des données côté serveur permet de s'assurer que les données soumises sont correctes, cohérentes et sécurisées avant de les traiter, les stocker ou les utiliser. Cela permet d'éviter des erreurs, des failles de sécurité et des problèmes de fonctionnement.</a:t>
+            </a:r>
+          </a:p>
+          <a:p>
+            <a:pPr algn="l">
+              <a:buFont typeface="Arial" panose="020B0604020202020204" pitchFamily="34" charset="0"/>
+              <a:buChar char="•"/>
+            </a:pPr>
+            <a:r>
+              <a:rPr lang="fr-FR" b="0" i="0" dirty="0">
+                <a:solidFill>
+                  <a:srgbClr val="D1D5DB"/>
+                </a:solidFill>
+                <a:effectLst/>
+                <a:latin typeface="Söhne"/>
+              </a:rPr>
+              <a:t>Complément à la validation côté client : Bien que la validation des données puisse également être effectuée côté client (par exemple, avec JavaScript), il ne faut pas se fier uniquement à celle-ci, car un utilisateur malveillant peut facilement contourner cette validation. La validation côté serveur constitue une couche de sécurité supplémentaire.</a:t>
+            </a:r>
+          </a:p>
+          <a:p>
+            <a:pPr algn="l">
+              <a:buFont typeface="Arial" panose="020B0604020202020204" pitchFamily="34" charset="0"/>
+              <a:buChar char="•"/>
+            </a:pPr>
+            <a:r>
+              <a:rPr lang="fr-FR" b="0" i="0" dirty="0">
+                <a:solidFill>
+                  <a:srgbClr val="D1D5DB"/>
+                </a:solidFill>
+                <a:effectLst/>
+                <a:latin typeface="Söhne"/>
+              </a:rPr>
+              <a:t>Respect des contraintes de l'application : La validation côté serveur permet de s'assurer que les données reçues respectent les contraintes et les règles de l'application, garantissant ainsi la qualité des données et le bon fonctionnement de l'application.</a:t>
+            </a:r>
+          </a:p>
+          <a:p>
+            <a:pPr algn="l">
+              <a:buFont typeface="Arial" panose="020B0604020202020204" pitchFamily="34" charset="0"/>
+              <a:buChar char="•"/>
+            </a:pPr>
+            <a:r>
+              <a:rPr lang="fr-FR" b="0" i="0" dirty="0">
+                <a:solidFill>
+                  <a:srgbClr val="D1D5DB"/>
+                </a:solidFill>
+                <a:effectLst/>
+                <a:latin typeface="Söhne"/>
+              </a:rPr>
+              <a:t>Amélioration de l'expérience utilisateur : En fournissant des retours d'information clairs et précis en cas d'erreur de validation, vous aidez les utilisateurs à comprendre ce qui doit être corrigé et à soumettre des données correctes.</a:t>
+            </a:r>
+          </a:p>
+          <a:p>
+            <a:pPr algn="l">
+              <a:buFont typeface="Arial" panose="020B0604020202020204" pitchFamily="34" charset="0"/>
+              <a:buChar char="•"/>
+            </a:pPr>
+            <a:endParaRPr lang="fr-FR" b="0" i="0" dirty="0">
+              <a:solidFill>
+                <a:srgbClr val="D1D5DB"/>
+              </a:solidFill>
+              <a:effectLst/>
+              <a:latin typeface="Söhne"/>
+            </a:endParaRPr>
+          </a:p>
+          <a:p>
+            <a:pPr algn="l">
+              <a:buFont typeface="Arial" panose="020B0604020202020204" pitchFamily="34" charset="0"/>
+              <a:buChar char="•"/>
+            </a:pPr>
+            <a:endParaRPr lang="fr-FR" b="0" i="0" dirty="0">
+              <a:solidFill>
+                <a:srgbClr val="D1D5DB"/>
+              </a:solidFill>
+              <a:effectLst/>
+              <a:latin typeface="Söhne"/>
+            </a:endParaRPr>
+          </a:p>
+          <a:p>
+            <a:pPr marL="742950" lvl="1" indent="-285750" algn="l">
+              <a:buFont typeface="Arial" panose="020B0604020202020204" pitchFamily="34" charset="0"/>
+              <a:buChar char="•"/>
+            </a:pPr>
+            <a:r>
+              <a:rPr lang="fr-FR" b="0" i="0" dirty="0" err="1">
+                <a:solidFill>
+                  <a:srgbClr val="D1D5DB"/>
+                </a:solidFill>
+                <a:effectLst/>
+                <a:latin typeface="Söhne"/>
+              </a:rPr>
+              <a:t>filter_var</a:t>
+            </a:r>
+            <a:r>
+              <a:rPr lang="fr-FR" b="0" i="0" dirty="0">
+                <a:solidFill>
+                  <a:srgbClr val="D1D5DB"/>
+                </a:solidFill>
+                <a:effectLst/>
+                <a:latin typeface="Söhne"/>
+              </a:rPr>
+              <a:t>() : Cette fonction permet de valider et de filtrer les données en fonction d'un filtre spécifié. Par exemple, pour valider une adresse e-mail, on peut utiliser </a:t>
+            </a:r>
+            <a:r>
+              <a:rPr lang="fr-FR" b="0" i="0" dirty="0" err="1">
+                <a:solidFill>
+                  <a:srgbClr val="D1D5DB"/>
+                </a:solidFill>
+                <a:effectLst/>
+                <a:latin typeface="Söhne"/>
+              </a:rPr>
+              <a:t>filter_var</a:t>
+            </a:r>
+            <a:r>
+              <a:rPr lang="fr-FR" b="0" i="0" dirty="0">
+                <a:solidFill>
+                  <a:srgbClr val="D1D5DB"/>
+                </a:solidFill>
+                <a:effectLst/>
+                <a:latin typeface="Söhne"/>
+              </a:rPr>
+              <a:t>($email, FILTER_VALIDATE_EMAIL). La fonction retourne la valeur filtrée en cas de succès, ou false si la validation échoue.</a:t>
+            </a:r>
+          </a:p>
+          <a:p>
+            <a:pPr marL="742950" lvl="1" indent="-285750" algn="l">
+              <a:buFont typeface="Arial" panose="020B0604020202020204" pitchFamily="34" charset="0"/>
+              <a:buChar char="•"/>
+            </a:pPr>
+            <a:r>
+              <a:rPr lang="fr-FR" b="0" i="0" dirty="0" err="1">
+                <a:solidFill>
+                  <a:srgbClr val="D1D5DB"/>
+                </a:solidFill>
+                <a:effectLst/>
+                <a:latin typeface="Söhne"/>
+              </a:rPr>
+              <a:t>preg_match</a:t>
+            </a:r>
+            <a:r>
+              <a:rPr lang="fr-FR" b="0" i="0" dirty="0">
+                <a:solidFill>
+                  <a:srgbClr val="D1D5DB"/>
+                </a:solidFill>
+                <a:effectLst/>
+                <a:latin typeface="Söhne"/>
+              </a:rPr>
+              <a:t>() : Cette fonction permet de vérifier si une chaîne de caractères correspond à une expression régulière donnée. Les expressions régulières sont utiles pour valider des données complexes, comme les numéros de téléphone ou les codes postaux. Par exemple, pour valider un numéro de téléphone, on peut utiliser </a:t>
+            </a:r>
+            <a:r>
+              <a:rPr lang="fr-FR" b="0" i="0" dirty="0" err="1">
+                <a:solidFill>
+                  <a:srgbClr val="D1D5DB"/>
+                </a:solidFill>
+                <a:effectLst/>
+                <a:latin typeface="Söhne"/>
+              </a:rPr>
+              <a:t>preg_match</a:t>
+            </a:r>
+            <a:r>
+              <a:rPr lang="fr-FR" b="0" i="0" dirty="0">
+                <a:solidFill>
+                  <a:srgbClr val="D1D5DB"/>
+                </a:solidFill>
+                <a:effectLst/>
+                <a:latin typeface="Söhne"/>
+              </a:rPr>
+              <a:t>('/^\+?\d{1,4}[-.\s]?\(?\d{1,3}?\)?[-.\s]?\d{1,4}[-.\s]?\d{1,4}[-.\s]?\d{1,9}$/', $phone).</a:t>
+            </a:r>
+          </a:p>
+          <a:p>
+            <a:pPr algn="l">
+              <a:buFont typeface="Arial" panose="020B0604020202020204" pitchFamily="34" charset="0"/>
+              <a:buChar char="•"/>
+            </a:pPr>
+            <a:r>
+              <a:rPr lang="fr-FR" b="0" i="0" dirty="0">
+                <a:solidFill>
+                  <a:srgbClr val="D1D5DB"/>
+                </a:solidFill>
+                <a:effectLst/>
+                <a:latin typeface="Söhne"/>
+              </a:rPr>
+              <a:t>Utilisation de ces fonctions dans la validation des données : Il est important de combiner ces fonctions avec d'autres mécanismes de validation pour s'assurer que les données soumises sont valides, cohérentes et sécurisées. Cela peut inclure la vérification de la présence de champs obligatoires, la vérification de la longueur des chaînes de caractères et l'application de règles métier spécifiques à l'application.</a:t>
+            </a:r>
+          </a:p>
+          <a:p>
+            <a:pPr algn="l">
+              <a:buFont typeface="Arial" panose="020B0604020202020204" pitchFamily="34" charset="0"/>
+              <a:buChar char="•"/>
+            </a:pPr>
+            <a:endParaRPr lang="fr-FR" b="0" i="0" dirty="0">
+              <a:solidFill>
+                <a:srgbClr val="D1D5DB"/>
+              </a:solidFill>
+              <a:effectLst/>
+              <a:latin typeface="Söhne"/>
+            </a:endParaRPr>
+          </a:p>
+          <a:p>
+            <a:pPr algn="l">
+              <a:buFont typeface="Arial" panose="020B0604020202020204" pitchFamily="34" charset="0"/>
+              <a:buChar char="•"/>
+            </a:pPr>
+            <a:endParaRPr lang="fr-FR" b="0" i="0" dirty="0">
+              <a:solidFill>
+                <a:srgbClr val="D1D5DB"/>
+              </a:solidFill>
+              <a:effectLst/>
+              <a:latin typeface="Söhne"/>
+            </a:endParaRPr>
+          </a:p>
+          <a:p>
+            <a:pPr algn="l">
+              <a:buFont typeface="Arial" panose="020B0604020202020204" pitchFamily="34" charset="0"/>
+              <a:buChar char="•"/>
+            </a:pPr>
+            <a:endParaRPr lang="fr-FR" b="0" i="0" dirty="0">
+              <a:solidFill>
+                <a:srgbClr val="D1D5DB"/>
+              </a:solidFill>
+              <a:effectLst/>
+              <a:latin typeface="Söhne"/>
+            </a:endParaRPr>
+          </a:p>
+        </p:txBody>
+      </p:sp>
+      <p:sp>
+        <p:nvSpPr>
+          <p:cNvPr id="4" name="Espace réservé de la date 3"/>
+          <p:cNvSpPr>
+            <a:spLocks noGrp="1"/>
+          </p:cNvSpPr>
+          <p:nvPr>
+            <p:ph type="dt" idx="1"/>
+          </p:nvPr>
+        </p:nvSpPr>
+        <p:spPr/>
+        <p:txBody>
+          <a:bodyPr/>
+          <a:lstStyle/>
+          <a:p>
+            <a:pPr rtl="0"/>
+            <a:fld id="{139F4AB6-716B-4E95-AAD2-DB349D9AC9BA}" type="datetime1">
+              <a:rPr lang="fr-FR" smtClean="0"/>
+              <a:t>20/03/2023</a:t>
+            </a:fld>
+            <a:endParaRPr lang="en-US"/>
+          </a:p>
+        </p:txBody>
+      </p:sp>
+      <p:sp>
+        <p:nvSpPr>
+          <p:cNvPr id="5" name="Espace réservé du numéro de diapositive 4"/>
+          <p:cNvSpPr>
+            <a:spLocks noGrp="1"/>
+          </p:cNvSpPr>
+          <p:nvPr>
+            <p:ph type="sldNum" sz="quarter" idx="5"/>
+          </p:nvPr>
+        </p:nvSpPr>
+        <p:spPr/>
+        <p:txBody>
+          <a:bodyPr/>
+          <a:lstStyle/>
+          <a:p>
+            <a:pPr rtl="0"/>
+            <a:fld id="{37A705E3-E620-489D-9973-6221209A4B3B}" type="slidenum">
+              <a:rPr lang="en-US" smtClean="0"/>
+              <a:t>19</a:t>
+            </a:fld>
+            <a:endParaRPr lang="en-US"/>
+          </a:p>
+        </p:txBody>
+      </p:sp>
+    </p:spTree>
+    <p:extLst>
+      <p:ext uri="{BB962C8B-B14F-4D97-AF65-F5344CB8AC3E}">
+        <p14:creationId xmlns:p14="http://schemas.microsoft.com/office/powerpoint/2010/main" val="1916369192"/>
+      </p:ext>
+    </p:extLst>
+  </p:cSld>
+  <p:clrMapOvr>
+    <a:masterClrMapping/>
+  </p:clrMapOvr>
+</p:notes>
+</file>
+
+<file path=ppt/notesSlides/notesSlide15.xml><?xml version="1.0" encoding="utf-8"?>
+<p:notes xmlns:a="http://schemas.openxmlformats.org/drawingml/2006/main" xmlns:r="http://schemas.openxmlformats.org/officeDocument/2006/relationships" xmlns:p="http://schemas.openxmlformats.org/presentationml/2006/main">
+  <p:cSld>
+    <p:spTree>
+      <p:nvGrpSpPr>
+        <p:cNvPr id="1" name=""/>
+        <p:cNvGrpSpPr/>
+        <p:nvPr/>
+      </p:nvGrpSpPr>
+      <p:grpSpPr>
+        <a:xfrm>
+          <a:off x="0" y="0"/>
+          <a:ext cx="0" cy="0"/>
+          <a:chOff x="0" y="0"/>
+          <a:chExt cx="0" cy="0"/>
+        </a:xfrm>
+      </p:grpSpPr>
+      <p:sp>
+        <p:nvSpPr>
+          <p:cNvPr id="2" name="Espace réservé de l'image des diapositives 1"/>
+          <p:cNvSpPr>
+            <a:spLocks noGrp="1" noRot="1" noChangeAspect="1"/>
+          </p:cNvSpPr>
+          <p:nvPr>
+            <p:ph type="sldImg"/>
+          </p:nvPr>
+        </p:nvSpPr>
+        <p:spPr/>
+      </p:sp>
+      <p:sp>
+        <p:nvSpPr>
+          <p:cNvPr id="3" name="Espace réservé des notes 2"/>
+          <p:cNvSpPr>
+            <a:spLocks noGrp="1"/>
+          </p:cNvSpPr>
+          <p:nvPr>
+            <p:ph type="body" idx="1"/>
+          </p:nvPr>
+        </p:nvSpPr>
+        <p:spPr/>
+        <p:txBody>
+          <a:bodyPr/>
+          <a:lstStyle/>
+          <a:p>
+            <a:pPr algn="l">
+              <a:buFont typeface="Arial" panose="020B0604020202020204" pitchFamily="34" charset="0"/>
+              <a:buChar char="•"/>
+            </a:pPr>
+            <a:r>
+              <a:rPr lang="fr-FR" b="0" i="0" dirty="0">
+                <a:solidFill>
+                  <a:srgbClr val="D1D5DB"/>
+                </a:solidFill>
+                <a:effectLst/>
+                <a:latin typeface="Söhne"/>
+              </a:rPr>
+              <a:t>GET : les données sont transmises dans l'URL, moins sécurisé, limité en taille, adapté pour la récupération de données</a:t>
+            </a:r>
+          </a:p>
+          <a:p>
+            <a:pPr algn="l">
+              <a:buFont typeface="Arial" panose="020B0604020202020204" pitchFamily="34" charset="0"/>
+              <a:buChar char="•"/>
+            </a:pPr>
+            <a:r>
+              <a:rPr lang="fr-FR" b="0" i="0" dirty="0">
+                <a:solidFill>
+                  <a:srgbClr val="D1D5DB"/>
+                </a:solidFill>
+                <a:effectLst/>
+                <a:latin typeface="Söhne"/>
+              </a:rPr>
+              <a:t>POST : les données sont transmises dans le corps de la requête, plus sécurisé, pas de limite de taille, adapté pour envoyer des données</a:t>
+            </a:r>
+          </a:p>
+          <a:p>
+            <a:endParaRPr lang="en-US" dirty="0"/>
+          </a:p>
+          <a:p>
+            <a:endParaRPr lang="en-US" dirty="0"/>
+          </a:p>
+        </p:txBody>
+      </p:sp>
+      <p:sp>
+        <p:nvSpPr>
+          <p:cNvPr id="4" name="Espace réservé de la date 3"/>
+          <p:cNvSpPr>
+            <a:spLocks noGrp="1"/>
+          </p:cNvSpPr>
+          <p:nvPr>
+            <p:ph type="dt" idx="1"/>
+          </p:nvPr>
+        </p:nvSpPr>
+        <p:spPr/>
+        <p:txBody>
+          <a:bodyPr/>
+          <a:lstStyle/>
+          <a:p>
+            <a:pPr rtl="0"/>
+            <a:fld id="{139F4AB6-716B-4E95-AAD2-DB349D9AC9BA}" type="datetime1">
+              <a:rPr lang="fr-FR" smtClean="0"/>
+              <a:t>20/03/2023</a:t>
+            </a:fld>
+            <a:endParaRPr lang="en-US"/>
+          </a:p>
+        </p:txBody>
+      </p:sp>
+      <p:sp>
+        <p:nvSpPr>
+          <p:cNvPr id="5" name="Espace réservé du numéro de diapositive 4"/>
+          <p:cNvSpPr>
+            <a:spLocks noGrp="1"/>
+          </p:cNvSpPr>
+          <p:nvPr>
+            <p:ph type="sldNum" sz="quarter" idx="5"/>
+          </p:nvPr>
+        </p:nvSpPr>
+        <p:spPr/>
+        <p:txBody>
+          <a:bodyPr/>
+          <a:lstStyle/>
+          <a:p>
+            <a:pPr rtl="0"/>
+            <a:fld id="{37A705E3-E620-489D-9973-6221209A4B3B}" type="slidenum">
+              <a:rPr lang="en-US" smtClean="0"/>
+              <a:t>20</a:t>
+            </a:fld>
+            <a:endParaRPr lang="en-US"/>
+          </a:p>
+        </p:txBody>
+      </p:sp>
+    </p:spTree>
+    <p:extLst>
+      <p:ext uri="{BB962C8B-B14F-4D97-AF65-F5344CB8AC3E}">
+        <p14:creationId xmlns:p14="http://schemas.microsoft.com/office/powerpoint/2010/main" val="590937963"/>
+      </p:ext>
+    </p:extLst>
+  </p:cSld>
+  <p:clrMapOvr>
+    <a:masterClrMapping/>
+  </p:clrMapOvr>
+</p:notes>
+</file>
+
+<file path=ppt/notesSlides/notesSlide16.xml><?xml version="1.0" encoding="utf-8"?>
+<p:notes xmlns:a="http://schemas.openxmlformats.org/drawingml/2006/main" xmlns:r="http://schemas.openxmlformats.org/officeDocument/2006/relationships" xmlns:p="http://schemas.openxmlformats.org/presentationml/2006/main">
+  <p:cSld>
+    <p:spTree>
+      <p:nvGrpSpPr>
+        <p:cNvPr id="1" name=""/>
+        <p:cNvGrpSpPr/>
+        <p:nvPr/>
+      </p:nvGrpSpPr>
+      <p:grpSpPr>
+        <a:xfrm>
+          <a:off x="0" y="0"/>
+          <a:ext cx="0" cy="0"/>
+          <a:chOff x="0" y="0"/>
+          <a:chExt cx="0" cy="0"/>
+        </a:xfrm>
+      </p:grpSpPr>
+      <p:sp>
+        <p:nvSpPr>
+          <p:cNvPr id="2" name="Espace réservé de l'image des diapositives 1"/>
+          <p:cNvSpPr>
+            <a:spLocks noGrp="1" noRot="1" noChangeAspect="1"/>
+          </p:cNvSpPr>
+          <p:nvPr>
+            <p:ph type="sldImg"/>
+          </p:nvPr>
+        </p:nvSpPr>
+        <p:spPr/>
+      </p:sp>
+      <p:sp>
+        <p:nvSpPr>
+          <p:cNvPr id="3" name="Espace réservé des notes 2"/>
+          <p:cNvSpPr>
+            <a:spLocks noGrp="1"/>
+          </p:cNvSpPr>
+          <p:nvPr>
+            <p:ph type="body" idx="1"/>
+          </p:nvPr>
+        </p:nvSpPr>
+        <p:spPr/>
+        <p:txBody>
+          <a:bodyPr/>
+          <a:lstStyle/>
+          <a:p>
+            <a:pPr marL="0" marR="0" lvl="0" indent="0" algn="l" defTabSz="914400" rtl="0" eaLnBrk="1" fontAlgn="auto" latinLnBrk="0" hangingPunct="1">
+              <a:lnSpc>
+                <a:spcPct val="100000"/>
+              </a:lnSpc>
+              <a:spcBef>
+                <a:spcPts val="0"/>
+              </a:spcBef>
+              <a:spcAft>
+                <a:spcPts val="0"/>
+              </a:spcAft>
+              <a:buClrTx/>
+              <a:buSzTx/>
+              <a:buFontTx/>
+              <a:buNone/>
+              <a:tabLst/>
+              <a:defRPr/>
+            </a:pPr>
+            <a:r>
+              <a:rPr lang="fr-FR" dirty="0"/>
+              <a:t>Protection contre les injections SQL </a:t>
+            </a:r>
+          </a:p>
+          <a:p>
+            <a:pPr marL="0" marR="0" lvl="0" indent="0" algn="l" defTabSz="914400" rtl="0" eaLnBrk="1" fontAlgn="auto" latinLnBrk="0" hangingPunct="1">
+              <a:lnSpc>
+                <a:spcPct val="100000"/>
+              </a:lnSpc>
+              <a:spcBef>
+                <a:spcPts val="0"/>
+              </a:spcBef>
+              <a:spcAft>
+                <a:spcPts val="0"/>
+              </a:spcAft>
+              <a:buClrTx/>
+              <a:buSzTx/>
+              <a:buFontTx/>
+              <a:buNone/>
+              <a:tabLst/>
+              <a:defRPr/>
+            </a:pPr>
+            <a:br>
+              <a:rPr lang="fr-FR" b="0" i="0" dirty="0">
+                <a:solidFill>
+                  <a:srgbClr val="D1D5DB"/>
+                </a:solidFill>
+                <a:effectLst/>
+                <a:latin typeface="Söhne"/>
+              </a:rPr>
+            </a:br>
+            <a:r>
+              <a:rPr lang="fr-FR" b="0" i="0" dirty="0">
+                <a:solidFill>
+                  <a:srgbClr val="D1D5DB"/>
+                </a:solidFill>
+                <a:effectLst/>
+                <a:latin typeface="Söhne"/>
+              </a:rPr>
+              <a:t>Les injections SQL sont une technique d'attaque qui permet aux pirates d'exécuter des requêtes SQL malveillantes sur une base de données. Pour vous protéger contre les injections SQL, vous devez valider et nettoyer les données entrantes avant de les utiliser dans une requête SQL. Voici quelques conseils pour éviter les injections SQL :</a:t>
+            </a:r>
+          </a:p>
+          <a:p>
+            <a:pPr algn="l">
+              <a:buFont typeface="Arial" panose="020B0604020202020204" pitchFamily="34" charset="0"/>
+              <a:buChar char="•"/>
+            </a:pPr>
+            <a:r>
+              <a:rPr lang="fr-FR" b="0" i="0" dirty="0">
+                <a:solidFill>
+                  <a:srgbClr val="D1D5DB"/>
+                </a:solidFill>
+                <a:effectLst/>
+                <a:latin typeface="Söhne"/>
+              </a:rPr>
+              <a:t>Utiliser les requêtes préparées (</a:t>
+            </a:r>
+            <a:r>
+              <a:rPr lang="fr-FR" b="0" i="0" dirty="0" err="1">
+                <a:solidFill>
+                  <a:srgbClr val="D1D5DB"/>
+                </a:solidFill>
+                <a:effectLst/>
+                <a:latin typeface="Söhne"/>
+              </a:rPr>
+              <a:t>prepared</a:t>
+            </a:r>
+            <a:r>
+              <a:rPr lang="fr-FR" b="0" i="0" dirty="0">
+                <a:solidFill>
+                  <a:srgbClr val="D1D5DB"/>
+                </a:solidFill>
+                <a:effectLst/>
+                <a:latin typeface="Söhne"/>
+              </a:rPr>
+              <a:t> </a:t>
+            </a:r>
+            <a:r>
+              <a:rPr lang="fr-FR" b="0" i="0" dirty="0" err="1">
+                <a:solidFill>
+                  <a:srgbClr val="D1D5DB"/>
+                </a:solidFill>
+                <a:effectLst/>
+                <a:latin typeface="Söhne"/>
+              </a:rPr>
+              <a:t>statements</a:t>
+            </a:r>
+            <a:r>
+              <a:rPr lang="fr-FR" b="0" i="0" dirty="0">
+                <a:solidFill>
+                  <a:srgbClr val="D1D5DB"/>
+                </a:solidFill>
+                <a:effectLst/>
+                <a:latin typeface="Söhne"/>
+              </a:rPr>
+              <a:t>) avec des paramètres liés : Les requêtes préparées permettent de séparer les données des instructions SQL, ce qui rend impossible l'injection de code SQL malveillant. Les extensions </a:t>
+            </a:r>
+            <a:r>
+              <a:rPr lang="fr-FR" b="0" i="0" dirty="0" err="1">
+                <a:solidFill>
+                  <a:srgbClr val="D1D5DB"/>
+                </a:solidFill>
+                <a:effectLst/>
+                <a:latin typeface="Söhne"/>
+              </a:rPr>
+              <a:t>MySQLi</a:t>
+            </a:r>
+            <a:r>
+              <a:rPr lang="fr-FR" b="0" i="0" dirty="0">
+                <a:solidFill>
+                  <a:srgbClr val="D1D5DB"/>
+                </a:solidFill>
+                <a:effectLst/>
+                <a:latin typeface="Söhne"/>
+              </a:rPr>
+              <a:t> et PDO en PHP offrent des méthodes pour créer des requêtes préparées et lier des paramètres.</a:t>
+            </a:r>
+          </a:p>
+          <a:p>
+            <a:pPr algn="l">
+              <a:buFont typeface="Arial" panose="020B0604020202020204" pitchFamily="34" charset="0"/>
+              <a:buChar char="•"/>
+            </a:pPr>
+            <a:r>
+              <a:rPr lang="fr-FR" b="0" i="0" dirty="0">
+                <a:solidFill>
+                  <a:srgbClr val="D1D5DB"/>
+                </a:solidFill>
+                <a:effectLst/>
+                <a:latin typeface="Söhne"/>
+              </a:rPr>
+              <a:t>Valider et filtrer les données : Valider les données entrantes pour vous assurer qu'elles correspondent au format attendu. Par exemple, si vous attendez un nombre entier, utilisez </a:t>
+            </a:r>
+            <a:r>
+              <a:rPr lang="fr-FR" b="0" i="0" dirty="0" err="1">
+                <a:solidFill>
+                  <a:srgbClr val="D1D5DB"/>
+                </a:solidFill>
+                <a:effectLst/>
+                <a:latin typeface="Söhne"/>
+              </a:rPr>
+              <a:t>filter_var</a:t>
+            </a:r>
+            <a:r>
+              <a:rPr lang="fr-FR" b="0" i="0" dirty="0">
+                <a:solidFill>
+                  <a:srgbClr val="D1D5DB"/>
+                </a:solidFill>
+                <a:effectLst/>
+                <a:latin typeface="Söhne"/>
+              </a:rPr>
+              <a:t>() avec le filtre FILTER_VALIDATE_INT.</a:t>
+            </a:r>
+          </a:p>
+          <a:p>
+            <a:pPr algn="l">
+              <a:buFont typeface="Arial" panose="020B0604020202020204" pitchFamily="34" charset="0"/>
+              <a:buChar char="•"/>
+            </a:pPr>
+            <a:endParaRPr lang="fr-FR" b="0" i="0" dirty="0">
+              <a:solidFill>
+                <a:srgbClr val="D1D5DB"/>
+              </a:solidFill>
+              <a:effectLst/>
+              <a:latin typeface="Söhne"/>
+            </a:endParaRPr>
+          </a:p>
+          <a:p>
+            <a:pPr>
+              <a:buFont typeface="+mj-lt"/>
+              <a:buAutoNum type="arabicPeriod" startAt="2"/>
+            </a:pPr>
+            <a:r>
+              <a:rPr lang="fr-FR" dirty="0">
+                <a:effectLst/>
+              </a:rPr>
+              <a:t>Protection contre les attaques XSS</a:t>
+            </a:r>
+          </a:p>
+          <a:p>
+            <a:pPr>
+              <a:buFont typeface="+mj-lt"/>
+              <a:buAutoNum type="arabicPeriod" startAt="2"/>
+            </a:pPr>
+            <a:endParaRPr lang="fr-FR" dirty="0">
+              <a:effectLst/>
+            </a:endParaRPr>
+          </a:p>
+          <a:p>
+            <a:r>
+              <a:rPr lang="fr-FR" dirty="0">
+                <a:effectLst/>
+              </a:rPr>
+              <a:t>Les attaques XSS (Cross-Site Scripting) consistent à insérer du code JavaScript malveillant dans les pages Web, qui est ensuite exécuté dans le navigateur des visiteurs. Pour vous protéger contre les attaques XSS, vous devez nettoyer les données entrantes avant de les afficher sur une page Web. Voici quelques conseils pour éviter les attaques XSS :</a:t>
+            </a:r>
+          </a:p>
+          <a:p>
+            <a:pPr>
+              <a:buFont typeface="Arial" panose="020B0604020202020204" pitchFamily="34" charset="0"/>
+              <a:buChar char="•"/>
+            </a:pPr>
+            <a:r>
+              <a:rPr lang="fr-FR" dirty="0">
+                <a:effectLst/>
+              </a:rPr>
+              <a:t>Utiliser les fonctions </a:t>
+            </a:r>
+            <a:r>
+              <a:rPr lang="fr-FR" dirty="0" err="1">
+                <a:effectLst/>
+              </a:rPr>
+              <a:t>htmlspecialchars</a:t>
+            </a:r>
+            <a:r>
+              <a:rPr lang="fr-FR" dirty="0">
+                <a:effectLst/>
+              </a:rPr>
+              <a:t>() et </a:t>
+            </a:r>
+            <a:r>
+              <a:rPr lang="fr-FR" dirty="0" err="1">
+                <a:effectLst/>
+              </a:rPr>
+              <a:t>strip_tags</a:t>
+            </a:r>
+            <a:r>
+              <a:rPr lang="fr-FR" dirty="0">
+                <a:effectLst/>
+              </a:rPr>
+              <a:t>() pour assurer la sécurité des données : Ces fonctions vous permettent de nettoyer les données entrantes en supprimant ou en convertissant les balises HTML et les caractères spéciaux.</a:t>
+            </a:r>
+          </a:p>
+          <a:p>
+            <a:pPr>
+              <a:buFont typeface="Arial" panose="020B0604020202020204" pitchFamily="34" charset="0"/>
+              <a:buChar char="•"/>
+            </a:pPr>
+            <a:r>
+              <a:rPr lang="fr-FR" dirty="0" err="1">
+                <a:effectLst/>
+              </a:rPr>
+              <a:t>htmlspecialchars</a:t>
+            </a:r>
+            <a:r>
+              <a:rPr lang="fr-FR" dirty="0">
+                <a:effectLst/>
+              </a:rPr>
+              <a:t>() : Cette fonction convertit les caractères spéciaux en entités HTML, ce qui empêche l'exécution de balises HTML et de scripts malveillants. Par exemple, les caractères &lt; et &gt; sont convertis en &amp;</a:t>
+            </a:r>
+            <a:r>
+              <a:rPr lang="fr-FR" dirty="0" err="1">
+                <a:effectLst/>
+              </a:rPr>
+              <a:t>lt</a:t>
+            </a:r>
+            <a:r>
+              <a:rPr lang="fr-FR" dirty="0">
+                <a:effectLst/>
+              </a:rPr>
+              <a:t>; et &amp;gt;, respectivement. Utilisez cette fonction lorsque vous affichez des données provenant de sources externes, comme les entrées d'un formulaire.</a:t>
+            </a:r>
+          </a:p>
+          <a:p>
+            <a:r>
+              <a:rPr lang="fr-FR" b="0" i="0" dirty="0" err="1">
+                <a:solidFill>
+                  <a:srgbClr val="D9D9E3"/>
+                </a:solidFill>
+                <a:effectLst/>
+                <a:latin typeface="Söhne"/>
+              </a:rPr>
+              <a:t>php</a:t>
+            </a:r>
+            <a:br>
+              <a:rPr lang="fr-FR" dirty="0">
+                <a:effectLst/>
+                <a:latin typeface="Söhne"/>
+              </a:rPr>
+            </a:br>
+            <a:r>
+              <a:rPr lang="fr-FR" dirty="0" err="1">
+                <a:effectLst/>
+                <a:latin typeface="Söhne"/>
+              </a:rPr>
+              <a:t>echo</a:t>
+            </a:r>
+            <a:r>
+              <a:rPr lang="fr-FR" dirty="0">
+                <a:effectLst/>
+                <a:latin typeface="Söhne"/>
+              </a:rPr>
+              <a:t> </a:t>
+            </a:r>
+            <a:r>
+              <a:rPr lang="fr-FR" dirty="0" err="1">
+                <a:effectLst/>
+                <a:latin typeface="Söhne"/>
+              </a:rPr>
+              <a:t>htmlspecialchars</a:t>
+            </a:r>
+            <a:r>
+              <a:rPr lang="fr-FR" dirty="0">
+                <a:effectLst/>
+                <a:latin typeface="Söhne"/>
+              </a:rPr>
+              <a:t>($input, ENT_QUOTES, 'UTF-8’);</a:t>
+            </a:r>
+          </a:p>
+          <a:p>
+            <a:endParaRPr lang="fr-FR" b="0" i="0" dirty="0">
+              <a:solidFill>
+                <a:srgbClr val="D1D5DB"/>
+              </a:solidFill>
+              <a:effectLst/>
+              <a:latin typeface="Söhne"/>
+            </a:endParaRPr>
+          </a:p>
+          <a:p>
+            <a:r>
+              <a:rPr lang="fr-FR" dirty="0" err="1"/>
+              <a:t>strip_tags</a:t>
+            </a:r>
+            <a:r>
+              <a:rPr lang="fr-FR" dirty="0"/>
+              <a:t>()</a:t>
+            </a:r>
+            <a:r>
+              <a:rPr lang="fr-FR" b="0" i="0" dirty="0">
+                <a:solidFill>
+                  <a:srgbClr val="D1D5DB"/>
+                </a:solidFill>
+                <a:effectLst/>
+                <a:latin typeface="Söhne"/>
+              </a:rPr>
+              <a:t> : Cette fonction supprime toutes les balises HTML et PHP d'une chaîne, ce qui empêche l'exécution de balises HTML et de scripts malveillants. Vous pouvez également spécifier des balises autorisées pour conserver certaines balises HTML.</a:t>
+            </a:r>
+          </a:p>
+          <a:p>
+            <a:endParaRPr lang="fr-FR" b="0" i="0" dirty="0">
+              <a:solidFill>
+                <a:srgbClr val="D1D5DB"/>
+              </a:solidFill>
+              <a:effectLst/>
+              <a:latin typeface="Söhne"/>
+            </a:endParaRPr>
+          </a:p>
+          <a:p>
+            <a:r>
+              <a:rPr lang="fr-FR" b="0" i="0" dirty="0" err="1">
+                <a:solidFill>
+                  <a:srgbClr val="2E95D3"/>
+                </a:solidFill>
+                <a:effectLst/>
+                <a:latin typeface="Söhne Mono"/>
+              </a:rPr>
+              <a:t>echo</a:t>
+            </a:r>
+            <a:r>
+              <a:rPr lang="fr-FR" b="0" i="0" dirty="0">
+                <a:solidFill>
+                  <a:srgbClr val="FFFFFF"/>
+                </a:solidFill>
+                <a:effectLst/>
+                <a:latin typeface="Söhne Mono"/>
+              </a:rPr>
+              <a:t> </a:t>
+            </a:r>
+            <a:r>
+              <a:rPr lang="fr-FR" b="0" i="0" dirty="0" err="1">
+                <a:solidFill>
+                  <a:srgbClr val="F22C3D"/>
+                </a:solidFill>
+                <a:effectLst/>
+                <a:latin typeface="Söhne Mono"/>
+              </a:rPr>
+              <a:t>strip_tags</a:t>
+            </a:r>
+            <a:r>
+              <a:rPr lang="fr-FR" b="0" i="0" dirty="0">
+                <a:solidFill>
+                  <a:srgbClr val="FFFFFF"/>
+                </a:solidFill>
+                <a:effectLst/>
+                <a:latin typeface="Söhne Mono"/>
+              </a:rPr>
+              <a:t>(</a:t>
+            </a:r>
+            <a:r>
+              <a:rPr lang="fr-FR" b="0" i="0" dirty="0">
+                <a:solidFill>
+                  <a:srgbClr val="DF3079"/>
+                </a:solidFill>
+                <a:effectLst/>
+                <a:latin typeface="Söhne Mono"/>
+              </a:rPr>
+              <a:t>$input</a:t>
+            </a:r>
+            <a:r>
+              <a:rPr lang="fr-FR" b="0" i="0" dirty="0">
+                <a:solidFill>
+                  <a:srgbClr val="FFFFFF"/>
+                </a:solidFill>
+                <a:effectLst/>
+                <a:latin typeface="Söhne Mono"/>
+              </a:rPr>
+              <a:t>, </a:t>
+            </a:r>
+            <a:r>
+              <a:rPr lang="fr-FR" b="0" i="0" dirty="0">
+                <a:solidFill>
+                  <a:srgbClr val="00A67D"/>
+                </a:solidFill>
+                <a:effectLst/>
+                <a:latin typeface="Söhne Mono"/>
+              </a:rPr>
+              <a:t>'&lt;b&gt;&lt;i&gt;&lt;u&gt;’</a:t>
+            </a:r>
+            <a:r>
+              <a:rPr lang="fr-FR" b="0" i="0" dirty="0">
+                <a:solidFill>
+                  <a:srgbClr val="FFFFFF"/>
+                </a:solidFill>
+                <a:effectLst/>
+                <a:latin typeface="Söhne Mono"/>
+              </a:rPr>
+              <a:t>);</a:t>
+            </a:r>
+            <a:endParaRPr lang="fr-FR" b="0" i="0" dirty="0">
+              <a:solidFill>
+                <a:srgbClr val="D1D5DB"/>
+              </a:solidFill>
+              <a:effectLst/>
+              <a:latin typeface="Söhne"/>
+            </a:endParaRPr>
+          </a:p>
+          <a:p>
+            <a:endParaRPr lang="fr-FR" b="0" i="0" dirty="0">
+              <a:solidFill>
+                <a:srgbClr val="D1D5DB"/>
+              </a:solidFill>
+              <a:effectLst/>
+              <a:latin typeface="Söhne"/>
+            </a:endParaRPr>
+          </a:p>
+          <a:p>
+            <a:r>
+              <a:rPr lang="fr-FR" b="0" i="0" dirty="0">
+                <a:solidFill>
+                  <a:srgbClr val="D1D5DB"/>
+                </a:solidFill>
+                <a:effectLst/>
+                <a:latin typeface="Söhne"/>
+              </a:rPr>
+              <a:t>Configurer les en-têtes de sécurité du navigateur : Certains en-têtes HTTP peuvent aider à renforcer la sécurité de votre site Web contre les attaques XSS. Par exemple, l'en-tête </a:t>
+            </a:r>
+            <a:r>
+              <a:rPr lang="fr-FR" dirty="0"/>
+              <a:t>Content-Security-Policy</a:t>
+            </a:r>
+            <a:r>
+              <a:rPr lang="fr-FR" b="0" i="0" dirty="0">
+                <a:solidFill>
+                  <a:srgbClr val="D1D5DB"/>
+                </a:solidFill>
+                <a:effectLst/>
+                <a:latin typeface="Söhne"/>
+              </a:rPr>
+              <a:t> permet de contrôler les sources de contenu et les types de contenu autorisés.</a:t>
+            </a:r>
+          </a:p>
+        </p:txBody>
+      </p:sp>
+      <p:sp>
+        <p:nvSpPr>
+          <p:cNvPr id="4" name="Espace réservé de la date 3"/>
+          <p:cNvSpPr>
+            <a:spLocks noGrp="1"/>
+          </p:cNvSpPr>
+          <p:nvPr>
+            <p:ph type="dt" idx="1"/>
+          </p:nvPr>
+        </p:nvSpPr>
+        <p:spPr/>
+        <p:txBody>
+          <a:bodyPr/>
+          <a:lstStyle/>
+          <a:p>
+            <a:pPr rtl="0"/>
+            <a:fld id="{139F4AB6-716B-4E95-AAD2-DB349D9AC9BA}" type="datetime1">
+              <a:rPr lang="fr-FR" smtClean="0"/>
+              <a:t>20/03/2023</a:t>
+            </a:fld>
+            <a:endParaRPr lang="en-US"/>
+          </a:p>
+        </p:txBody>
+      </p:sp>
+      <p:sp>
+        <p:nvSpPr>
+          <p:cNvPr id="5" name="Espace réservé du numéro de diapositive 4"/>
+          <p:cNvSpPr>
+            <a:spLocks noGrp="1"/>
+          </p:cNvSpPr>
+          <p:nvPr>
+            <p:ph type="sldNum" sz="quarter" idx="5"/>
+          </p:nvPr>
+        </p:nvSpPr>
+        <p:spPr/>
+        <p:txBody>
+          <a:bodyPr/>
+          <a:lstStyle/>
+          <a:p>
+            <a:pPr rtl="0"/>
+            <a:fld id="{37A705E3-E620-489D-9973-6221209A4B3B}" type="slidenum">
+              <a:rPr lang="en-US" smtClean="0"/>
+              <a:t>21</a:t>
+            </a:fld>
+            <a:endParaRPr lang="en-US"/>
+          </a:p>
+        </p:txBody>
+      </p:sp>
+    </p:spTree>
+    <p:extLst>
+      <p:ext uri="{BB962C8B-B14F-4D97-AF65-F5344CB8AC3E}">
+        <p14:creationId xmlns:p14="http://schemas.microsoft.com/office/powerpoint/2010/main" val="4119649007"/>
+      </p:ext>
+    </p:extLst>
+  </p:cSld>
+  <p:clrMapOvr>
+    <a:masterClrMapping/>
+  </p:clrMapOvr>
+</p:notes>
+</file>
+
+<file path=ppt/notesSlides/notesSlide17.xml><?xml version="1.0" encoding="utf-8"?>
+<p:notes xmlns:a="http://schemas.openxmlformats.org/drawingml/2006/main" xmlns:r="http://schemas.openxmlformats.org/officeDocument/2006/relationships" xmlns:p="http://schemas.openxmlformats.org/presentationml/2006/main">
+  <p:cSld>
+    <p:spTree>
+      <p:nvGrpSpPr>
+        <p:cNvPr id="1" name=""/>
+        <p:cNvGrpSpPr/>
+        <p:nvPr/>
+      </p:nvGrpSpPr>
+      <p:grpSpPr>
+        <a:xfrm>
+          <a:off x="0" y="0"/>
+          <a:ext cx="0" cy="0"/>
+          <a:chOff x="0" y="0"/>
+          <a:chExt cx="0" cy="0"/>
+        </a:xfrm>
+      </p:grpSpPr>
+      <p:sp>
+        <p:nvSpPr>
+          <p:cNvPr id="2" name="Espace réservé de l'image des diapositives 1"/>
+          <p:cNvSpPr>
+            <a:spLocks noGrp="1" noRot="1" noChangeAspect="1"/>
+          </p:cNvSpPr>
+          <p:nvPr>
+            <p:ph type="sldImg"/>
+          </p:nvPr>
+        </p:nvSpPr>
+        <p:spPr/>
+      </p:sp>
+      <p:sp>
+        <p:nvSpPr>
+          <p:cNvPr id="3" name="Espace réservé des notes 2"/>
+          <p:cNvSpPr>
+            <a:spLocks noGrp="1"/>
+          </p:cNvSpPr>
+          <p:nvPr>
+            <p:ph type="body" idx="1"/>
+          </p:nvPr>
+        </p:nvSpPr>
+        <p:spPr/>
+        <p:txBody>
+          <a:bodyPr/>
+          <a:lstStyle/>
+          <a:p>
+            <a:endParaRPr lang="en-US" dirty="0"/>
+          </a:p>
+        </p:txBody>
+      </p:sp>
+      <p:sp>
+        <p:nvSpPr>
+          <p:cNvPr id="4" name="Espace réservé de la date 3"/>
+          <p:cNvSpPr>
+            <a:spLocks noGrp="1"/>
+          </p:cNvSpPr>
+          <p:nvPr>
+            <p:ph type="dt" idx="1"/>
+          </p:nvPr>
+        </p:nvSpPr>
+        <p:spPr/>
+        <p:txBody>
+          <a:bodyPr/>
+          <a:lstStyle/>
+          <a:p>
+            <a:pPr rtl="0"/>
+            <a:fld id="{139F4AB6-716B-4E95-AAD2-DB349D9AC9BA}" type="datetime1">
+              <a:rPr lang="fr-FR" smtClean="0"/>
+              <a:t>20/03/2023</a:t>
+            </a:fld>
+            <a:endParaRPr lang="en-US"/>
+          </a:p>
+        </p:txBody>
+      </p:sp>
+      <p:sp>
+        <p:nvSpPr>
+          <p:cNvPr id="5" name="Espace réservé du numéro de diapositive 4"/>
+          <p:cNvSpPr>
+            <a:spLocks noGrp="1"/>
+          </p:cNvSpPr>
+          <p:nvPr>
+            <p:ph type="sldNum" sz="quarter" idx="5"/>
+          </p:nvPr>
+        </p:nvSpPr>
+        <p:spPr/>
+        <p:txBody>
+          <a:bodyPr/>
+          <a:lstStyle/>
+          <a:p>
+            <a:pPr rtl="0"/>
+            <a:fld id="{37A705E3-E620-489D-9973-6221209A4B3B}" type="slidenum">
+              <a:rPr lang="en-US" smtClean="0"/>
+              <a:t>22</a:t>
+            </a:fld>
+            <a:endParaRPr lang="en-US"/>
+          </a:p>
+        </p:txBody>
+      </p:sp>
+    </p:spTree>
+    <p:extLst>
+      <p:ext uri="{BB962C8B-B14F-4D97-AF65-F5344CB8AC3E}">
+        <p14:creationId xmlns:p14="http://schemas.microsoft.com/office/powerpoint/2010/main" val="1744295"/>
+      </p:ext>
+    </p:extLst>
+  </p:cSld>
+  <p:clrMapOvr>
+    <a:masterClrMapping/>
+  </p:clrMapOvr>
+</p:notes>
+</file>
+
+<file path=ppt/notesSlides/notesSlide18.xml><?xml version="1.0" encoding="utf-8"?>
+<p:notes xmlns:a="http://schemas.openxmlformats.org/drawingml/2006/main" xmlns:r="http://schemas.openxmlformats.org/officeDocument/2006/relationships" xmlns:p="http://schemas.openxmlformats.org/presentationml/2006/main">
+  <p:cSld>
+    <p:spTree>
+      <p:nvGrpSpPr>
+        <p:cNvPr id="1" name=""/>
+        <p:cNvGrpSpPr/>
+        <p:nvPr/>
+      </p:nvGrpSpPr>
+      <p:grpSpPr>
+        <a:xfrm>
+          <a:off x="0" y="0"/>
+          <a:ext cx="0" cy="0"/>
+          <a:chOff x="0" y="0"/>
+          <a:chExt cx="0" cy="0"/>
+        </a:xfrm>
+      </p:grpSpPr>
+      <p:sp>
+        <p:nvSpPr>
+          <p:cNvPr id="2" name="Espace réservé de l'image des diapositives 1"/>
+          <p:cNvSpPr>
+            <a:spLocks noGrp="1" noRot="1" noChangeAspect="1"/>
+          </p:cNvSpPr>
+          <p:nvPr>
+            <p:ph type="sldImg"/>
+          </p:nvPr>
+        </p:nvSpPr>
+        <p:spPr/>
+      </p:sp>
+      <p:sp>
+        <p:nvSpPr>
+          <p:cNvPr id="3" name="Espace réservé des notes 2"/>
+          <p:cNvSpPr>
+            <a:spLocks noGrp="1"/>
+          </p:cNvSpPr>
+          <p:nvPr>
+            <p:ph type="body" idx="1"/>
+          </p:nvPr>
+        </p:nvSpPr>
+        <p:spPr/>
+        <p:txBody>
+          <a:bodyPr/>
+          <a:lstStyle/>
+          <a:p>
+            <a:endParaRPr lang="fr-FR" dirty="0"/>
+          </a:p>
+        </p:txBody>
+      </p:sp>
+      <p:sp>
+        <p:nvSpPr>
+          <p:cNvPr id="4" name="Espace réservé de la date 3"/>
+          <p:cNvSpPr>
+            <a:spLocks noGrp="1"/>
+          </p:cNvSpPr>
+          <p:nvPr>
+            <p:ph type="dt" idx="1"/>
+          </p:nvPr>
+        </p:nvSpPr>
+        <p:spPr/>
+        <p:txBody>
+          <a:bodyPr/>
+          <a:lstStyle/>
+          <a:p>
+            <a:pPr rtl="0"/>
+            <a:fld id="{139F4AB6-716B-4E95-AAD2-DB349D9AC9BA}" type="datetime1">
+              <a:rPr lang="fr-FR" smtClean="0"/>
+              <a:t>20/03/2023</a:t>
+            </a:fld>
+            <a:endParaRPr lang="en-US"/>
+          </a:p>
+        </p:txBody>
+      </p:sp>
+      <p:sp>
+        <p:nvSpPr>
+          <p:cNvPr id="5" name="Espace réservé du numéro de diapositive 4"/>
+          <p:cNvSpPr>
+            <a:spLocks noGrp="1"/>
+          </p:cNvSpPr>
+          <p:nvPr>
+            <p:ph type="sldNum" sz="quarter" idx="5"/>
+          </p:nvPr>
+        </p:nvSpPr>
+        <p:spPr/>
+        <p:txBody>
+          <a:bodyPr/>
+          <a:lstStyle/>
+          <a:p>
+            <a:pPr rtl="0"/>
+            <a:fld id="{37A705E3-E620-489D-9973-6221209A4B3B}" type="slidenum">
+              <a:rPr lang="en-US" smtClean="0"/>
+              <a:t>23</a:t>
+            </a:fld>
+            <a:endParaRPr lang="en-US"/>
+          </a:p>
+        </p:txBody>
+      </p:sp>
+    </p:spTree>
+    <p:extLst>
+      <p:ext uri="{BB962C8B-B14F-4D97-AF65-F5344CB8AC3E}">
+        <p14:creationId xmlns:p14="http://schemas.microsoft.com/office/powerpoint/2010/main" val="764102528"/>
+      </p:ext>
+    </p:extLst>
+  </p:cSld>
+  <p:clrMapOvr>
+    <a:masterClrMapping/>
+  </p:clrMapOvr>
+</p:notes>
+</file>
+
+<file path=ppt/notesSlides/notesSlide19.xml><?xml version="1.0" encoding="utf-8"?>
+<p:notes xmlns:a="http://schemas.openxmlformats.org/drawingml/2006/main" xmlns:r="http://schemas.openxmlformats.org/officeDocument/2006/relationships" xmlns:p="http://schemas.openxmlformats.org/presentationml/2006/main">
+  <p:cSld>
+    <p:spTree>
+      <p:nvGrpSpPr>
+        <p:cNvPr id="1" name=""/>
+        <p:cNvGrpSpPr/>
+        <p:nvPr/>
+      </p:nvGrpSpPr>
+      <p:grpSpPr>
+        <a:xfrm>
+          <a:off x="0" y="0"/>
+          <a:ext cx="0" cy="0"/>
+          <a:chOff x="0" y="0"/>
+          <a:chExt cx="0" cy="0"/>
+        </a:xfrm>
+      </p:grpSpPr>
+      <p:sp>
+        <p:nvSpPr>
+          <p:cNvPr id="2" name="Espace réservé de l'image des diapositives 1"/>
+          <p:cNvSpPr>
+            <a:spLocks noGrp="1" noRot="1" noChangeAspect="1"/>
+          </p:cNvSpPr>
+          <p:nvPr>
+            <p:ph type="sldImg"/>
+          </p:nvPr>
+        </p:nvSpPr>
+        <p:spPr/>
+      </p:sp>
+      <p:sp>
+        <p:nvSpPr>
+          <p:cNvPr id="3" name="Espace réservé des notes 2"/>
+          <p:cNvSpPr>
+            <a:spLocks noGrp="1"/>
+          </p:cNvSpPr>
+          <p:nvPr>
+            <p:ph type="body" idx="1"/>
+          </p:nvPr>
+        </p:nvSpPr>
+        <p:spPr/>
+        <p:txBody>
+          <a:bodyPr/>
+          <a:lstStyle/>
+          <a:p>
+            <a:pPr algn="l">
+              <a:buFont typeface="+mj-lt"/>
+              <a:buAutoNum type="arabicPeriod"/>
+            </a:pPr>
+            <a:r>
+              <a:rPr lang="fr-FR" b="0" i="0" dirty="0">
+                <a:solidFill>
+                  <a:srgbClr val="D1D5DB"/>
+                </a:solidFill>
+                <a:effectLst/>
+                <a:latin typeface="Söhne"/>
+              </a:rPr>
+              <a:t>Qu'est-ce qu'un cookie ?</a:t>
+            </a:r>
+          </a:p>
+          <a:p>
+            <a:pPr marL="742950" lvl="1" indent="-285750" algn="l">
+              <a:buFont typeface="+mj-lt"/>
+              <a:buAutoNum type="arabicPeriod"/>
+            </a:pPr>
+            <a:r>
+              <a:rPr lang="fr-FR" b="0" i="0" dirty="0">
+                <a:solidFill>
+                  <a:srgbClr val="D1D5DB"/>
+                </a:solidFill>
+                <a:effectLst/>
+                <a:latin typeface="Söhne"/>
+              </a:rPr>
+              <a:t>Un cookie est un petit fichier texte stocké sur le navigateur de l'utilisateur par un site web.</a:t>
+            </a:r>
+          </a:p>
+          <a:p>
+            <a:pPr marL="742950" lvl="1" indent="-285750" algn="l">
+              <a:buFont typeface="+mj-lt"/>
+              <a:buAutoNum type="arabicPeriod"/>
+            </a:pPr>
+            <a:r>
+              <a:rPr lang="fr-FR" b="0" i="0" dirty="0">
+                <a:solidFill>
+                  <a:srgbClr val="D1D5DB"/>
+                </a:solidFill>
+                <a:effectLst/>
+                <a:latin typeface="Söhne"/>
+              </a:rPr>
+              <a:t>Il contient des informations sous forme de paires clé-valeur.</a:t>
+            </a:r>
+          </a:p>
+          <a:p>
+            <a:pPr marL="742950" lvl="1" indent="-285750" algn="l">
+              <a:buFont typeface="+mj-lt"/>
+              <a:buAutoNum type="arabicPeriod"/>
+            </a:pPr>
+            <a:r>
+              <a:rPr lang="fr-FR" b="0" i="0" dirty="0">
+                <a:solidFill>
+                  <a:srgbClr val="D1D5DB"/>
+                </a:solidFill>
+                <a:effectLst/>
+                <a:latin typeface="Söhne"/>
+              </a:rPr>
+              <a:t>Les cookies sont utilisés pour conserver l'état et les préférences de l'utilisateur, tels que les articles ajoutés à un panier d'achat ou les préférences de langue.</a:t>
+            </a:r>
+          </a:p>
+          <a:p>
+            <a:pPr marL="742950" lvl="1" indent="-285750" algn="l">
+              <a:buFont typeface="+mj-lt"/>
+              <a:buAutoNum type="arabicPeriod"/>
+            </a:pPr>
+            <a:r>
+              <a:rPr lang="fr-FR" b="0" i="0" dirty="0">
+                <a:solidFill>
+                  <a:srgbClr val="D1D5DB"/>
+                </a:solidFill>
+                <a:effectLst/>
+                <a:latin typeface="Söhne"/>
+              </a:rPr>
+              <a:t>Les cookies ont une date d'expiration définie et sont automatiquement supprimés après cette date.</a:t>
+            </a:r>
+          </a:p>
+          <a:p>
+            <a:pPr marL="742950" lvl="1" indent="-285750" algn="l">
+              <a:buFont typeface="+mj-lt"/>
+              <a:buAutoNum type="arabicPeriod"/>
+            </a:pPr>
+            <a:r>
+              <a:rPr lang="fr-FR" b="0" i="0" dirty="0">
+                <a:solidFill>
+                  <a:srgbClr val="D1D5DB"/>
+                </a:solidFill>
+                <a:effectLst/>
+                <a:latin typeface="Söhne"/>
+              </a:rPr>
+              <a:t>Les cookies peuvent être configurés pour être persistants (stockés sur le disque) ou temporaires (stockés en mémoire).</a:t>
+            </a:r>
+          </a:p>
+          <a:p>
+            <a:pPr marL="742950" lvl="1" indent="-285750" algn="l">
+              <a:buFont typeface="+mj-lt"/>
+              <a:buAutoNum type="arabicPeriod"/>
+            </a:pPr>
+            <a:r>
+              <a:rPr lang="fr-FR" b="0" i="0" dirty="0">
+                <a:solidFill>
+                  <a:srgbClr val="D1D5DB"/>
+                </a:solidFill>
+                <a:effectLst/>
+                <a:latin typeface="Söhne"/>
+              </a:rPr>
+              <a:t>Les cookies sont transmis entre le serveur et le navigateur à chaque requête HTTP.</a:t>
+            </a:r>
+          </a:p>
+        </p:txBody>
+      </p:sp>
+      <p:sp>
+        <p:nvSpPr>
+          <p:cNvPr id="4" name="Espace réservé de la date 3"/>
+          <p:cNvSpPr>
+            <a:spLocks noGrp="1"/>
+          </p:cNvSpPr>
+          <p:nvPr>
+            <p:ph type="dt" idx="1"/>
+          </p:nvPr>
+        </p:nvSpPr>
+        <p:spPr/>
+        <p:txBody>
+          <a:bodyPr/>
+          <a:lstStyle/>
+          <a:p>
+            <a:pPr rtl="0"/>
+            <a:fld id="{139F4AB6-716B-4E95-AAD2-DB349D9AC9BA}" type="datetime1">
+              <a:rPr lang="fr-FR" smtClean="0"/>
+              <a:t>20/03/2023</a:t>
+            </a:fld>
+            <a:endParaRPr lang="en-US"/>
+          </a:p>
+        </p:txBody>
+      </p:sp>
+      <p:sp>
+        <p:nvSpPr>
+          <p:cNvPr id="5" name="Espace réservé du numéro de diapositive 4"/>
+          <p:cNvSpPr>
+            <a:spLocks noGrp="1"/>
+          </p:cNvSpPr>
+          <p:nvPr>
+            <p:ph type="sldNum" sz="quarter" idx="5"/>
+          </p:nvPr>
+        </p:nvSpPr>
+        <p:spPr/>
+        <p:txBody>
+          <a:bodyPr/>
+          <a:lstStyle/>
+          <a:p>
+            <a:pPr rtl="0"/>
+            <a:fld id="{37A705E3-E620-489D-9973-6221209A4B3B}" type="slidenum">
+              <a:rPr lang="en-US" smtClean="0"/>
+              <a:t>24</a:t>
+            </a:fld>
+            <a:endParaRPr lang="en-US"/>
+          </a:p>
+        </p:txBody>
+      </p:sp>
+    </p:spTree>
+    <p:extLst>
+      <p:ext uri="{BB962C8B-B14F-4D97-AF65-F5344CB8AC3E}">
+        <p14:creationId xmlns:p14="http://schemas.microsoft.com/office/powerpoint/2010/main" val="4238315503"/>
+      </p:ext>
+    </p:extLst>
+  </p:cSld>
+  <p:clrMapOvr>
+    <a:masterClrMapping/>
+  </p:clrMapOvr>
+</p:notes>
+</file>
+
 <file path=ppt/notesSlides/notesSlide2.xml><?xml version="1.0" encoding="utf-8"?>
 <p:notes xmlns:a="http://schemas.openxmlformats.org/drawingml/2006/main" xmlns:r="http://schemas.openxmlformats.org/officeDocument/2006/relationships" xmlns:p="http://schemas.openxmlformats.org/presentationml/2006/main">
   <p:cSld>
@@ -4114,6 +6216,737 @@
     <p:extLst>
       <p:ext uri="{BB962C8B-B14F-4D97-AF65-F5344CB8AC3E}">
         <p14:creationId xmlns:p14="http://schemas.microsoft.com/office/powerpoint/2010/main" val="3895850367"/>
+      </p:ext>
+    </p:extLst>
+  </p:cSld>
+  <p:clrMapOvr>
+    <a:masterClrMapping/>
+  </p:clrMapOvr>
+</p:notes>
+</file>
+
+<file path=ppt/notesSlides/notesSlide20.xml><?xml version="1.0" encoding="utf-8"?>
+<p:notes xmlns:a="http://schemas.openxmlformats.org/drawingml/2006/main" xmlns:r="http://schemas.openxmlformats.org/officeDocument/2006/relationships" xmlns:p="http://schemas.openxmlformats.org/presentationml/2006/main">
+  <p:cSld>
+    <p:spTree>
+      <p:nvGrpSpPr>
+        <p:cNvPr id="1" name=""/>
+        <p:cNvGrpSpPr/>
+        <p:nvPr/>
+      </p:nvGrpSpPr>
+      <p:grpSpPr>
+        <a:xfrm>
+          <a:off x="0" y="0"/>
+          <a:ext cx="0" cy="0"/>
+          <a:chOff x="0" y="0"/>
+          <a:chExt cx="0" cy="0"/>
+        </a:xfrm>
+      </p:grpSpPr>
+      <p:sp>
+        <p:nvSpPr>
+          <p:cNvPr id="2" name="Espace réservé de l'image des diapositives 1"/>
+          <p:cNvSpPr>
+            <a:spLocks noGrp="1" noRot="1" noChangeAspect="1"/>
+          </p:cNvSpPr>
+          <p:nvPr>
+            <p:ph type="sldImg"/>
+          </p:nvPr>
+        </p:nvSpPr>
+        <p:spPr/>
+      </p:sp>
+      <p:sp>
+        <p:nvSpPr>
+          <p:cNvPr id="3" name="Espace réservé des notes 2"/>
+          <p:cNvSpPr>
+            <a:spLocks noGrp="1"/>
+          </p:cNvSpPr>
+          <p:nvPr>
+            <p:ph type="body" idx="1"/>
+          </p:nvPr>
+        </p:nvSpPr>
+        <p:spPr/>
+        <p:txBody>
+          <a:bodyPr/>
+          <a:lstStyle/>
+          <a:p>
+            <a:pPr algn="l">
+              <a:buFont typeface="+mj-lt"/>
+              <a:buAutoNum type="arabicPeriod"/>
+            </a:pPr>
+            <a:r>
+              <a:rPr lang="fr-FR" b="0" i="0" dirty="0">
+                <a:solidFill>
+                  <a:srgbClr val="D1D5DB"/>
+                </a:solidFill>
+                <a:effectLst/>
+                <a:latin typeface="Söhne"/>
+              </a:rPr>
+              <a:t>Qu'est-ce qu'une session ?</a:t>
+            </a:r>
+          </a:p>
+          <a:p>
+            <a:pPr marL="742950" lvl="1" indent="-285750" algn="l">
+              <a:buFont typeface="+mj-lt"/>
+              <a:buAutoNum type="arabicPeriod"/>
+            </a:pPr>
+            <a:r>
+              <a:rPr lang="fr-FR" b="0" i="0" dirty="0">
+                <a:solidFill>
+                  <a:srgbClr val="D1D5DB"/>
+                </a:solidFill>
+                <a:effectLst/>
+                <a:latin typeface="Söhne"/>
+              </a:rPr>
+              <a:t>Une session est un mécanisme de stockage côté serveur qui permet de conserver les données de l'utilisateur pour une période donnée.</a:t>
+            </a:r>
+          </a:p>
+          <a:p>
+            <a:pPr marL="742950" lvl="1" indent="-285750" algn="l">
+              <a:buFont typeface="+mj-lt"/>
+              <a:buAutoNum type="arabicPeriod"/>
+            </a:pPr>
+            <a:r>
+              <a:rPr lang="fr-FR" b="0" i="0" dirty="0">
+                <a:solidFill>
+                  <a:srgbClr val="D1D5DB"/>
+                </a:solidFill>
+                <a:effectLst/>
+                <a:latin typeface="Söhne"/>
+              </a:rPr>
+              <a:t>La session est identifiée par un identifiant de session unique (session ID) qui est généralement stocké dans un cookie côté client.</a:t>
+            </a:r>
+          </a:p>
+          <a:p>
+            <a:pPr marL="742950" lvl="1" indent="-285750" algn="l">
+              <a:buFont typeface="+mj-lt"/>
+              <a:buAutoNum type="arabicPeriod"/>
+            </a:pPr>
+            <a:r>
+              <a:rPr lang="fr-FR" b="0" i="0" dirty="0">
+                <a:solidFill>
+                  <a:srgbClr val="D1D5DB"/>
+                </a:solidFill>
+                <a:effectLst/>
+                <a:latin typeface="Söhne"/>
+              </a:rPr>
+              <a:t>Les sessions sont utiles pour conserver des informations sensibles, telles que les données d'authentification d'un utilisateur.</a:t>
+            </a:r>
+          </a:p>
+          <a:p>
+            <a:pPr marL="742950" lvl="1" indent="-285750" algn="l">
+              <a:buFont typeface="+mj-lt"/>
+              <a:buAutoNum type="arabicPeriod"/>
+            </a:pPr>
+            <a:r>
+              <a:rPr lang="fr-FR" b="0" i="0" dirty="0">
+                <a:solidFill>
+                  <a:srgbClr val="D1D5DB"/>
+                </a:solidFill>
+                <a:effectLst/>
+                <a:latin typeface="Söhne"/>
+              </a:rPr>
+              <a:t>Les sessions sont automatiquement détruites après un certain temps d'inactivité ou lorsque l'utilisateur ferme son navigateur.</a:t>
+            </a:r>
+          </a:p>
+        </p:txBody>
+      </p:sp>
+      <p:sp>
+        <p:nvSpPr>
+          <p:cNvPr id="4" name="Espace réservé de la date 3"/>
+          <p:cNvSpPr>
+            <a:spLocks noGrp="1"/>
+          </p:cNvSpPr>
+          <p:nvPr>
+            <p:ph type="dt" idx="1"/>
+          </p:nvPr>
+        </p:nvSpPr>
+        <p:spPr/>
+        <p:txBody>
+          <a:bodyPr/>
+          <a:lstStyle/>
+          <a:p>
+            <a:pPr rtl="0"/>
+            <a:fld id="{139F4AB6-716B-4E95-AAD2-DB349D9AC9BA}" type="datetime1">
+              <a:rPr lang="fr-FR" smtClean="0"/>
+              <a:t>20/03/2023</a:t>
+            </a:fld>
+            <a:endParaRPr lang="en-US"/>
+          </a:p>
+        </p:txBody>
+      </p:sp>
+      <p:sp>
+        <p:nvSpPr>
+          <p:cNvPr id="5" name="Espace réservé du numéro de diapositive 4"/>
+          <p:cNvSpPr>
+            <a:spLocks noGrp="1"/>
+          </p:cNvSpPr>
+          <p:nvPr>
+            <p:ph type="sldNum" sz="quarter" idx="5"/>
+          </p:nvPr>
+        </p:nvSpPr>
+        <p:spPr/>
+        <p:txBody>
+          <a:bodyPr/>
+          <a:lstStyle/>
+          <a:p>
+            <a:pPr rtl="0"/>
+            <a:fld id="{37A705E3-E620-489D-9973-6221209A4B3B}" type="slidenum">
+              <a:rPr lang="en-US" smtClean="0"/>
+              <a:t>25</a:t>
+            </a:fld>
+            <a:endParaRPr lang="en-US"/>
+          </a:p>
+        </p:txBody>
+      </p:sp>
+    </p:spTree>
+    <p:extLst>
+      <p:ext uri="{BB962C8B-B14F-4D97-AF65-F5344CB8AC3E}">
+        <p14:creationId xmlns:p14="http://schemas.microsoft.com/office/powerpoint/2010/main" val="98431196"/>
+      </p:ext>
+    </p:extLst>
+  </p:cSld>
+  <p:clrMapOvr>
+    <a:masterClrMapping/>
+  </p:clrMapOvr>
+</p:notes>
+</file>
+
+<file path=ppt/notesSlides/notesSlide21.xml><?xml version="1.0" encoding="utf-8"?>
+<p:notes xmlns:a="http://schemas.openxmlformats.org/drawingml/2006/main" xmlns:r="http://schemas.openxmlformats.org/officeDocument/2006/relationships" xmlns:p="http://schemas.openxmlformats.org/presentationml/2006/main">
+  <p:cSld>
+    <p:spTree>
+      <p:nvGrpSpPr>
+        <p:cNvPr id="1" name=""/>
+        <p:cNvGrpSpPr/>
+        <p:nvPr/>
+      </p:nvGrpSpPr>
+      <p:grpSpPr>
+        <a:xfrm>
+          <a:off x="0" y="0"/>
+          <a:ext cx="0" cy="0"/>
+          <a:chOff x="0" y="0"/>
+          <a:chExt cx="0" cy="0"/>
+        </a:xfrm>
+      </p:grpSpPr>
+      <p:sp>
+        <p:nvSpPr>
+          <p:cNvPr id="2" name="Espace réservé de l'image des diapositives 1"/>
+          <p:cNvSpPr>
+            <a:spLocks noGrp="1" noRot="1" noChangeAspect="1"/>
+          </p:cNvSpPr>
+          <p:nvPr>
+            <p:ph type="sldImg"/>
+          </p:nvPr>
+        </p:nvSpPr>
+        <p:spPr/>
+      </p:sp>
+      <p:sp>
+        <p:nvSpPr>
+          <p:cNvPr id="3" name="Espace réservé des notes 2"/>
+          <p:cNvSpPr>
+            <a:spLocks noGrp="1"/>
+          </p:cNvSpPr>
+          <p:nvPr>
+            <p:ph type="body" idx="1"/>
+          </p:nvPr>
+        </p:nvSpPr>
+        <p:spPr/>
+        <p:txBody>
+          <a:bodyPr/>
+          <a:lstStyle/>
+          <a:p>
+            <a:pPr algn="l">
+              <a:buFont typeface="+mj-lt"/>
+              <a:buAutoNum type="arabicPeriod"/>
+            </a:pPr>
+            <a:r>
+              <a:rPr lang="fr-FR" b="0" i="0" dirty="0">
+                <a:solidFill>
+                  <a:srgbClr val="D1D5DB"/>
+                </a:solidFill>
+                <a:effectLst/>
+                <a:latin typeface="Söhne"/>
+              </a:rPr>
+              <a:t>Différences et similitudes entre les cookies et les sessions</a:t>
+            </a:r>
+          </a:p>
+          <a:p>
+            <a:pPr marL="742950" lvl="1" indent="-285750" algn="l">
+              <a:buFont typeface="+mj-lt"/>
+              <a:buAutoNum type="arabicPeriod"/>
+            </a:pPr>
+            <a:r>
+              <a:rPr lang="fr-FR" b="0" i="0" dirty="0">
+                <a:solidFill>
+                  <a:srgbClr val="D1D5DB"/>
+                </a:solidFill>
+                <a:effectLst/>
+                <a:latin typeface="Söhne"/>
+              </a:rPr>
+              <a:t>Les cookies sont stockés côté client, tandis que les sessions sont stockées côté serveur.</a:t>
+            </a:r>
+          </a:p>
+          <a:p>
+            <a:pPr marL="742950" lvl="1" indent="-285750" algn="l">
+              <a:buFont typeface="+mj-lt"/>
+              <a:buAutoNum type="arabicPeriod"/>
+            </a:pPr>
+            <a:r>
+              <a:rPr lang="fr-FR" b="0" i="0" dirty="0">
+                <a:solidFill>
+                  <a:srgbClr val="D1D5DB"/>
+                </a:solidFill>
+                <a:effectLst/>
+                <a:latin typeface="Söhne"/>
+              </a:rPr>
+              <a:t>Les cookies sont transmis à chaque requête HTTP, tandis que les sessions ne sont accessibles que via l'identifiant de session.</a:t>
+            </a:r>
+          </a:p>
+          <a:p>
+            <a:pPr marL="742950" lvl="1" indent="-285750" algn="l">
+              <a:buFont typeface="+mj-lt"/>
+              <a:buAutoNum type="arabicPeriod"/>
+            </a:pPr>
+            <a:r>
+              <a:rPr lang="fr-FR" b="0" i="0" dirty="0">
+                <a:solidFill>
+                  <a:srgbClr val="D1D5DB"/>
+                </a:solidFill>
+                <a:effectLst/>
+                <a:latin typeface="Söhne"/>
+              </a:rPr>
+              <a:t>Les cookies ont une taille limitée (4 Ko), tandis que les sessions n'ont pas de limite de taille spécifique.</a:t>
+            </a:r>
+          </a:p>
+          <a:p>
+            <a:pPr marL="742950" lvl="1" indent="-285750" algn="l">
+              <a:buFont typeface="+mj-lt"/>
+              <a:buAutoNum type="arabicPeriod"/>
+            </a:pPr>
+            <a:r>
+              <a:rPr lang="fr-FR" b="0" i="0" dirty="0">
+                <a:solidFill>
+                  <a:srgbClr val="D1D5DB"/>
+                </a:solidFill>
+                <a:effectLst/>
+                <a:latin typeface="Söhne"/>
+              </a:rPr>
+              <a:t>Les cookies peuvent être modifiés ou supprimés par l'utilisateur, tandis que les sessions sont contrôlées par le serveur.</a:t>
+            </a:r>
+          </a:p>
+          <a:p>
+            <a:pPr marL="742950" lvl="1" indent="-285750" algn="l">
+              <a:buFont typeface="+mj-lt"/>
+              <a:buAutoNum type="arabicPeriod"/>
+            </a:pPr>
+            <a:r>
+              <a:rPr lang="fr-FR" b="0" i="0" dirty="0">
+                <a:solidFill>
+                  <a:srgbClr val="D1D5DB"/>
+                </a:solidFill>
+                <a:effectLst/>
+                <a:latin typeface="Söhne"/>
+              </a:rPr>
+              <a:t>Les deux mécanismes permettent de conserver l'état et les informations de l'utilisateur entre les différentes requêtes.</a:t>
+            </a:r>
+          </a:p>
+        </p:txBody>
+      </p:sp>
+      <p:sp>
+        <p:nvSpPr>
+          <p:cNvPr id="4" name="Espace réservé de la date 3"/>
+          <p:cNvSpPr>
+            <a:spLocks noGrp="1"/>
+          </p:cNvSpPr>
+          <p:nvPr>
+            <p:ph type="dt" idx="1"/>
+          </p:nvPr>
+        </p:nvSpPr>
+        <p:spPr/>
+        <p:txBody>
+          <a:bodyPr/>
+          <a:lstStyle/>
+          <a:p>
+            <a:pPr rtl="0"/>
+            <a:fld id="{139F4AB6-716B-4E95-AAD2-DB349D9AC9BA}" type="datetime1">
+              <a:rPr lang="fr-FR" smtClean="0"/>
+              <a:t>20/03/2023</a:t>
+            </a:fld>
+            <a:endParaRPr lang="en-US"/>
+          </a:p>
+        </p:txBody>
+      </p:sp>
+      <p:sp>
+        <p:nvSpPr>
+          <p:cNvPr id="5" name="Espace réservé du numéro de diapositive 4"/>
+          <p:cNvSpPr>
+            <a:spLocks noGrp="1"/>
+          </p:cNvSpPr>
+          <p:nvPr>
+            <p:ph type="sldNum" sz="quarter" idx="5"/>
+          </p:nvPr>
+        </p:nvSpPr>
+        <p:spPr/>
+        <p:txBody>
+          <a:bodyPr/>
+          <a:lstStyle/>
+          <a:p>
+            <a:pPr rtl="0"/>
+            <a:fld id="{37A705E3-E620-489D-9973-6221209A4B3B}" type="slidenum">
+              <a:rPr lang="en-US" smtClean="0"/>
+              <a:t>26</a:t>
+            </a:fld>
+            <a:endParaRPr lang="en-US"/>
+          </a:p>
+        </p:txBody>
+      </p:sp>
+    </p:spTree>
+    <p:extLst>
+      <p:ext uri="{BB962C8B-B14F-4D97-AF65-F5344CB8AC3E}">
+        <p14:creationId xmlns:p14="http://schemas.microsoft.com/office/powerpoint/2010/main" val="3702880638"/>
+      </p:ext>
+    </p:extLst>
+  </p:cSld>
+  <p:clrMapOvr>
+    <a:masterClrMapping/>
+  </p:clrMapOvr>
+</p:notes>
+</file>
+
+<file path=ppt/notesSlides/notesSlide22.xml><?xml version="1.0" encoding="utf-8"?>
+<p:notes xmlns:a="http://schemas.openxmlformats.org/drawingml/2006/main" xmlns:r="http://schemas.openxmlformats.org/officeDocument/2006/relationships" xmlns:p="http://schemas.openxmlformats.org/presentationml/2006/main">
+  <p:cSld>
+    <p:spTree>
+      <p:nvGrpSpPr>
+        <p:cNvPr id="1" name=""/>
+        <p:cNvGrpSpPr/>
+        <p:nvPr/>
+      </p:nvGrpSpPr>
+      <p:grpSpPr>
+        <a:xfrm>
+          <a:off x="0" y="0"/>
+          <a:ext cx="0" cy="0"/>
+          <a:chOff x="0" y="0"/>
+          <a:chExt cx="0" cy="0"/>
+        </a:xfrm>
+      </p:grpSpPr>
+      <p:sp>
+        <p:nvSpPr>
+          <p:cNvPr id="2" name="Espace réservé de l'image des diapositives 1"/>
+          <p:cNvSpPr>
+            <a:spLocks noGrp="1" noRot="1" noChangeAspect="1"/>
+          </p:cNvSpPr>
+          <p:nvPr>
+            <p:ph type="sldImg"/>
+          </p:nvPr>
+        </p:nvSpPr>
+        <p:spPr/>
+      </p:sp>
+      <p:sp>
+        <p:nvSpPr>
+          <p:cNvPr id="3" name="Espace réservé des notes 2"/>
+          <p:cNvSpPr>
+            <a:spLocks noGrp="1"/>
+          </p:cNvSpPr>
+          <p:nvPr>
+            <p:ph type="body" idx="1"/>
+          </p:nvPr>
+        </p:nvSpPr>
+        <p:spPr/>
+        <p:txBody>
+          <a:bodyPr/>
+          <a:lstStyle/>
+          <a:p>
+            <a:pPr algn="l">
+              <a:buFont typeface="+mj-lt"/>
+              <a:buAutoNum type="arabicPeriod"/>
+            </a:pPr>
+            <a:r>
+              <a:rPr lang="fr-FR" b="0" i="0" dirty="0">
+                <a:solidFill>
+                  <a:srgbClr val="D1D5DB"/>
+                </a:solidFill>
+                <a:effectLst/>
+                <a:latin typeface="Söhne"/>
+              </a:rPr>
+              <a:t>Cas d'utilisation des cookies et des sessions</a:t>
+            </a:r>
+          </a:p>
+          <a:p>
+            <a:pPr marL="742950" lvl="1" indent="-285750" algn="l">
+              <a:buFont typeface="+mj-lt"/>
+              <a:buAutoNum type="arabicPeriod"/>
+            </a:pPr>
+            <a:r>
+              <a:rPr lang="fr-FR" b="0" i="0" dirty="0">
+                <a:solidFill>
+                  <a:srgbClr val="D1D5DB"/>
+                </a:solidFill>
+                <a:effectLst/>
+                <a:latin typeface="Söhne"/>
+              </a:rPr>
+              <a:t>Utiliser des cookies pour :</a:t>
+            </a:r>
+          </a:p>
+          <a:p>
+            <a:pPr marL="1143000" lvl="2" indent="-228600" algn="l">
+              <a:buFont typeface="+mj-lt"/>
+              <a:buAutoNum type="arabicPeriod"/>
+            </a:pPr>
+            <a:r>
+              <a:rPr lang="fr-FR" b="0" i="0" dirty="0">
+                <a:solidFill>
+                  <a:srgbClr val="D1D5DB"/>
+                </a:solidFill>
+                <a:effectLst/>
+                <a:latin typeface="Söhne"/>
+              </a:rPr>
+              <a:t>Stocker des préférences utilisateur (par exemple, la langue ou le thème)</a:t>
+            </a:r>
+          </a:p>
+          <a:p>
+            <a:pPr marL="1143000" lvl="2" indent="-228600" algn="l">
+              <a:buFont typeface="+mj-lt"/>
+              <a:buAutoNum type="arabicPeriod"/>
+            </a:pPr>
+            <a:r>
+              <a:rPr lang="fr-FR" b="0" i="0" dirty="0">
+                <a:solidFill>
+                  <a:srgbClr val="D1D5DB"/>
+                </a:solidFill>
+                <a:effectLst/>
+                <a:latin typeface="Söhne"/>
+              </a:rPr>
+              <a:t>Suivre les activités des utilisateurs sur un site web (par exemple, les pages visitées)</a:t>
+            </a:r>
+          </a:p>
+          <a:p>
+            <a:pPr marL="742950" lvl="1" indent="-285750" algn="l">
+              <a:buFont typeface="+mj-lt"/>
+              <a:buAutoNum type="arabicPeriod"/>
+            </a:pPr>
+            <a:r>
+              <a:rPr lang="fr-FR" b="0" i="0" dirty="0">
+                <a:solidFill>
+                  <a:srgbClr val="D1D5DB"/>
+                </a:solidFill>
+                <a:effectLst/>
+                <a:latin typeface="Söhne"/>
+              </a:rPr>
+              <a:t>Utiliser des sessions pour :</a:t>
+            </a:r>
+          </a:p>
+          <a:p>
+            <a:pPr marL="1143000" lvl="2" indent="-228600" algn="l">
+              <a:buFont typeface="+mj-lt"/>
+              <a:buAutoNum type="arabicPeriod"/>
+            </a:pPr>
+            <a:r>
+              <a:rPr lang="fr-FR" b="0" i="0" dirty="0">
+                <a:solidFill>
+                  <a:srgbClr val="D1D5DB"/>
+                </a:solidFill>
+                <a:effectLst/>
+                <a:latin typeface="Söhne"/>
+              </a:rPr>
+              <a:t>Authentifier les utilisateurs et conserver leurs informations d'authentification</a:t>
+            </a:r>
+          </a:p>
+          <a:p>
+            <a:pPr marL="1143000" lvl="2" indent="-228600" algn="l">
+              <a:buFont typeface="+mj-lt"/>
+              <a:buAutoNum type="arabicPeriod"/>
+            </a:pPr>
+            <a:r>
+              <a:rPr lang="fr-FR" b="0" i="0" dirty="0">
+                <a:solidFill>
+                  <a:srgbClr val="D1D5DB"/>
+                </a:solidFill>
+                <a:effectLst/>
+                <a:latin typeface="Söhne"/>
+              </a:rPr>
+              <a:t>Stocker des données sensibles et temporaires (par exemple, les messages d'erreur ou les données de formulaire)</a:t>
+            </a:r>
+          </a:p>
+          <a:p>
+            <a:pPr marL="1143000" lvl="2" indent="-228600" algn="l">
+              <a:buFont typeface="+mj-lt"/>
+              <a:buAutoNum type="arabicPeriod"/>
+            </a:pPr>
+            <a:r>
+              <a:rPr lang="fr-FR" b="0" i="0" dirty="0">
+                <a:solidFill>
+                  <a:srgbClr val="D1D5DB"/>
+                </a:solidFill>
+                <a:effectLst/>
+                <a:latin typeface="Söhne"/>
+              </a:rPr>
+              <a:t>Gérer des paniers d'achat ou des étapes de processus multi-étapes (par exemple, des formulaires en plusieurs parties)</a:t>
+            </a:r>
+          </a:p>
+        </p:txBody>
+      </p:sp>
+      <p:sp>
+        <p:nvSpPr>
+          <p:cNvPr id="4" name="Espace réservé de la date 3"/>
+          <p:cNvSpPr>
+            <a:spLocks noGrp="1"/>
+          </p:cNvSpPr>
+          <p:nvPr>
+            <p:ph type="dt" idx="1"/>
+          </p:nvPr>
+        </p:nvSpPr>
+        <p:spPr/>
+        <p:txBody>
+          <a:bodyPr/>
+          <a:lstStyle/>
+          <a:p>
+            <a:pPr rtl="0"/>
+            <a:fld id="{139F4AB6-716B-4E95-AAD2-DB349D9AC9BA}" type="datetime1">
+              <a:rPr lang="fr-FR" smtClean="0"/>
+              <a:t>20/03/2023</a:t>
+            </a:fld>
+            <a:endParaRPr lang="en-US"/>
+          </a:p>
+        </p:txBody>
+      </p:sp>
+      <p:sp>
+        <p:nvSpPr>
+          <p:cNvPr id="5" name="Espace réservé du numéro de diapositive 4"/>
+          <p:cNvSpPr>
+            <a:spLocks noGrp="1"/>
+          </p:cNvSpPr>
+          <p:nvPr>
+            <p:ph type="sldNum" sz="quarter" idx="5"/>
+          </p:nvPr>
+        </p:nvSpPr>
+        <p:spPr/>
+        <p:txBody>
+          <a:bodyPr/>
+          <a:lstStyle/>
+          <a:p>
+            <a:pPr rtl="0"/>
+            <a:fld id="{37A705E3-E620-489D-9973-6221209A4B3B}" type="slidenum">
+              <a:rPr lang="en-US" smtClean="0"/>
+              <a:t>27</a:t>
+            </a:fld>
+            <a:endParaRPr lang="en-US"/>
+          </a:p>
+        </p:txBody>
+      </p:sp>
+    </p:spTree>
+    <p:extLst>
+      <p:ext uri="{BB962C8B-B14F-4D97-AF65-F5344CB8AC3E}">
+        <p14:creationId xmlns:p14="http://schemas.microsoft.com/office/powerpoint/2010/main" val="2761007218"/>
+      </p:ext>
+    </p:extLst>
+  </p:cSld>
+  <p:clrMapOvr>
+    <a:masterClrMapping/>
+  </p:clrMapOvr>
+</p:notes>
+</file>
+
+<file path=ppt/notesSlides/notesSlide23.xml><?xml version="1.0" encoding="utf-8"?>
+<p:notes xmlns:a="http://schemas.openxmlformats.org/drawingml/2006/main" xmlns:r="http://schemas.openxmlformats.org/officeDocument/2006/relationships" xmlns:p="http://schemas.openxmlformats.org/presentationml/2006/main">
+  <p:cSld>
+    <p:spTree>
+      <p:nvGrpSpPr>
+        <p:cNvPr id="1" name=""/>
+        <p:cNvGrpSpPr/>
+        <p:nvPr/>
+      </p:nvGrpSpPr>
+      <p:grpSpPr>
+        <a:xfrm>
+          <a:off x="0" y="0"/>
+          <a:ext cx="0" cy="0"/>
+          <a:chOff x="0" y="0"/>
+          <a:chExt cx="0" cy="0"/>
+        </a:xfrm>
+      </p:grpSpPr>
+      <p:sp>
+        <p:nvSpPr>
+          <p:cNvPr id="2" name="Espace réservé de l'image des diapositives 1"/>
+          <p:cNvSpPr>
+            <a:spLocks noGrp="1" noRot="1" noChangeAspect="1"/>
+          </p:cNvSpPr>
+          <p:nvPr>
+            <p:ph type="sldImg"/>
+          </p:nvPr>
+        </p:nvSpPr>
+        <p:spPr/>
+      </p:sp>
+      <p:sp>
+        <p:nvSpPr>
+          <p:cNvPr id="3" name="Espace réservé des notes 2"/>
+          <p:cNvSpPr>
+            <a:spLocks noGrp="1"/>
+          </p:cNvSpPr>
+          <p:nvPr>
+            <p:ph type="body" idx="1"/>
+          </p:nvPr>
+        </p:nvSpPr>
+        <p:spPr/>
+        <p:txBody>
+          <a:bodyPr/>
+          <a:lstStyle/>
+          <a:p>
+            <a:endParaRPr lang="en-US" dirty="0"/>
+          </a:p>
+        </p:txBody>
+      </p:sp>
+      <p:sp>
+        <p:nvSpPr>
+          <p:cNvPr id="4" name="Espace réservé de la date 3"/>
+          <p:cNvSpPr>
+            <a:spLocks noGrp="1"/>
+          </p:cNvSpPr>
+          <p:nvPr>
+            <p:ph type="dt" idx="1"/>
+          </p:nvPr>
+        </p:nvSpPr>
+        <p:spPr/>
+        <p:txBody>
+          <a:bodyPr/>
+          <a:lstStyle/>
+          <a:p>
+            <a:pPr rtl="0"/>
+            <a:fld id="{139F4AB6-716B-4E95-AAD2-DB349D9AC9BA}" type="datetime1">
+              <a:rPr lang="fr-FR" smtClean="0"/>
+              <a:t>20/03/2023</a:t>
+            </a:fld>
+            <a:endParaRPr lang="en-US"/>
+          </a:p>
+        </p:txBody>
+      </p:sp>
+      <p:sp>
+        <p:nvSpPr>
+          <p:cNvPr id="5" name="Espace réservé du numéro de diapositive 4"/>
+          <p:cNvSpPr>
+            <a:spLocks noGrp="1"/>
+          </p:cNvSpPr>
+          <p:nvPr>
+            <p:ph type="sldNum" sz="quarter" idx="5"/>
+          </p:nvPr>
+        </p:nvSpPr>
+        <p:spPr/>
+        <p:txBody>
+          <a:bodyPr/>
+          <a:lstStyle/>
+          <a:p>
+            <a:pPr rtl="0"/>
+            <a:fld id="{37A705E3-E620-489D-9973-6221209A4B3B}" type="slidenum">
+              <a:rPr lang="en-US" smtClean="0"/>
+              <a:t>28</a:t>
+            </a:fld>
+            <a:endParaRPr lang="en-US"/>
+          </a:p>
+        </p:txBody>
+      </p:sp>
+    </p:spTree>
+    <p:extLst>
+      <p:ext uri="{BB962C8B-B14F-4D97-AF65-F5344CB8AC3E}">
+        <p14:creationId xmlns:p14="http://schemas.microsoft.com/office/powerpoint/2010/main" val="1204568094"/>
       </p:ext>
     </p:extLst>
   </p:cSld>
@@ -4907,712 +7740,6 @@
           <a:bodyPr/>
           <a:lstStyle/>
           <a:p>
-            <a:r>
-              <a:rPr lang="fr-FR" dirty="0"/>
-              <a:t>Étape 1 : Mise à jour du système</a:t>
-            </a:r>
-          </a:p>
-          <a:p>
-            <a:endParaRPr lang="fr-FR" dirty="0"/>
-          </a:p>
-          <a:p>
-            <a:r>
-              <a:rPr lang="fr-FR" dirty="0"/>
-              <a:t>    Ouvrez un terminal et exécutez la commande suivante pour mettre à jour les paquets existants :</a:t>
-            </a:r>
-          </a:p>
-          <a:p>
-            <a:endParaRPr lang="fr-FR" dirty="0"/>
-          </a:p>
-          <a:p>
-            <a:r>
-              <a:rPr lang="fr-FR" dirty="0" err="1"/>
-              <a:t>bash</a:t>
-            </a:r>
-            <a:endParaRPr lang="fr-FR" dirty="0"/>
-          </a:p>
-          <a:p>
-            <a:endParaRPr lang="fr-FR" dirty="0"/>
-          </a:p>
-          <a:p>
-            <a:r>
-              <a:rPr lang="fr-FR" dirty="0" err="1"/>
-              <a:t>sudo</a:t>
-            </a:r>
-            <a:r>
-              <a:rPr lang="fr-FR" dirty="0"/>
-              <a:t> </a:t>
-            </a:r>
-            <a:r>
-              <a:rPr lang="fr-FR" dirty="0" err="1"/>
-              <a:t>apt</a:t>
-            </a:r>
-            <a:r>
-              <a:rPr lang="fr-FR" dirty="0"/>
-              <a:t> update &amp;&amp; </a:t>
-            </a:r>
-            <a:r>
-              <a:rPr lang="fr-FR" dirty="0" err="1"/>
-              <a:t>sudo</a:t>
-            </a:r>
-            <a:r>
-              <a:rPr lang="fr-FR" dirty="0"/>
-              <a:t> </a:t>
-            </a:r>
-            <a:r>
-              <a:rPr lang="fr-FR" dirty="0" err="1"/>
-              <a:t>apt</a:t>
-            </a:r>
-            <a:r>
-              <a:rPr lang="fr-FR" dirty="0"/>
-              <a:t> upgrade</a:t>
-            </a:r>
-          </a:p>
-          <a:p>
-            <a:endParaRPr lang="fr-FR" dirty="0"/>
-          </a:p>
-          <a:p>
-            <a:r>
-              <a:rPr lang="fr-FR" dirty="0"/>
-              <a:t>Étape 2 : Installer Apache</a:t>
-            </a:r>
-          </a:p>
-          <a:p>
-            <a:endParaRPr lang="fr-FR" dirty="0"/>
-          </a:p>
-          <a:p>
-            <a:r>
-              <a:rPr lang="fr-FR" dirty="0"/>
-              <a:t>    Exécutez la commande suivante pour installer le serveur web Apache :</a:t>
-            </a:r>
-          </a:p>
-          <a:p>
-            <a:endParaRPr lang="fr-FR" dirty="0"/>
-          </a:p>
-          <a:p>
-            <a:r>
-              <a:rPr lang="fr-FR" dirty="0" err="1"/>
-              <a:t>sudo</a:t>
-            </a:r>
-            <a:r>
-              <a:rPr lang="fr-FR" dirty="0"/>
-              <a:t> </a:t>
-            </a:r>
-            <a:r>
-              <a:rPr lang="fr-FR" dirty="0" err="1"/>
-              <a:t>apt</a:t>
-            </a:r>
-            <a:r>
-              <a:rPr lang="fr-FR" dirty="0"/>
-              <a:t> </a:t>
-            </a:r>
-            <a:r>
-              <a:rPr lang="fr-FR" dirty="0" err="1"/>
-              <a:t>install</a:t>
-            </a:r>
-            <a:r>
-              <a:rPr lang="fr-FR" dirty="0"/>
-              <a:t> apache2</a:t>
-            </a:r>
-          </a:p>
-          <a:p>
-            <a:endParaRPr lang="fr-FR" dirty="0"/>
-          </a:p>
-          <a:p>
-            <a:r>
-              <a:rPr lang="fr-FR" dirty="0"/>
-              <a:t>    Une fois l'installation terminée, activez Apache pour qu'il démarre automatiquement au démarrage :</a:t>
-            </a:r>
-          </a:p>
-          <a:p>
-            <a:endParaRPr lang="fr-FR" dirty="0"/>
-          </a:p>
-          <a:p>
-            <a:r>
-              <a:rPr lang="fr-FR" dirty="0" err="1"/>
-              <a:t>bash</a:t>
-            </a:r>
-            <a:endParaRPr lang="fr-FR" dirty="0"/>
-          </a:p>
-          <a:p>
-            <a:endParaRPr lang="fr-FR" dirty="0"/>
-          </a:p>
-          <a:p>
-            <a:r>
-              <a:rPr lang="fr-FR" dirty="0" err="1"/>
-              <a:t>sudo</a:t>
-            </a:r>
-            <a:r>
-              <a:rPr lang="fr-FR" dirty="0"/>
-              <a:t> </a:t>
-            </a:r>
-            <a:r>
-              <a:rPr lang="fr-FR" dirty="0" err="1"/>
-              <a:t>systemctl</a:t>
-            </a:r>
-            <a:r>
-              <a:rPr lang="fr-FR" dirty="0"/>
-              <a:t> enable apache2</a:t>
-            </a:r>
-          </a:p>
-          <a:p>
-            <a:endParaRPr lang="fr-FR" dirty="0"/>
-          </a:p>
-          <a:p>
-            <a:r>
-              <a:rPr lang="fr-FR" dirty="0"/>
-              <a:t>    Démarrez le serveur Apache :</a:t>
-            </a:r>
-          </a:p>
-          <a:p>
-            <a:endParaRPr lang="fr-FR" dirty="0"/>
-          </a:p>
-          <a:p>
-            <a:r>
-              <a:rPr lang="fr-FR" dirty="0" err="1"/>
-              <a:t>bash</a:t>
-            </a:r>
-            <a:endParaRPr lang="fr-FR" dirty="0"/>
-          </a:p>
-          <a:p>
-            <a:endParaRPr lang="fr-FR" dirty="0"/>
-          </a:p>
-          <a:p>
-            <a:r>
-              <a:rPr lang="fr-FR" dirty="0" err="1"/>
-              <a:t>sudo</a:t>
-            </a:r>
-            <a:r>
-              <a:rPr lang="fr-FR" dirty="0"/>
-              <a:t> </a:t>
-            </a:r>
-            <a:r>
-              <a:rPr lang="fr-FR" dirty="0" err="1"/>
-              <a:t>systemctl</a:t>
-            </a:r>
-            <a:r>
-              <a:rPr lang="fr-FR" dirty="0"/>
-              <a:t> start apache2</a:t>
-            </a:r>
-          </a:p>
-          <a:p>
-            <a:endParaRPr lang="fr-FR" dirty="0"/>
-          </a:p>
-          <a:p>
-            <a:r>
-              <a:rPr lang="fr-FR" dirty="0"/>
-              <a:t>    Pour vérifier si Apache est installé et fonctionne correctement, ouvrez un navigateur et accédez à l'URL suivante :</a:t>
-            </a:r>
-          </a:p>
-          <a:p>
-            <a:endParaRPr lang="fr-FR" dirty="0"/>
-          </a:p>
-          <a:p>
-            <a:r>
-              <a:rPr lang="fr-FR" dirty="0" err="1"/>
-              <a:t>nav</a:t>
-            </a:r>
-            <a:endParaRPr lang="fr-FR" dirty="0"/>
-          </a:p>
-          <a:p>
-            <a:endParaRPr lang="fr-FR" dirty="0"/>
-          </a:p>
-          <a:p>
-            <a:r>
-              <a:rPr lang="fr-FR" dirty="0"/>
-              <a:t>http://localhost/</a:t>
-            </a:r>
-          </a:p>
-          <a:p>
-            <a:endParaRPr lang="fr-FR" dirty="0"/>
-          </a:p>
-          <a:p>
-            <a:r>
-              <a:rPr lang="fr-FR" dirty="0"/>
-              <a:t>Étape 3 : Installer PHP</a:t>
-            </a:r>
-          </a:p>
-          <a:p>
-            <a:endParaRPr lang="fr-FR" dirty="0"/>
-          </a:p>
-          <a:p>
-            <a:r>
-              <a:rPr lang="fr-FR" dirty="0"/>
-              <a:t>    Installez PHP en exécutant la commande suivante :</a:t>
-            </a:r>
-          </a:p>
-          <a:p>
-            <a:endParaRPr lang="fr-FR" dirty="0"/>
-          </a:p>
-          <a:p>
-            <a:r>
-              <a:rPr lang="fr-FR" dirty="0" err="1"/>
-              <a:t>bash</a:t>
-            </a:r>
-            <a:endParaRPr lang="fr-FR" dirty="0"/>
-          </a:p>
-          <a:p>
-            <a:endParaRPr lang="fr-FR" dirty="0"/>
-          </a:p>
-          <a:p>
-            <a:r>
-              <a:rPr lang="fr-FR" dirty="0" err="1"/>
-              <a:t>sudo</a:t>
-            </a:r>
-            <a:r>
-              <a:rPr lang="fr-FR" dirty="0"/>
-              <a:t> </a:t>
-            </a:r>
-            <a:r>
-              <a:rPr lang="fr-FR" dirty="0" err="1"/>
-              <a:t>apt</a:t>
-            </a:r>
-            <a:r>
-              <a:rPr lang="fr-FR" dirty="0"/>
-              <a:t> </a:t>
-            </a:r>
-            <a:r>
-              <a:rPr lang="fr-FR" dirty="0" err="1"/>
-              <a:t>install</a:t>
-            </a:r>
-            <a:r>
-              <a:rPr lang="fr-FR" dirty="0"/>
-              <a:t> </a:t>
-            </a:r>
-            <a:r>
-              <a:rPr lang="fr-FR" dirty="0" err="1"/>
-              <a:t>php</a:t>
-            </a:r>
-            <a:r>
-              <a:rPr lang="fr-FR" dirty="0"/>
-              <a:t> libapache2-mod-php</a:t>
-            </a:r>
-          </a:p>
-          <a:p>
-            <a:endParaRPr lang="fr-FR" dirty="0"/>
-          </a:p>
-          <a:p>
-            <a:r>
-              <a:rPr lang="fr-FR" dirty="0"/>
-              <a:t>    Redémarrez le serveur Apache pour prendre en compte les modifications :</a:t>
-            </a:r>
-          </a:p>
-          <a:p>
-            <a:endParaRPr lang="fr-FR" dirty="0"/>
-          </a:p>
-          <a:p>
-            <a:r>
-              <a:rPr lang="fr-FR" dirty="0" err="1"/>
-              <a:t>sudo</a:t>
-            </a:r>
-            <a:r>
-              <a:rPr lang="fr-FR" dirty="0"/>
-              <a:t> </a:t>
-            </a:r>
-            <a:r>
-              <a:rPr lang="fr-FR" dirty="0" err="1"/>
-              <a:t>systemctl</a:t>
-            </a:r>
-            <a:r>
-              <a:rPr lang="fr-FR" dirty="0"/>
-              <a:t> restart apache2</a:t>
-            </a:r>
-          </a:p>
-          <a:p>
-            <a:endParaRPr lang="fr-FR" dirty="0"/>
-          </a:p>
-          <a:p>
-            <a:r>
-              <a:rPr lang="fr-FR" dirty="0"/>
-              <a:t>    Pour vérifier si PHP est correctement installé, créez un fichier </a:t>
-            </a:r>
-            <a:r>
-              <a:rPr lang="fr-FR" dirty="0" err="1"/>
-              <a:t>info.php</a:t>
-            </a:r>
-            <a:r>
-              <a:rPr lang="fr-FR" dirty="0"/>
-              <a:t> dans le répertoire /var/www/html :</a:t>
-            </a:r>
-          </a:p>
-          <a:p>
-            <a:endParaRPr lang="fr-FR" dirty="0"/>
-          </a:p>
-          <a:p>
-            <a:r>
-              <a:rPr lang="fr-FR" dirty="0" err="1"/>
-              <a:t>nav</a:t>
-            </a:r>
-            <a:endParaRPr lang="fr-FR" dirty="0"/>
-          </a:p>
-          <a:p>
-            <a:endParaRPr lang="fr-FR" dirty="0"/>
-          </a:p>
-          <a:p>
-            <a:r>
-              <a:rPr lang="fr-FR" dirty="0" err="1"/>
-              <a:t>sudo</a:t>
-            </a:r>
-            <a:r>
-              <a:rPr lang="fr-FR" dirty="0"/>
-              <a:t> nano /var/www/html/</a:t>
-            </a:r>
-            <a:r>
-              <a:rPr lang="fr-FR" dirty="0" err="1"/>
-              <a:t>info.php</a:t>
-            </a:r>
-            <a:endParaRPr lang="fr-FR" dirty="0"/>
-          </a:p>
-          <a:p>
-            <a:endParaRPr lang="fr-FR" dirty="0"/>
-          </a:p>
-          <a:p>
-            <a:r>
-              <a:rPr lang="fr-FR" dirty="0"/>
-              <a:t>    Ajoutez le code suivant dans le fichier </a:t>
-            </a:r>
-            <a:r>
-              <a:rPr lang="fr-FR" dirty="0" err="1"/>
-              <a:t>info.php</a:t>
-            </a:r>
-            <a:r>
-              <a:rPr lang="fr-FR" dirty="0"/>
-              <a:t> :</a:t>
-            </a:r>
-          </a:p>
-          <a:p>
-            <a:endParaRPr lang="fr-FR" dirty="0"/>
-          </a:p>
-          <a:p>
-            <a:r>
-              <a:rPr lang="fr-FR" dirty="0" err="1"/>
-              <a:t>php</a:t>
-            </a:r>
-            <a:endParaRPr lang="fr-FR" dirty="0"/>
-          </a:p>
-          <a:p>
-            <a:endParaRPr lang="fr-FR" dirty="0"/>
-          </a:p>
-          <a:p>
-            <a:r>
-              <a:rPr lang="fr-FR" dirty="0"/>
-              <a:t>&lt;?</a:t>
-            </a:r>
-            <a:r>
-              <a:rPr lang="fr-FR" dirty="0" err="1"/>
-              <a:t>php</a:t>
-            </a:r>
-            <a:endParaRPr lang="fr-FR" dirty="0"/>
-          </a:p>
-          <a:p>
-            <a:r>
-              <a:rPr lang="fr-FR" dirty="0" err="1"/>
-              <a:t>phpinfo</a:t>
-            </a:r>
-            <a:r>
-              <a:rPr lang="fr-FR" dirty="0"/>
-              <a:t>();</a:t>
-            </a:r>
-          </a:p>
-          <a:p>
-            <a:r>
-              <a:rPr lang="fr-FR" dirty="0"/>
-              <a:t>?&gt;</a:t>
-            </a:r>
-          </a:p>
-          <a:p>
-            <a:endParaRPr lang="fr-FR" dirty="0"/>
-          </a:p>
-          <a:p>
-            <a:r>
-              <a:rPr lang="fr-FR" dirty="0"/>
-              <a:t>    Enregistrez le fichier et quittez l'éditeur de texte.</a:t>
-            </a:r>
-          </a:p>
-          <a:p>
-            <a:endParaRPr lang="fr-FR" dirty="0"/>
-          </a:p>
-          <a:p>
-            <a:r>
-              <a:rPr lang="fr-FR" dirty="0"/>
-              <a:t>    Ouvrez un navigateur et accédez à l'URL suivante pour vérifier l'installation de PHP :</a:t>
-            </a:r>
-          </a:p>
-          <a:p>
-            <a:endParaRPr lang="fr-FR" dirty="0"/>
-          </a:p>
-          <a:p>
-            <a:r>
-              <a:rPr lang="fr-FR" dirty="0" err="1"/>
-              <a:t>nav</a:t>
-            </a:r>
-            <a:endParaRPr lang="fr-FR" dirty="0"/>
-          </a:p>
-          <a:p>
-            <a:endParaRPr lang="fr-FR" dirty="0"/>
-          </a:p>
-          <a:p>
-            <a:r>
-              <a:rPr lang="fr-FR" dirty="0"/>
-              <a:t>http://localhost/info.php</a:t>
-            </a:r>
-          </a:p>
-          <a:p>
-            <a:endParaRPr lang="fr-FR" dirty="0"/>
-          </a:p>
-          <a:p>
-            <a:r>
-              <a:rPr lang="fr-FR" dirty="0"/>
-              <a:t>Étape 4 : Installer MySQL (optionnel)</a:t>
-            </a:r>
-          </a:p>
-          <a:p>
-            <a:endParaRPr lang="fr-FR" dirty="0"/>
-          </a:p>
-          <a:p>
-            <a:r>
-              <a:rPr lang="fr-FR" dirty="0"/>
-              <a:t>    Si vous souhaitez utiliser une base de données MySQL avec PHP, installez le serveur MySQL avec la commande suivante :</a:t>
-            </a:r>
-          </a:p>
-          <a:p>
-            <a:endParaRPr lang="fr-FR" dirty="0"/>
-          </a:p>
-          <a:p>
-            <a:r>
-              <a:rPr lang="fr-FR" dirty="0" err="1"/>
-              <a:t>sudo</a:t>
-            </a:r>
-            <a:r>
-              <a:rPr lang="fr-FR" dirty="0"/>
-              <a:t> </a:t>
-            </a:r>
-            <a:r>
-              <a:rPr lang="fr-FR" dirty="0" err="1"/>
-              <a:t>apt</a:t>
-            </a:r>
-            <a:r>
-              <a:rPr lang="fr-FR" dirty="0"/>
-              <a:t> </a:t>
-            </a:r>
-            <a:r>
-              <a:rPr lang="fr-FR" dirty="0" err="1"/>
-              <a:t>install</a:t>
-            </a:r>
-            <a:r>
-              <a:rPr lang="fr-FR" dirty="0"/>
-              <a:t> </a:t>
-            </a:r>
-            <a:r>
-              <a:rPr lang="fr-FR" dirty="0" err="1"/>
-              <a:t>mysql</a:t>
-            </a:r>
-            <a:r>
-              <a:rPr lang="fr-FR" dirty="0"/>
-              <a:t>-server</a:t>
-            </a:r>
-          </a:p>
-          <a:p>
-            <a:endParaRPr lang="fr-FR" dirty="0"/>
-          </a:p>
-          <a:p>
-            <a:r>
-              <a:rPr lang="fr-FR" dirty="0"/>
-              <a:t>    Une fois l'installation terminée, exécutez la commande suivante pour sécuriser l'installation de MySQL :</a:t>
-            </a:r>
-          </a:p>
-          <a:p>
-            <a:endParaRPr lang="fr-FR" dirty="0"/>
-          </a:p>
-          <a:p>
-            <a:r>
-              <a:rPr lang="fr-FR" dirty="0" err="1"/>
-              <a:t>sudo</a:t>
-            </a:r>
-            <a:r>
-              <a:rPr lang="fr-FR" dirty="0"/>
-              <a:t> </a:t>
-            </a:r>
-            <a:r>
-              <a:rPr lang="fr-FR" dirty="0" err="1"/>
-              <a:t>mysql_secure_installation</a:t>
-            </a:r>
-            <a:endParaRPr lang="fr-FR" dirty="0"/>
-          </a:p>
-          <a:p>
-            <a:endParaRPr lang="fr-FR" dirty="0"/>
-          </a:p>
-          <a:p>
-            <a:r>
-              <a:rPr lang="fr-FR" dirty="0"/>
-              <a:t>    Répondez aux questions pour configurer le mot de passe root et les paramètres de sécurité.</a:t>
-            </a:r>
-          </a:p>
-          <a:p>
-            <a:endParaRPr lang="fr-FR" dirty="0"/>
-          </a:p>
-          <a:p>
-            <a:r>
-              <a:rPr lang="fr-FR" dirty="0"/>
-              <a:t>Étape 5 : Installer phpMyAdmin (optionnel)</a:t>
-            </a:r>
-          </a:p>
-          <a:p>
-            <a:endParaRPr lang="fr-FR" dirty="0"/>
-          </a:p>
-          <a:p>
-            <a:r>
-              <a:rPr lang="fr-FR" dirty="0"/>
-              <a:t>    Si vous préférez utiliser une interface graphique pour gérer vos bases de données MySQL, installez phpMyAdmin avec la commande suivante :</a:t>
-            </a:r>
-          </a:p>
-          <a:p>
-            <a:endParaRPr lang="fr-FR" dirty="0"/>
-          </a:p>
-          <a:p>
-            <a:r>
-              <a:rPr lang="fr-FR" dirty="0" err="1"/>
-              <a:t>sudo</a:t>
-            </a:r>
-            <a:r>
-              <a:rPr lang="fr-FR" dirty="0"/>
-              <a:t> </a:t>
-            </a:r>
-            <a:r>
-              <a:rPr lang="fr-FR" dirty="0" err="1"/>
-              <a:t>apt</a:t>
-            </a:r>
-            <a:r>
-              <a:rPr lang="fr-FR" dirty="0"/>
-              <a:t> </a:t>
-            </a:r>
-            <a:r>
-              <a:rPr lang="fr-FR" dirty="0" err="1"/>
-              <a:t>install</a:t>
-            </a:r>
-            <a:r>
-              <a:rPr lang="fr-FR" dirty="0"/>
-              <a:t> </a:t>
-            </a:r>
-            <a:r>
-              <a:rPr lang="fr-FR" dirty="0" err="1"/>
-              <a:t>phpmyadmin</a:t>
-            </a:r>
-            <a:endParaRPr lang="fr-FR" dirty="0"/>
-          </a:p>
-          <a:p>
-            <a:endParaRPr lang="fr-FR" dirty="0"/>
-          </a:p>
-          <a:p>
-            <a:r>
-              <a:rPr lang="fr-FR" dirty="0"/>
-              <a:t>    Pendant l'installation, choisissez Apache comme serveur web et configurez le mot de passe pour phpMyAdmin.</a:t>
-            </a:r>
-          </a:p>
-          <a:p>
-            <a:endParaRPr lang="fr-FR" dirty="0"/>
-          </a:p>
-          <a:p>
-            <a:r>
-              <a:rPr lang="fr-FR" dirty="0"/>
-              <a:t>    Redémarrez le serveur Apache pour prendre en compte les modifications :</a:t>
-            </a:r>
-          </a:p>
-          <a:p>
-            <a:endParaRPr lang="fr-FR" dirty="0"/>
-          </a:p>
-          <a:p>
-            <a:r>
-              <a:rPr lang="fr-FR" dirty="0" err="1"/>
-              <a:t>sudo</a:t>
-            </a:r>
-            <a:r>
-              <a:rPr lang="fr-FR" dirty="0"/>
-              <a:t> </a:t>
-            </a:r>
-            <a:r>
-              <a:rPr lang="fr-FR" dirty="0" err="1"/>
-              <a:t>systemctl</a:t>
-            </a:r>
-            <a:r>
-              <a:rPr lang="fr-FR" dirty="0"/>
-              <a:t> restart apache2</a:t>
-            </a:r>
-          </a:p>
-          <a:p>
-            <a:endParaRPr lang="fr-FR" dirty="0"/>
-          </a:p>
-          <a:p>
-            <a:r>
-              <a:rPr lang="fr-FR" dirty="0"/>
-              <a:t>    Accédez à phpMyAdmin via l'URL suivante :</a:t>
-            </a:r>
-          </a:p>
-          <a:p>
-            <a:endParaRPr lang="fr-FR" dirty="0"/>
-          </a:p>
-          <a:p>
-            <a:r>
-              <a:rPr lang="fr-FR" dirty="0"/>
-              <a:t>javascript</a:t>
-            </a:r>
-          </a:p>
-          <a:p>
-            <a:endParaRPr lang="fr-FR" dirty="0"/>
-          </a:p>
-          <a:p>
-            <a:r>
-              <a:rPr lang="fr-FR" dirty="0"/>
-              <a:t>http://localhost/phpmyadmin</a:t>
-            </a:r>
-          </a:p>
-          <a:p>
-            <a:endParaRPr lang="fr-FR" dirty="0"/>
-          </a:p>
-          <a:p>
-            <a:r>
-              <a:rPr lang="fr-FR" dirty="0"/>
-              <a:t>Étape 6 : Installer un IDE (optionnel)</a:t>
-            </a:r>
-          </a:p>
-          <a:p>
-            <a:endParaRPr lang="fr-FR" dirty="0"/>
-          </a:p>
-          <a:p>
-            <a:r>
-              <a:rPr lang="fr-FR" dirty="0"/>
-              <a:t>    Vous pouvez également installer un environnement de développement intégré (IDE) pour travailler avec PHP, comme Visual Studio Code, </a:t>
-            </a:r>
-            <a:r>
-              <a:rPr lang="fr-FR" dirty="0" err="1"/>
-              <a:t>PHPStorm</a:t>
-            </a:r>
-            <a:r>
-              <a:rPr lang="fr-FR" dirty="0"/>
-              <a:t> ou Sublime </a:t>
-            </a:r>
-            <a:r>
-              <a:rPr lang="fr-FR" dirty="0" err="1"/>
-              <a:t>Text</a:t>
-            </a:r>
-            <a:r>
-              <a:rPr lang="fr-FR" dirty="0"/>
-              <a:t>. Par exemple, pour installer Visual Studio Code, suivez les instructions sur le site officiel : https://code.visualstudio.com/docs/setup/linux</a:t>
-            </a:r>
-          </a:p>
-          <a:p>
-            <a:endParaRPr lang="fr-FR" dirty="0"/>
-          </a:p>
-          <a:p>
-            <a:r>
-              <a:rPr lang="fr-FR" dirty="0"/>
-              <a:t>Félicitations ! Vous avez maintenant installé et configuré un environnement de développement PHP sur Ubuntu 20.04.</a:t>
-            </a:r>
-          </a:p>
-          <a:p>
-            <a:endParaRPr lang="en-US" dirty="0"/>
-          </a:p>
-          <a:p>
             <a:endParaRPr lang="en-US" dirty="0"/>
           </a:p>
         </p:txBody>
@@ -5668,7 +7795,7 @@
     </p:spTree>
     <p:extLst>
       <p:ext uri="{BB962C8B-B14F-4D97-AF65-F5344CB8AC3E}">
-        <p14:creationId xmlns:p14="http://schemas.microsoft.com/office/powerpoint/2010/main" val="3941353097"/>
+        <p14:creationId xmlns:p14="http://schemas.microsoft.com/office/powerpoint/2010/main" val="1054542574"/>
       </p:ext>
     </p:extLst>
   </p:cSld>
@@ -5722,6 +7849,48 @@
           <a:bodyPr/>
           <a:lstStyle/>
           <a:p>
+            <a:r>
+              <a:rPr lang="fr-FR" b="0" i="0" dirty="0">
+                <a:solidFill>
+                  <a:srgbClr val="D1D5DB"/>
+                </a:solidFill>
+                <a:effectLst/>
+                <a:latin typeface="Söhne"/>
+              </a:rPr>
+              <a:t>Note : Il est important de se rappeler que la fonction </a:t>
+            </a:r>
+            <a:r>
+              <a:rPr lang="fr-FR" dirty="0"/>
+              <a:t>header()</a:t>
+            </a:r>
+            <a:r>
+              <a:rPr lang="fr-FR" b="0" i="0" dirty="0">
+                <a:solidFill>
+                  <a:srgbClr val="D1D5DB"/>
+                </a:solidFill>
+                <a:effectLst/>
+                <a:latin typeface="Söhne"/>
+              </a:rPr>
+              <a:t> doit être appelée avant toute sortie de contenu. Pour vous assurer que vous pouvez utiliser cette fonction, vérifiez que votre fichier PHP ne contient pas de contenu avant les balises PHP ou utilisez la fonction </a:t>
+            </a:r>
+            <a:r>
+              <a:rPr lang="fr-FR" dirty="0" err="1"/>
+              <a:t>ob_start</a:t>
+            </a:r>
+            <a:r>
+              <a:rPr lang="fr-FR" dirty="0"/>
+              <a:t>()</a:t>
+            </a:r>
+            <a:r>
+              <a:rPr lang="fr-FR" b="0" i="0" dirty="0">
+                <a:solidFill>
+                  <a:srgbClr val="D1D5DB"/>
+                </a:solidFill>
+                <a:effectLst/>
+                <a:latin typeface="Söhne"/>
+              </a:rPr>
+              <a:t> pour contrôler la mise en mémoire tampon de sortie.</a:t>
+            </a:r>
             <a:endParaRPr lang="en-US" dirty="0"/>
           </a:p>
         </p:txBody>
@@ -5768,7 +7937,7 @@
             <a:pPr rtl="0"/>
             <a:fld id="{37A705E3-E620-489D-9973-6221209A4B3B}" type="slidenum">
               <a:rPr lang="en-US" smtClean="0"/>
-              <a:t>12</a:t>
+              <a:t>11</a:t>
             </a:fld>
             <a:endParaRPr lang="en-US"/>
           </a:p>
@@ -5777,7 +7946,7 @@
     </p:spTree>
     <p:extLst>
       <p:ext uri="{BB962C8B-B14F-4D97-AF65-F5344CB8AC3E}">
-        <p14:creationId xmlns:p14="http://schemas.microsoft.com/office/powerpoint/2010/main" val="4241590633"/>
+        <p14:creationId xmlns:p14="http://schemas.microsoft.com/office/powerpoint/2010/main" val="425969548"/>
       </p:ext>
     </p:extLst>
   </p:cSld>
@@ -5833,20 +8002,53 @@
           <a:p>
             <a:r>
               <a:rPr lang="fr-FR" dirty="0"/>
-              <a:t>Déclaration et appel d'une fonction :</a:t>
-            </a:r>
-          </a:p>
-          <a:p>
+              <a:t>&lt;!DOCTYPE html&gt;</a:t>
+            </a:r>
+          </a:p>
+          <a:p>
+            <a:r>
+              <a:rPr lang="fr-FR" dirty="0"/>
+              <a:t>&lt;html </a:t>
+            </a:r>
             <a:r>
               <a:rPr lang="fr-FR" dirty="0" err="1"/>
-              <a:t>php</a:t>
-            </a:r>
-            <a:endParaRPr lang="fr-FR" dirty="0"/>
-          </a:p>
-          <a:p>
+              <a:t>lang</a:t>
+            </a:r>
+            <a:r>
+              <a:rPr lang="fr-FR" dirty="0"/>
+              <a:t>="</a:t>
+            </a:r>
             <a:r>
               <a:rPr lang="fr-FR" dirty="0" err="1"/>
-              <a:t>function</a:t>
+              <a:t>fr</a:t>
+            </a:r>
+            <a:r>
+              <a:rPr lang="fr-FR" dirty="0"/>
+              <a:t>"&gt;</a:t>
+            </a:r>
+          </a:p>
+          <a:p>
+            <a:r>
+              <a:rPr lang="fr-FR" dirty="0"/>
+              <a:t>&lt;</a:t>
+            </a:r>
+            <a:r>
+              <a:rPr lang="fr-FR" dirty="0" err="1"/>
+              <a:t>head</a:t>
+            </a:r>
+            <a:r>
+              <a:rPr lang="fr-FR" dirty="0"/>
+              <a:t>&gt;</a:t>
+            </a:r>
+          </a:p>
+          <a:p>
+            <a:r>
+              <a:rPr lang="fr-FR" dirty="0"/>
+              <a:t>    &lt;</a:t>
+            </a:r>
+            <a:r>
+              <a:rPr lang="fr-FR" dirty="0" err="1"/>
+              <a:t>meta</a:t>
             </a:r>
             <a:r>
               <a:rPr lang="fr-FR" dirty="0"/>
@@ -5854,11 +8056,25 @@
             </a:r>
             <a:r>
               <a:rPr lang="fr-FR" dirty="0" err="1"/>
-              <a:t>greet</a:t>
+              <a:t>charset</a:t>
             </a:r>
             <a:r>
               <a:rPr lang="fr-FR" dirty="0"/>
-              <a:t>($</a:t>
+              <a:t>="UTF-8"&gt;</a:t>
+            </a:r>
+          </a:p>
+          <a:p>
+            <a:r>
+              <a:rPr lang="fr-FR" dirty="0"/>
+              <a:t>    &lt;</a:t>
+            </a:r>
+            <a:r>
+              <a:rPr lang="fr-FR" dirty="0" err="1"/>
+              <a:t>meta</a:t>
+            </a:r>
+            <a:r>
+              <a:rPr lang="fr-FR" dirty="0"/>
+              <a:t> </a:t>
             </a:r>
             <a:r>
               <a:rPr lang="fr-FR" dirty="0" err="1"/>
@@ -5866,181 +8082,100 @@
             </a:r>
             <a:r>
               <a:rPr lang="fr-FR" dirty="0"/>
-              <a:t>) { </a:t>
+              <a:t>="</a:t>
             </a:r>
             <a:r>
               <a:rPr lang="fr-FR" dirty="0" err="1"/>
-              <a:t>echo</a:t>
+              <a:t>viewport</a:t>
             </a:r>
             <a:r>
               <a:rPr lang="fr-FR" dirty="0"/>
-              <a:t> "Bonjour, $</a:t>
+              <a:t>" content="</a:t>
             </a:r>
             <a:r>
               <a:rPr lang="fr-FR" dirty="0" err="1"/>
-              <a:t>name</a:t>
+              <a:t>width</a:t>
             </a:r>
             <a:r>
               <a:rPr lang="fr-FR" dirty="0"/>
-              <a:t>!"; } </a:t>
+              <a:t>=</a:t>
             </a:r>
             <a:r>
               <a:rPr lang="fr-FR" dirty="0" err="1"/>
-              <a:t>greet</a:t>
+              <a:t>device-width</a:t>
             </a:r>
             <a:r>
               <a:rPr lang="fr-FR" dirty="0"/>
-              <a:t>("Alice"); // Affiche "Bonjour, Alice!" </a:t>
-            </a:r>
-          </a:p>
-          <a:p>
-            <a:endParaRPr lang="fr-FR" dirty="0"/>
-          </a:p>
-          <a:p>
-            <a:r>
-              <a:rPr lang="en-US" dirty="0" err="1"/>
-              <a:t>Fonction</a:t>
-            </a:r>
-            <a:r>
-              <a:rPr lang="en-US" dirty="0"/>
-              <a:t> avec </a:t>
-            </a:r>
-            <a:r>
-              <a:rPr lang="en-US" dirty="0" err="1"/>
-              <a:t>valeur</a:t>
-            </a:r>
-            <a:r>
-              <a:rPr lang="en-US" dirty="0"/>
-              <a:t> de retour :</a:t>
-            </a:r>
-          </a:p>
-          <a:p>
-            <a:r>
-              <a:rPr lang="en-US" dirty="0" err="1"/>
-              <a:t>php</a:t>
-            </a:r>
-            <a:endParaRPr lang="en-US" dirty="0"/>
-          </a:p>
-          <a:p>
-            <a:r>
-              <a:rPr lang="en-US" dirty="0"/>
-              <a:t>function add($a, $b) { return $a + $b; } $sum = add(3, 4); // $sum </a:t>
-            </a:r>
-            <a:r>
-              <a:rPr lang="en-US" dirty="0" err="1"/>
-              <a:t>vaudra</a:t>
-            </a:r>
-            <a:r>
-              <a:rPr lang="en-US" dirty="0"/>
-              <a:t> 7 </a:t>
-            </a:r>
-          </a:p>
-          <a:p>
-            <a:endParaRPr lang="fr-FR" dirty="0"/>
-          </a:p>
-          <a:p>
-            <a:r>
-              <a:rPr lang="en-US" dirty="0" err="1"/>
-              <a:t>Fonction</a:t>
-            </a:r>
-            <a:r>
-              <a:rPr lang="en-US" dirty="0"/>
-              <a:t> anonyme :</a:t>
-            </a:r>
-          </a:p>
-          <a:p>
-            <a:r>
-              <a:rPr lang="en-US" dirty="0" err="1"/>
-              <a:t>php</a:t>
-            </a:r>
-            <a:endParaRPr lang="en-US" dirty="0"/>
-          </a:p>
-          <a:p>
-            <a:r>
-              <a:rPr lang="en-US" dirty="0"/>
-              <a:t>$multiply = function($a, $b) { return $a * $b; }; $result = $multiply(3, 4); // $result </a:t>
-            </a:r>
-            <a:r>
-              <a:rPr lang="en-US" dirty="0" err="1"/>
-              <a:t>vaudra</a:t>
-            </a:r>
-            <a:r>
-              <a:rPr lang="en-US" dirty="0"/>
-              <a:t> 12 </a:t>
-            </a:r>
-          </a:p>
-          <a:p>
-            <a:endParaRPr lang="fr-FR" dirty="0"/>
-          </a:p>
-          <a:p>
+              <a:t>, initial-</a:t>
+            </a:r>
+            <a:r>
+              <a:rPr lang="fr-FR" dirty="0" err="1"/>
+              <a:t>scale</a:t>
+            </a:r>
             <a:r>
               <a:rPr lang="fr-FR" dirty="0"/>
-              <a:t>Utilisation d'une fonction prédéfinie :</a:t>
-            </a:r>
-          </a:p>
-          <a:p>
+              <a:t>=1.0"&gt;</a:t>
+            </a:r>
+          </a:p>
+          <a:p>
+            <a:r>
+              <a:rPr lang="fr-FR" dirty="0"/>
+              <a:t>    &lt;</a:t>
+            </a:r>
             <a:r>
               <a:rPr lang="fr-FR" dirty="0" err="1"/>
-              <a:t>php</a:t>
-            </a:r>
-            <a:endParaRPr lang="fr-FR" dirty="0"/>
-          </a:p>
-          <a:p>
+              <a:t>title</a:t>
+            </a:r>
             <a:r>
               <a:rPr lang="fr-FR" dirty="0"/>
-              <a:t>$</a:t>
+              <a:t>&gt;Première page avec PHP&lt;/</a:t>
             </a:r>
             <a:r>
               <a:rPr lang="fr-FR" dirty="0" err="1"/>
-              <a:t>str</a:t>
+              <a:t>title</a:t>
             </a:r>
             <a:r>
               <a:rPr lang="fr-FR" dirty="0"/>
-              <a:t> = "Bonjour le monde !"; $</a:t>
+              <a:t>&gt;</a:t>
+            </a:r>
+          </a:p>
+          <a:p>
+            <a:r>
+              <a:rPr lang="fr-FR" dirty="0"/>
+              <a:t>&lt;/</a:t>
             </a:r>
             <a:r>
               <a:rPr lang="fr-FR" dirty="0" err="1"/>
-              <a:t>uppercase_str</a:t>
+              <a:t>head</a:t>
             </a:r>
             <a:r>
               <a:rPr lang="fr-FR" dirty="0"/>
-              <a:t> = </a:t>
-            </a:r>
-            <a:r>
-              <a:rPr lang="fr-FR" dirty="0" err="1"/>
-              <a:t>strtoupper</a:t>
-            </a:r>
+              <a:t>&gt;</a:t>
+            </a:r>
+          </a:p>
+          <a:p>
             <a:r>
               <a:rPr lang="fr-FR" dirty="0"/>
-              <a:t>($</a:t>
-            </a:r>
-            <a:r>
-              <a:rPr lang="fr-FR" dirty="0" err="1"/>
-              <a:t>str</a:t>
-            </a:r>
+              <a:t>&lt;body&gt;</a:t>
+            </a:r>
+          </a:p>
+          <a:p>
             <a:r>
               <a:rPr lang="fr-FR" dirty="0"/>
-              <a:t>); // Convertit la chaîne en majuscules </a:t>
-            </a:r>
-            <a:r>
-              <a:rPr lang="fr-FR" dirty="0" err="1"/>
-              <a:t>echo</a:t>
-            </a:r>
+              <a:t>    &lt;!-- Votre code PHP sera inséré ici --&gt;</a:t>
+            </a:r>
+          </a:p>
+          <a:p>
             <a:r>
               <a:rPr lang="fr-FR" dirty="0"/>
-              <a:t> $</a:t>
-            </a:r>
-            <a:r>
-              <a:rPr lang="fr-FR" dirty="0" err="1"/>
-              <a:t>uppercase_str</a:t>
-            </a:r>
+              <a:t>&lt;/body&gt;</a:t>
+            </a:r>
+          </a:p>
+          <a:p>
             <a:r>
               <a:rPr lang="fr-FR" dirty="0"/>
-              <a:t>; // Affiche "BONJOUR LE MONDE !" </a:t>
-            </a:r>
-          </a:p>
-          <a:p>
-            <a:endParaRPr lang="fr-FR" dirty="0"/>
+              <a:t>&lt;/html&gt;</a:t>
+            </a:r>
           </a:p>
         </p:txBody>
       </p:sp>
@@ -6086,7 +8221,7 @@
             <a:pPr rtl="0"/>
             <a:fld id="{37A705E3-E620-489D-9973-6221209A4B3B}" type="slidenum">
               <a:rPr lang="en-US" smtClean="0"/>
-              <a:t>14</a:t>
+              <a:t>12</a:t>
             </a:fld>
             <a:endParaRPr lang="en-US"/>
           </a:p>
@@ -6095,7 +8230,7 @@
     </p:spTree>
     <p:extLst>
       <p:ext uri="{BB962C8B-B14F-4D97-AF65-F5344CB8AC3E}">
-        <p14:creationId xmlns:p14="http://schemas.microsoft.com/office/powerpoint/2010/main" val="1916369192"/>
+        <p14:creationId xmlns:p14="http://schemas.microsoft.com/office/powerpoint/2010/main" val="3099917057"/>
       </p:ext>
     </p:extLst>
   </p:cSld>
@@ -10560,8 +12695,8 @@
         </p:nvSpPr>
         <p:spPr>
           <a:xfrm>
-            <a:off x="6033793" y="2355458"/>
-            <a:ext cx="4775075" cy="1630907"/>
+            <a:off x="6033793" y="2355459"/>
+            <a:ext cx="4775075" cy="1313278"/>
           </a:xfrm>
         </p:spPr>
         <p:txBody>
@@ -10577,7 +12712,7 @@
                   <a:schemeClr val="tx1"/>
                 </a:solidFill>
               </a:rPr>
-              <a:t>CREATION DE PAGE WEB avec PHP</a:t>
+              <a:t>CREATION DE PAGE WEB avec PHP &amp; formulaires</a:t>
             </a:r>
             <a:endParaRPr lang="fr" sz="4400" dirty="0">
               <a:solidFill>
@@ -10645,6 +12780,1117 @@
 </file>
 
 <file path=ppt/slides/slide10.xml><?xml version="1.0" encoding="utf-8"?>
+<p:sld xmlns:a="http://schemas.openxmlformats.org/drawingml/2006/main" xmlns:r="http://schemas.openxmlformats.org/officeDocument/2006/relationships" xmlns:p="http://schemas.openxmlformats.org/presentationml/2006/main">
+  <p:cSld>
+    <p:bg>
+      <p:bgPr>
+        <a:solidFill>
+          <a:schemeClr val="bg1"/>
+        </a:solidFill>
+        <a:effectLst/>
+      </p:bgPr>
+    </p:bg>
+    <p:spTree>
+      <p:nvGrpSpPr>
+        <p:cNvPr id="1" name=""/>
+        <p:cNvGrpSpPr/>
+        <p:nvPr/>
+      </p:nvGrpSpPr>
+      <p:grpSpPr>
+        <a:xfrm>
+          <a:off x="0" y="0"/>
+          <a:ext cx="0" cy="0"/>
+          <a:chOff x="0" y="0"/>
+          <a:chExt cx="0" cy="0"/>
+        </a:xfrm>
+      </p:grpSpPr>
+      <p:sp>
+        <p:nvSpPr>
+          <p:cNvPr id="2" name="Titre 1">
+            <a:extLst>
+              <a:ext uri="{FF2B5EF4-FFF2-40B4-BE49-F238E27FC236}">
+                <a16:creationId xmlns:a16="http://schemas.microsoft.com/office/drawing/2014/main" id="{7A4919D0-F177-4BBA-9A0B-DBA69E2ED764}"/>
+              </a:ext>
+            </a:extLst>
+          </p:cNvPr>
+          <p:cNvSpPr>
+            <a:spLocks noGrp="1"/>
+          </p:cNvSpPr>
+          <p:nvPr>
+            <p:ph type="title"/>
+          </p:nvPr>
+        </p:nvSpPr>
+        <p:spPr>
+          <a:xfrm>
+            <a:off x="1066800" y="642594"/>
+            <a:ext cx="10058400" cy="1371600"/>
+          </a:xfrm>
+        </p:spPr>
+        <p:txBody>
+          <a:bodyPr rtlCol="0">
+            <a:normAutofit/>
+          </a:bodyPr>
+          <a:lstStyle/>
+          <a:p>
+            <a:r>
+              <a:rPr lang="fr-FR" dirty="0" err="1"/>
+              <a:t>Multi-pages</a:t>
+            </a:r>
+            <a:r>
+              <a:rPr lang="fr-FR" dirty="0"/>
+              <a:t> : utilisation de la fonction header()</a:t>
+            </a:r>
+          </a:p>
+        </p:txBody>
+      </p:sp>
+      <p:sp>
+        <p:nvSpPr>
+          <p:cNvPr id="6" name="Espace réservé du contenu 5">
+            <a:extLst>
+              <a:ext uri="{FF2B5EF4-FFF2-40B4-BE49-F238E27FC236}">
+                <a16:creationId xmlns:a16="http://schemas.microsoft.com/office/drawing/2014/main" id="{D5707AB2-79D8-775B-89D6-0079B9F4F48C}"/>
+              </a:ext>
+            </a:extLst>
+          </p:cNvPr>
+          <p:cNvSpPr>
+            <a:spLocks noGrp="1"/>
+          </p:cNvSpPr>
+          <p:nvPr>
+            <p:ph idx="1"/>
+          </p:nvPr>
+        </p:nvSpPr>
+        <p:spPr/>
+        <p:txBody>
+          <a:bodyPr/>
+          <a:lstStyle/>
+          <a:p>
+            <a:r>
+              <a:rPr lang="fr-FR" dirty="0"/>
+              <a:t>La redirection est une technique courante pour envoyer les utilisateurs d’une page à une autre automatiquement</a:t>
+            </a:r>
+          </a:p>
+          <a:p>
+            <a:endParaRPr lang="fr-FR" dirty="0"/>
+          </a:p>
+          <a:p>
+            <a:r>
+              <a:rPr lang="fr-FR" dirty="0"/>
+              <a:t>Pour effectuer une redirection avec la fonction header(), il faut utiliser l’entête « Location » suivi de l’URL vers laquelle vous souhaitez rediriger l’utilisateur </a:t>
+            </a:r>
+          </a:p>
+          <a:p>
+            <a:endParaRPr lang="fr-FR" dirty="0"/>
+          </a:p>
+          <a:p>
+            <a:r>
+              <a:rPr lang="fr-FR" dirty="0"/>
+              <a:t>Par exemple, pour rediriger un utilisateur vers la page </a:t>
+            </a:r>
+            <a:r>
+              <a:rPr lang="fr-FR" dirty="0" err="1"/>
+              <a:t>example.php</a:t>
+            </a:r>
+            <a:r>
+              <a:rPr lang="fr-FR" dirty="0"/>
+              <a:t> : header(‘Location : </a:t>
+            </a:r>
+            <a:r>
+              <a:rPr lang="fr-FR" dirty="0" err="1"/>
+              <a:t>example.php</a:t>
+            </a:r>
+            <a:r>
+              <a:rPr lang="fr-FR" dirty="0"/>
+              <a:t>’)</a:t>
+            </a:r>
+          </a:p>
+          <a:p>
+            <a:endParaRPr lang="fr-FR" dirty="0"/>
+          </a:p>
+          <a:p>
+            <a:endParaRPr lang="fr-FR" dirty="0"/>
+          </a:p>
+        </p:txBody>
+      </p:sp>
+      <p:sp>
+        <p:nvSpPr>
+          <p:cNvPr id="3" name="Rectangle 1">
+            <a:extLst>
+              <a:ext uri="{FF2B5EF4-FFF2-40B4-BE49-F238E27FC236}">
+                <a16:creationId xmlns:a16="http://schemas.microsoft.com/office/drawing/2014/main" id="{817F2514-D7D2-9ACF-E066-CFBE1CC9AB8A}"/>
+              </a:ext>
+            </a:extLst>
+          </p:cNvPr>
+          <p:cNvSpPr>
+            <a:spLocks noChangeArrowheads="1"/>
+          </p:cNvSpPr>
+          <p:nvPr/>
+        </p:nvSpPr>
+        <p:spPr bwMode="auto">
+          <a:xfrm>
+            <a:off x="0" y="0"/>
+            <a:ext cx="12192000" cy="0"/>
+          </a:xfrm>
+          <a:prstGeom prst="rect">
+            <a:avLst/>
+          </a:prstGeom>
+          <a:solidFill>
+            <a:srgbClr val="444654"/>
+          </a:solidFill>
+          <a:ln>
+            <a:noFill/>
+          </a:ln>
+          <a:effectLst/>
+          <a:extLst>
+            <a:ext uri="{91240B29-F687-4F45-9708-019B960494DF}">
+              <a14:hiddenLine xmlns:a14="http://schemas.microsoft.com/office/drawing/2010/main" w="9525">
+                <a:solidFill>
+                  <a:schemeClr val="tx1"/>
+                </a:solidFill>
+                <a:miter lim="800000"/>
+                <a:headEnd/>
+                <a:tailEnd/>
+              </a14:hiddenLine>
+            </a:ext>
+            <a:ext uri="{AF507438-7753-43E0-B8FC-AC1667EBCBE1}">
+              <a14:hiddenEffects xmlns:a14="http://schemas.microsoft.com/office/drawing/2010/main">
+                <a:effectLst>
+                  <a:outerShdw dist="35921" dir="2700000" algn="ctr" rotWithShape="0">
+                    <a:schemeClr val="bg2"/>
+                  </a:outerShdw>
+                </a:effectLst>
+              </a14:hiddenEffects>
+            </a:ext>
+          </a:extLst>
+        </p:spPr>
+        <p:txBody>
+          <a:bodyPr vert="horz" wrap="none" lIns="0" tIns="0" rIns="0" bIns="0" numCol="1" anchor="ctr" anchorCtr="0" compatLnSpc="1">
+            <a:prstTxWarp prst="textNoShape">
+              <a:avLst/>
+            </a:prstTxWarp>
+            <a:spAutoFit/>
+          </a:bodyPr>
+          <a:lstStyle/>
+          <a:p>
+            <a:pPr marL="0" marR="0" lvl="0" indent="0" algn="l" defTabSz="914400" rtl="0" eaLnBrk="0" fontAlgn="base" latinLnBrk="0" hangingPunct="0">
+              <a:lnSpc>
+                <a:spcPct val="100000"/>
+              </a:lnSpc>
+              <a:spcBef>
+                <a:spcPct val="0"/>
+              </a:spcBef>
+              <a:spcAft>
+                <a:spcPct val="0"/>
+              </a:spcAft>
+              <a:buClrTx/>
+              <a:buSzTx/>
+              <a:buFontTx/>
+              <a:buNone/>
+              <a:tabLst/>
+            </a:pPr>
+            <a:endParaRPr kumimoji="0" lang="fr-FR" altLang="fr-FR" sz="1800" b="0" i="0" u="none" strike="noStrike" cap="none" normalizeH="0" baseline="0">
+              <a:ln>
+                <a:noFill/>
+              </a:ln>
+              <a:solidFill>
+                <a:schemeClr val="tx1"/>
+              </a:solidFill>
+              <a:effectLst/>
+              <a:latin typeface="Arial" panose="020B0604020202020204" pitchFamily="34" charset="0"/>
+            </a:endParaRPr>
+          </a:p>
+          <a:p>
+            <a:pPr marL="0" marR="0" lvl="0" indent="0" algn="l" defTabSz="914400" rtl="0" eaLnBrk="0" fontAlgn="base" latinLnBrk="0" hangingPunct="0">
+              <a:lnSpc>
+                <a:spcPct val="100000"/>
+              </a:lnSpc>
+              <a:spcBef>
+                <a:spcPct val="0"/>
+              </a:spcBef>
+              <a:spcAft>
+                <a:spcPct val="0"/>
+              </a:spcAft>
+              <a:buClrTx/>
+              <a:buSzTx/>
+              <a:buFontTx/>
+              <a:buChar char="•"/>
+              <a:tabLst/>
+            </a:pPr>
+            <a:r>
+              <a:rPr kumimoji="0" lang="fr-FR" altLang="fr-FR" sz="1200" b="0" i="0" u="none" strike="noStrike" cap="none" normalizeH="0" baseline="0">
+                <a:ln>
+                  <a:noFill/>
+                </a:ln>
+                <a:solidFill>
+                  <a:srgbClr val="D1D5DB"/>
+                </a:solidFill>
+                <a:effectLst/>
+                <a:latin typeface="Söhne"/>
+              </a:rPr>
+              <a:t>La redirection est une technique courante pour envoyer les utilisateurs d'une page à une autre automatiquement</a:t>
+            </a:r>
+          </a:p>
+          <a:p>
+            <a:pPr marL="0" marR="0" lvl="0" indent="0" algn="l" defTabSz="914400" rtl="0" eaLnBrk="0" fontAlgn="base" latinLnBrk="0" hangingPunct="0">
+              <a:lnSpc>
+                <a:spcPct val="100000"/>
+              </a:lnSpc>
+              <a:spcBef>
+                <a:spcPct val="0"/>
+              </a:spcBef>
+              <a:spcAft>
+                <a:spcPct val="0"/>
+              </a:spcAft>
+              <a:buClrTx/>
+              <a:buSzTx/>
+              <a:buFontTx/>
+              <a:buChar char="•"/>
+              <a:tabLst/>
+            </a:pPr>
+            <a:r>
+              <a:rPr kumimoji="0" lang="fr-FR" altLang="fr-FR" sz="1200" b="0" i="0" u="none" strike="noStrike" cap="none" normalizeH="0" baseline="0">
+                <a:ln>
+                  <a:noFill/>
+                </a:ln>
+                <a:solidFill>
+                  <a:srgbClr val="D1D5DB"/>
+                </a:solidFill>
+                <a:effectLst/>
+                <a:latin typeface="Söhne"/>
+              </a:rPr>
+              <a:t>Pour effectuer une redirection avec la fonction </a:t>
+            </a:r>
+            <a:r>
+              <a:rPr kumimoji="0" lang="fr-FR" altLang="fr-FR" b="1" i="0" u="none" strike="noStrike" cap="none" normalizeH="0" baseline="0">
+                <a:ln>
+                  <a:noFill/>
+                </a:ln>
+                <a:solidFill>
+                  <a:srgbClr val="D1D5DB"/>
+                </a:solidFill>
+                <a:effectLst/>
+                <a:latin typeface="Söhne Mono"/>
+              </a:rPr>
+              <a:t>header()</a:t>
+            </a:r>
+            <a:r>
+              <a:rPr kumimoji="0" lang="fr-FR" altLang="fr-FR" sz="1200" b="0" i="0" u="none" strike="noStrike" cap="none" normalizeH="0" baseline="0">
+                <a:ln>
+                  <a:noFill/>
+                </a:ln>
+                <a:solidFill>
+                  <a:srgbClr val="D1D5DB"/>
+                </a:solidFill>
+                <a:effectLst/>
+                <a:latin typeface="Söhne"/>
+              </a:rPr>
+              <a:t>, utilisez l'en-tête "Location" suivi de l'URL vers laquelle vous souhaitez rediriger l'utilisateur</a:t>
+            </a:r>
+          </a:p>
+          <a:p>
+            <a:pPr marL="0" marR="0" lvl="0" indent="0" algn="l" defTabSz="914400" rtl="0" eaLnBrk="0" fontAlgn="base" latinLnBrk="0" hangingPunct="0">
+              <a:lnSpc>
+                <a:spcPct val="100000"/>
+              </a:lnSpc>
+              <a:spcBef>
+                <a:spcPct val="0"/>
+              </a:spcBef>
+              <a:spcAft>
+                <a:spcPct val="0"/>
+              </a:spcAft>
+              <a:buClrTx/>
+              <a:buSzTx/>
+              <a:buFontTx/>
+              <a:buNone/>
+              <a:tabLst/>
+            </a:pPr>
+            <a:endParaRPr kumimoji="0" lang="fr-FR" altLang="fr-FR" sz="1800" b="0" i="0" u="none" strike="noStrike" cap="none" normalizeH="0" baseline="0">
+              <a:ln>
+                <a:noFill/>
+              </a:ln>
+              <a:solidFill>
+                <a:schemeClr val="tx1"/>
+              </a:solidFill>
+              <a:effectLst/>
+              <a:latin typeface="Arial" panose="020B0604020202020204" pitchFamily="34" charset="0"/>
+            </a:endParaRPr>
+          </a:p>
+        </p:txBody>
+      </p:sp>
+      <p:sp>
+        <p:nvSpPr>
+          <p:cNvPr id="4" name="Rectangle 2">
+            <a:extLst>
+              <a:ext uri="{FF2B5EF4-FFF2-40B4-BE49-F238E27FC236}">
+                <a16:creationId xmlns:a16="http://schemas.microsoft.com/office/drawing/2014/main" id="{C193D75A-3993-7807-DB88-98D8B2E61A5F}"/>
+              </a:ext>
+            </a:extLst>
+          </p:cNvPr>
+          <p:cNvSpPr>
+            <a:spLocks noChangeArrowheads="1"/>
+          </p:cNvSpPr>
+          <p:nvPr/>
+        </p:nvSpPr>
+        <p:spPr bwMode="auto">
+          <a:xfrm>
+            <a:off x="152400" y="152400"/>
+            <a:ext cx="12192000" cy="0"/>
+          </a:xfrm>
+          <a:prstGeom prst="rect">
+            <a:avLst/>
+          </a:prstGeom>
+          <a:solidFill>
+            <a:srgbClr val="444654"/>
+          </a:solidFill>
+          <a:ln>
+            <a:noFill/>
+          </a:ln>
+          <a:effectLst/>
+          <a:extLst>
+            <a:ext uri="{91240B29-F687-4F45-9708-019B960494DF}">
+              <a14:hiddenLine xmlns:a14="http://schemas.microsoft.com/office/drawing/2010/main" w="9525">
+                <a:solidFill>
+                  <a:schemeClr val="tx1"/>
+                </a:solidFill>
+                <a:miter lim="800000"/>
+                <a:headEnd/>
+                <a:tailEnd/>
+              </a14:hiddenLine>
+            </a:ext>
+            <a:ext uri="{AF507438-7753-43E0-B8FC-AC1667EBCBE1}">
+              <a14:hiddenEffects xmlns:a14="http://schemas.microsoft.com/office/drawing/2010/main">
+                <a:effectLst>
+                  <a:outerShdw dist="35921" dir="2700000" algn="ctr" rotWithShape="0">
+                    <a:schemeClr val="bg2"/>
+                  </a:outerShdw>
+                </a:effectLst>
+              </a14:hiddenEffects>
+            </a:ext>
+          </a:extLst>
+        </p:spPr>
+        <p:txBody>
+          <a:bodyPr vert="horz" wrap="none" lIns="0" tIns="0" rIns="0" bIns="0" numCol="1" anchor="ctr" anchorCtr="0" compatLnSpc="1">
+            <a:prstTxWarp prst="textNoShape">
+              <a:avLst/>
+            </a:prstTxWarp>
+            <a:spAutoFit/>
+          </a:bodyPr>
+          <a:lstStyle/>
+          <a:p>
+            <a:pPr marL="0" marR="0" lvl="0" indent="0" algn="l" defTabSz="914400" rtl="0" eaLnBrk="0" fontAlgn="base" latinLnBrk="0" hangingPunct="0">
+              <a:lnSpc>
+                <a:spcPct val="100000"/>
+              </a:lnSpc>
+              <a:spcBef>
+                <a:spcPct val="0"/>
+              </a:spcBef>
+              <a:spcAft>
+                <a:spcPct val="0"/>
+              </a:spcAft>
+              <a:buClrTx/>
+              <a:buSzTx/>
+              <a:buFontTx/>
+              <a:buNone/>
+              <a:tabLst/>
+            </a:pPr>
+            <a:endParaRPr kumimoji="0" lang="fr-FR" altLang="fr-FR" sz="1800" b="0" i="0" u="none" strike="noStrike" cap="none" normalizeH="0" baseline="0">
+              <a:ln>
+                <a:noFill/>
+              </a:ln>
+              <a:solidFill>
+                <a:schemeClr val="tx1"/>
+              </a:solidFill>
+              <a:effectLst/>
+              <a:latin typeface="Arial" panose="020B0604020202020204" pitchFamily="34" charset="0"/>
+            </a:endParaRPr>
+          </a:p>
+          <a:p>
+            <a:pPr marL="0" marR="0" lvl="0" indent="0" algn="l" defTabSz="914400" rtl="0" eaLnBrk="0" fontAlgn="base" latinLnBrk="0" hangingPunct="0">
+              <a:lnSpc>
+                <a:spcPct val="100000"/>
+              </a:lnSpc>
+              <a:spcBef>
+                <a:spcPct val="0"/>
+              </a:spcBef>
+              <a:spcAft>
+                <a:spcPct val="0"/>
+              </a:spcAft>
+              <a:buClrTx/>
+              <a:buSzTx/>
+              <a:buFontTx/>
+              <a:buChar char="•"/>
+              <a:tabLst/>
+            </a:pPr>
+            <a:r>
+              <a:rPr kumimoji="0" lang="fr-FR" altLang="fr-FR" sz="1200" b="0" i="0" u="none" strike="noStrike" cap="none" normalizeH="0" baseline="0">
+                <a:ln>
+                  <a:noFill/>
+                </a:ln>
+                <a:solidFill>
+                  <a:srgbClr val="D1D5DB"/>
+                </a:solidFill>
+                <a:effectLst/>
+                <a:latin typeface="Söhne"/>
+              </a:rPr>
+              <a:t>La redirection est une technique courante pour envoyer les utilisateurs d'une page à une autre automatiquement</a:t>
+            </a:r>
+          </a:p>
+          <a:p>
+            <a:pPr marL="0" marR="0" lvl="0" indent="0" algn="l" defTabSz="914400" rtl="0" eaLnBrk="0" fontAlgn="base" latinLnBrk="0" hangingPunct="0">
+              <a:lnSpc>
+                <a:spcPct val="100000"/>
+              </a:lnSpc>
+              <a:spcBef>
+                <a:spcPct val="0"/>
+              </a:spcBef>
+              <a:spcAft>
+                <a:spcPct val="0"/>
+              </a:spcAft>
+              <a:buClrTx/>
+              <a:buSzTx/>
+              <a:buFontTx/>
+              <a:buChar char="•"/>
+              <a:tabLst/>
+            </a:pPr>
+            <a:r>
+              <a:rPr kumimoji="0" lang="fr-FR" altLang="fr-FR" sz="1200" b="0" i="0" u="none" strike="noStrike" cap="none" normalizeH="0" baseline="0">
+                <a:ln>
+                  <a:noFill/>
+                </a:ln>
+                <a:solidFill>
+                  <a:srgbClr val="D1D5DB"/>
+                </a:solidFill>
+                <a:effectLst/>
+                <a:latin typeface="Söhne"/>
+              </a:rPr>
+              <a:t>Pour effectuer une redirection avec la fonction </a:t>
+            </a:r>
+            <a:r>
+              <a:rPr kumimoji="0" lang="fr-FR" altLang="fr-FR" b="1" i="0" u="none" strike="noStrike" cap="none" normalizeH="0" baseline="0">
+                <a:ln>
+                  <a:noFill/>
+                </a:ln>
+                <a:solidFill>
+                  <a:srgbClr val="D1D5DB"/>
+                </a:solidFill>
+                <a:effectLst/>
+                <a:latin typeface="Söhne Mono"/>
+              </a:rPr>
+              <a:t>header()</a:t>
+            </a:r>
+            <a:r>
+              <a:rPr kumimoji="0" lang="fr-FR" altLang="fr-FR" sz="1200" b="0" i="0" u="none" strike="noStrike" cap="none" normalizeH="0" baseline="0">
+                <a:ln>
+                  <a:noFill/>
+                </a:ln>
+                <a:solidFill>
+                  <a:srgbClr val="D1D5DB"/>
+                </a:solidFill>
+                <a:effectLst/>
+                <a:latin typeface="Söhne"/>
+              </a:rPr>
+              <a:t>, utilisez l'en-tête "Location" suivi de l'URL vers laquelle vous souhaitez rediriger l'utilisateur</a:t>
+            </a:r>
+          </a:p>
+          <a:p>
+            <a:pPr marL="0" marR="0" lvl="0" indent="0" algn="l" defTabSz="914400" rtl="0" eaLnBrk="0" fontAlgn="base" latinLnBrk="0" hangingPunct="0">
+              <a:lnSpc>
+                <a:spcPct val="100000"/>
+              </a:lnSpc>
+              <a:spcBef>
+                <a:spcPct val="0"/>
+              </a:spcBef>
+              <a:spcAft>
+                <a:spcPct val="0"/>
+              </a:spcAft>
+              <a:buClrTx/>
+              <a:buSzTx/>
+              <a:buFontTx/>
+              <a:buNone/>
+              <a:tabLst/>
+            </a:pPr>
+            <a:endParaRPr kumimoji="0" lang="fr-FR" altLang="fr-FR" sz="1800" b="0" i="0" u="none" strike="noStrike" cap="none" normalizeH="0" baseline="0">
+              <a:ln>
+                <a:noFill/>
+              </a:ln>
+              <a:solidFill>
+                <a:schemeClr val="tx1"/>
+              </a:solidFill>
+              <a:effectLst/>
+              <a:latin typeface="Arial" panose="020B0604020202020204" pitchFamily="34" charset="0"/>
+            </a:endParaRPr>
+          </a:p>
+        </p:txBody>
+      </p:sp>
+    </p:spTree>
+    <p:extLst>
+      <p:ext uri="{BB962C8B-B14F-4D97-AF65-F5344CB8AC3E}">
+        <p14:creationId xmlns:p14="http://schemas.microsoft.com/office/powerpoint/2010/main" val="3083572495"/>
+      </p:ext>
+    </p:extLst>
+  </p:cSld>
+  <p:clrMapOvr>
+    <a:masterClrMapping/>
+  </p:clrMapOvr>
+</p:sld>
+</file>
+
+<file path=ppt/slides/slide11.xml><?xml version="1.0" encoding="utf-8"?>
+<p:sld xmlns:a="http://schemas.openxmlformats.org/drawingml/2006/main" xmlns:r="http://schemas.openxmlformats.org/officeDocument/2006/relationships" xmlns:p="http://schemas.openxmlformats.org/presentationml/2006/main">
+  <p:cSld>
+    <p:bg>
+      <p:bgPr>
+        <a:solidFill>
+          <a:schemeClr val="bg1"/>
+        </a:solidFill>
+        <a:effectLst/>
+      </p:bgPr>
+    </p:bg>
+    <p:spTree>
+      <p:nvGrpSpPr>
+        <p:cNvPr id="1" name=""/>
+        <p:cNvGrpSpPr/>
+        <p:nvPr/>
+      </p:nvGrpSpPr>
+      <p:grpSpPr>
+        <a:xfrm>
+          <a:off x="0" y="0"/>
+          <a:ext cx="0" cy="0"/>
+          <a:chOff x="0" y="0"/>
+          <a:chExt cx="0" cy="0"/>
+        </a:xfrm>
+      </p:grpSpPr>
+      <p:sp>
+        <p:nvSpPr>
+          <p:cNvPr id="2" name="Titre 1">
+            <a:extLst>
+              <a:ext uri="{FF2B5EF4-FFF2-40B4-BE49-F238E27FC236}">
+                <a16:creationId xmlns:a16="http://schemas.microsoft.com/office/drawing/2014/main" id="{7A4919D0-F177-4BBA-9A0B-DBA69E2ED764}"/>
+              </a:ext>
+            </a:extLst>
+          </p:cNvPr>
+          <p:cNvSpPr>
+            <a:spLocks noGrp="1"/>
+          </p:cNvSpPr>
+          <p:nvPr>
+            <p:ph type="title"/>
+          </p:nvPr>
+        </p:nvSpPr>
+        <p:spPr>
+          <a:xfrm>
+            <a:off x="1066800" y="642594"/>
+            <a:ext cx="10058400" cy="1371600"/>
+          </a:xfrm>
+        </p:spPr>
+        <p:txBody>
+          <a:bodyPr rtlCol="0">
+            <a:normAutofit/>
+          </a:bodyPr>
+          <a:lstStyle/>
+          <a:p>
+            <a:r>
+              <a:rPr lang="fr-FR" dirty="0" err="1"/>
+              <a:t>Multi-pages</a:t>
+            </a:r>
+            <a:r>
+              <a:rPr lang="fr-FR" dirty="0"/>
+              <a:t> : utilisation de la fonction header()</a:t>
+            </a:r>
+          </a:p>
+        </p:txBody>
+      </p:sp>
+      <p:sp>
+        <p:nvSpPr>
+          <p:cNvPr id="6" name="Espace réservé du contenu 5">
+            <a:extLst>
+              <a:ext uri="{FF2B5EF4-FFF2-40B4-BE49-F238E27FC236}">
+                <a16:creationId xmlns:a16="http://schemas.microsoft.com/office/drawing/2014/main" id="{D5707AB2-79D8-775B-89D6-0079B9F4F48C}"/>
+              </a:ext>
+            </a:extLst>
+          </p:cNvPr>
+          <p:cNvSpPr>
+            <a:spLocks noGrp="1"/>
+          </p:cNvSpPr>
+          <p:nvPr>
+            <p:ph idx="1"/>
+          </p:nvPr>
+        </p:nvSpPr>
+        <p:spPr/>
+        <p:txBody>
+          <a:bodyPr/>
+          <a:lstStyle/>
+          <a:p>
+            <a:r>
+              <a:rPr lang="fr-FR" dirty="0"/>
+              <a:t>Les cas d’utilisation de la fonction header() sont les suivants :</a:t>
+            </a:r>
+          </a:p>
+          <a:p>
+            <a:endParaRPr lang="fr-FR" dirty="0"/>
+          </a:p>
+          <a:p>
+            <a:pPr lvl="1"/>
+            <a:r>
+              <a:rPr lang="fr-FR" dirty="0"/>
+              <a:t>Authentification et autorisation : rediriger les utilisateurs non authentifiés vers une page de connexion ou les utilisateurs non connectés vers une page d’erreur.</a:t>
+            </a:r>
+          </a:p>
+          <a:p>
+            <a:pPr lvl="1"/>
+            <a:endParaRPr lang="fr-FR" dirty="0"/>
+          </a:p>
+          <a:p>
+            <a:pPr lvl="1"/>
+            <a:r>
+              <a:rPr lang="fr-FR" dirty="0"/>
+              <a:t>Navigation conditionnelle : rediriger les utilisateurs vers différentes pages en fonction de leur préférences, leur profil, ou de leurs action</a:t>
+            </a:r>
+          </a:p>
+          <a:p>
+            <a:pPr lvl="1"/>
+            <a:endParaRPr lang="fr-FR" dirty="0"/>
+          </a:p>
+          <a:p>
+            <a:pPr lvl="1"/>
+            <a:r>
+              <a:rPr lang="fr-FR" dirty="0"/>
+              <a:t>Soumission de formulaires : après avoir traité les données d’un formulaire, rediriger l’utilisateur vers une page de confirmation ou de résultats pour éviter une soumission multiple de formulaire.</a:t>
+            </a:r>
+          </a:p>
+          <a:p>
+            <a:pPr marL="0" indent="0">
+              <a:buNone/>
+            </a:pPr>
+            <a:endParaRPr lang="fr-FR" dirty="0"/>
+          </a:p>
+          <a:p>
+            <a:endParaRPr lang="fr-FR" dirty="0"/>
+          </a:p>
+        </p:txBody>
+      </p:sp>
+      <p:sp>
+        <p:nvSpPr>
+          <p:cNvPr id="3" name="Rectangle 1">
+            <a:extLst>
+              <a:ext uri="{FF2B5EF4-FFF2-40B4-BE49-F238E27FC236}">
+                <a16:creationId xmlns:a16="http://schemas.microsoft.com/office/drawing/2014/main" id="{817F2514-D7D2-9ACF-E066-CFBE1CC9AB8A}"/>
+              </a:ext>
+            </a:extLst>
+          </p:cNvPr>
+          <p:cNvSpPr>
+            <a:spLocks noChangeArrowheads="1"/>
+          </p:cNvSpPr>
+          <p:nvPr/>
+        </p:nvSpPr>
+        <p:spPr bwMode="auto">
+          <a:xfrm>
+            <a:off x="0" y="0"/>
+            <a:ext cx="12192000" cy="0"/>
+          </a:xfrm>
+          <a:prstGeom prst="rect">
+            <a:avLst/>
+          </a:prstGeom>
+          <a:solidFill>
+            <a:srgbClr val="444654"/>
+          </a:solidFill>
+          <a:ln>
+            <a:noFill/>
+          </a:ln>
+          <a:effectLst/>
+          <a:extLst>
+            <a:ext uri="{91240B29-F687-4F45-9708-019B960494DF}">
+              <a14:hiddenLine xmlns:a14="http://schemas.microsoft.com/office/drawing/2010/main" w="9525">
+                <a:solidFill>
+                  <a:schemeClr val="tx1"/>
+                </a:solidFill>
+                <a:miter lim="800000"/>
+                <a:headEnd/>
+                <a:tailEnd/>
+              </a14:hiddenLine>
+            </a:ext>
+            <a:ext uri="{AF507438-7753-43E0-B8FC-AC1667EBCBE1}">
+              <a14:hiddenEffects xmlns:a14="http://schemas.microsoft.com/office/drawing/2010/main">
+                <a:effectLst>
+                  <a:outerShdw dist="35921" dir="2700000" algn="ctr" rotWithShape="0">
+                    <a:schemeClr val="bg2"/>
+                  </a:outerShdw>
+                </a:effectLst>
+              </a14:hiddenEffects>
+            </a:ext>
+          </a:extLst>
+        </p:spPr>
+        <p:txBody>
+          <a:bodyPr vert="horz" wrap="none" lIns="0" tIns="0" rIns="0" bIns="0" numCol="1" anchor="ctr" anchorCtr="0" compatLnSpc="1">
+            <a:prstTxWarp prst="textNoShape">
+              <a:avLst/>
+            </a:prstTxWarp>
+            <a:spAutoFit/>
+          </a:bodyPr>
+          <a:lstStyle/>
+          <a:p>
+            <a:pPr marL="0" marR="0" lvl="0" indent="0" algn="l" defTabSz="914400" rtl="0" eaLnBrk="0" fontAlgn="base" latinLnBrk="0" hangingPunct="0">
+              <a:lnSpc>
+                <a:spcPct val="100000"/>
+              </a:lnSpc>
+              <a:spcBef>
+                <a:spcPct val="0"/>
+              </a:spcBef>
+              <a:spcAft>
+                <a:spcPct val="0"/>
+              </a:spcAft>
+              <a:buClrTx/>
+              <a:buSzTx/>
+              <a:buFontTx/>
+              <a:buNone/>
+              <a:tabLst/>
+            </a:pPr>
+            <a:endParaRPr kumimoji="0" lang="fr-FR" altLang="fr-FR" sz="1800" b="0" i="0" u="none" strike="noStrike" cap="none" normalizeH="0" baseline="0">
+              <a:ln>
+                <a:noFill/>
+              </a:ln>
+              <a:solidFill>
+                <a:schemeClr val="tx1"/>
+              </a:solidFill>
+              <a:effectLst/>
+              <a:latin typeface="Arial" panose="020B0604020202020204" pitchFamily="34" charset="0"/>
+            </a:endParaRPr>
+          </a:p>
+          <a:p>
+            <a:pPr marL="0" marR="0" lvl="0" indent="0" algn="l" defTabSz="914400" rtl="0" eaLnBrk="0" fontAlgn="base" latinLnBrk="0" hangingPunct="0">
+              <a:lnSpc>
+                <a:spcPct val="100000"/>
+              </a:lnSpc>
+              <a:spcBef>
+                <a:spcPct val="0"/>
+              </a:spcBef>
+              <a:spcAft>
+                <a:spcPct val="0"/>
+              </a:spcAft>
+              <a:buClrTx/>
+              <a:buSzTx/>
+              <a:buFontTx/>
+              <a:buChar char="•"/>
+              <a:tabLst/>
+            </a:pPr>
+            <a:r>
+              <a:rPr kumimoji="0" lang="fr-FR" altLang="fr-FR" sz="1200" b="0" i="0" u="none" strike="noStrike" cap="none" normalizeH="0" baseline="0">
+                <a:ln>
+                  <a:noFill/>
+                </a:ln>
+                <a:solidFill>
+                  <a:srgbClr val="D1D5DB"/>
+                </a:solidFill>
+                <a:effectLst/>
+                <a:latin typeface="Söhne"/>
+              </a:rPr>
+              <a:t>La redirection est une technique courante pour envoyer les utilisateurs d'une page à une autre automatiquement</a:t>
+            </a:r>
+          </a:p>
+          <a:p>
+            <a:pPr marL="0" marR="0" lvl="0" indent="0" algn="l" defTabSz="914400" rtl="0" eaLnBrk="0" fontAlgn="base" latinLnBrk="0" hangingPunct="0">
+              <a:lnSpc>
+                <a:spcPct val="100000"/>
+              </a:lnSpc>
+              <a:spcBef>
+                <a:spcPct val="0"/>
+              </a:spcBef>
+              <a:spcAft>
+                <a:spcPct val="0"/>
+              </a:spcAft>
+              <a:buClrTx/>
+              <a:buSzTx/>
+              <a:buFontTx/>
+              <a:buChar char="•"/>
+              <a:tabLst/>
+            </a:pPr>
+            <a:r>
+              <a:rPr kumimoji="0" lang="fr-FR" altLang="fr-FR" sz="1200" b="0" i="0" u="none" strike="noStrike" cap="none" normalizeH="0" baseline="0">
+                <a:ln>
+                  <a:noFill/>
+                </a:ln>
+                <a:solidFill>
+                  <a:srgbClr val="D1D5DB"/>
+                </a:solidFill>
+                <a:effectLst/>
+                <a:latin typeface="Söhne"/>
+              </a:rPr>
+              <a:t>Pour effectuer une redirection avec la fonction </a:t>
+            </a:r>
+            <a:r>
+              <a:rPr kumimoji="0" lang="fr-FR" altLang="fr-FR" b="1" i="0" u="none" strike="noStrike" cap="none" normalizeH="0" baseline="0">
+                <a:ln>
+                  <a:noFill/>
+                </a:ln>
+                <a:solidFill>
+                  <a:srgbClr val="D1D5DB"/>
+                </a:solidFill>
+                <a:effectLst/>
+                <a:latin typeface="Söhne Mono"/>
+              </a:rPr>
+              <a:t>header()</a:t>
+            </a:r>
+            <a:r>
+              <a:rPr kumimoji="0" lang="fr-FR" altLang="fr-FR" sz="1200" b="0" i="0" u="none" strike="noStrike" cap="none" normalizeH="0" baseline="0">
+                <a:ln>
+                  <a:noFill/>
+                </a:ln>
+                <a:solidFill>
+                  <a:srgbClr val="D1D5DB"/>
+                </a:solidFill>
+                <a:effectLst/>
+                <a:latin typeface="Söhne"/>
+              </a:rPr>
+              <a:t>, utilisez l'en-tête "Location" suivi de l'URL vers laquelle vous souhaitez rediriger l'utilisateur</a:t>
+            </a:r>
+          </a:p>
+          <a:p>
+            <a:pPr marL="0" marR="0" lvl="0" indent="0" algn="l" defTabSz="914400" rtl="0" eaLnBrk="0" fontAlgn="base" latinLnBrk="0" hangingPunct="0">
+              <a:lnSpc>
+                <a:spcPct val="100000"/>
+              </a:lnSpc>
+              <a:spcBef>
+                <a:spcPct val="0"/>
+              </a:spcBef>
+              <a:spcAft>
+                <a:spcPct val="0"/>
+              </a:spcAft>
+              <a:buClrTx/>
+              <a:buSzTx/>
+              <a:buFontTx/>
+              <a:buNone/>
+              <a:tabLst/>
+            </a:pPr>
+            <a:endParaRPr kumimoji="0" lang="fr-FR" altLang="fr-FR" sz="1800" b="0" i="0" u="none" strike="noStrike" cap="none" normalizeH="0" baseline="0">
+              <a:ln>
+                <a:noFill/>
+              </a:ln>
+              <a:solidFill>
+                <a:schemeClr val="tx1"/>
+              </a:solidFill>
+              <a:effectLst/>
+              <a:latin typeface="Arial" panose="020B0604020202020204" pitchFamily="34" charset="0"/>
+            </a:endParaRPr>
+          </a:p>
+        </p:txBody>
+      </p:sp>
+      <p:sp>
+        <p:nvSpPr>
+          <p:cNvPr id="4" name="Rectangle 2">
+            <a:extLst>
+              <a:ext uri="{FF2B5EF4-FFF2-40B4-BE49-F238E27FC236}">
+                <a16:creationId xmlns:a16="http://schemas.microsoft.com/office/drawing/2014/main" id="{C193D75A-3993-7807-DB88-98D8B2E61A5F}"/>
+              </a:ext>
+            </a:extLst>
+          </p:cNvPr>
+          <p:cNvSpPr>
+            <a:spLocks noChangeArrowheads="1"/>
+          </p:cNvSpPr>
+          <p:nvPr/>
+        </p:nvSpPr>
+        <p:spPr bwMode="auto">
+          <a:xfrm>
+            <a:off x="152400" y="152400"/>
+            <a:ext cx="12192000" cy="0"/>
+          </a:xfrm>
+          <a:prstGeom prst="rect">
+            <a:avLst/>
+          </a:prstGeom>
+          <a:solidFill>
+            <a:srgbClr val="444654"/>
+          </a:solidFill>
+          <a:ln>
+            <a:noFill/>
+          </a:ln>
+          <a:effectLst/>
+          <a:extLst>
+            <a:ext uri="{91240B29-F687-4F45-9708-019B960494DF}">
+              <a14:hiddenLine xmlns:a14="http://schemas.microsoft.com/office/drawing/2010/main" w="9525">
+                <a:solidFill>
+                  <a:schemeClr val="tx1"/>
+                </a:solidFill>
+                <a:miter lim="800000"/>
+                <a:headEnd/>
+                <a:tailEnd/>
+              </a14:hiddenLine>
+            </a:ext>
+            <a:ext uri="{AF507438-7753-43E0-B8FC-AC1667EBCBE1}">
+              <a14:hiddenEffects xmlns:a14="http://schemas.microsoft.com/office/drawing/2010/main">
+                <a:effectLst>
+                  <a:outerShdw dist="35921" dir="2700000" algn="ctr" rotWithShape="0">
+                    <a:schemeClr val="bg2"/>
+                  </a:outerShdw>
+                </a:effectLst>
+              </a14:hiddenEffects>
+            </a:ext>
+          </a:extLst>
+        </p:spPr>
+        <p:txBody>
+          <a:bodyPr vert="horz" wrap="none" lIns="0" tIns="0" rIns="0" bIns="0" numCol="1" anchor="ctr" anchorCtr="0" compatLnSpc="1">
+            <a:prstTxWarp prst="textNoShape">
+              <a:avLst/>
+            </a:prstTxWarp>
+            <a:spAutoFit/>
+          </a:bodyPr>
+          <a:lstStyle/>
+          <a:p>
+            <a:pPr marL="0" marR="0" lvl="0" indent="0" algn="l" defTabSz="914400" rtl="0" eaLnBrk="0" fontAlgn="base" latinLnBrk="0" hangingPunct="0">
+              <a:lnSpc>
+                <a:spcPct val="100000"/>
+              </a:lnSpc>
+              <a:spcBef>
+                <a:spcPct val="0"/>
+              </a:spcBef>
+              <a:spcAft>
+                <a:spcPct val="0"/>
+              </a:spcAft>
+              <a:buClrTx/>
+              <a:buSzTx/>
+              <a:buFontTx/>
+              <a:buNone/>
+              <a:tabLst/>
+            </a:pPr>
+            <a:endParaRPr kumimoji="0" lang="fr-FR" altLang="fr-FR" sz="1800" b="0" i="0" u="none" strike="noStrike" cap="none" normalizeH="0" baseline="0">
+              <a:ln>
+                <a:noFill/>
+              </a:ln>
+              <a:solidFill>
+                <a:schemeClr val="tx1"/>
+              </a:solidFill>
+              <a:effectLst/>
+              <a:latin typeface="Arial" panose="020B0604020202020204" pitchFamily="34" charset="0"/>
+            </a:endParaRPr>
+          </a:p>
+          <a:p>
+            <a:pPr marL="0" marR="0" lvl="0" indent="0" algn="l" defTabSz="914400" rtl="0" eaLnBrk="0" fontAlgn="base" latinLnBrk="0" hangingPunct="0">
+              <a:lnSpc>
+                <a:spcPct val="100000"/>
+              </a:lnSpc>
+              <a:spcBef>
+                <a:spcPct val="0"/>
+              </a:spcBef>
+              <a:spcAft>
+                <a:spcPct val="0"/>
+              </a:spcAft>
+              <a:buClrTx/>
+              <a:buSzTx/>
+              <a:buFontTx/>
+              <a:buChar char="•"/>
+              <a:tabLst/>
+            </a:pPr>
+            <a:r>
+              <a:rPr kumimoji="0" lang="fr-FR" altLang="fr-FR" sz="1200" b="0" i="0" u="none" strike="noStrike" cap="none" normalizeH="0" baseline="0">
+                <a:ln>
+                  <a:noFill/>
+                </a:ln>
+                <a:solidFill>
+                  <a:srgbClr val="D1D5DB"/>
+                </a:solidFill>
+                <a:effectLst/>
+                <a:latin typeface="Söhne"/>
+              </a:rPr>
+              <a:t>La redirection est une technique courante pour envoyer les utilisateurs d'une page à une autre automatiquement</a:t>
+            </a:r>
+          </a:p>
+          <a:p>
+            <a:pPr marL="0" marR="0" lvl="0" indent="0" algn="l" defTabSz="914400" rtl="0" eaLnBrk="0" fontAlgn="base" latinLnBrk="0" hangingPunct="0">
+              <a:lnSpc>
+                <a:spcPct val="100000"/>
+              </a:lnSpc>
+              <a:spcBef>
+                <a:spcPct val="0"/>
+              </a:spcBef>
+              <a:spcAft>
+                <a:spcPct val="0"/>
+              </a:spcAft>
+              <a:buClrTx/>
+              <a:buSzTx/>
+              <a:buFontTx/>
+              <a:buChar char="•"/>
+              <a:tabLst/>
+            </a:pPr>
+            <a:r>
+              <a:rPr kumimoji="0" lang="fr-FR" altLang="fr-FR" sz="1200" b="0" i="0" u="none" strike="noStrike" cap="none" normalizeH="0" baseline="0">
+                <a:ln>
+                  <a:noFill/>
+                </a:ln>
+                <a:solidFill>
+                  <a:srgbClr val="D1D5DB"/>
+                </a:solidFill>
+                <a:effectLst/>
+                <a:latin typeface="Söhne"/>
+              </a:rPr>
+              <a:t>Pour effectuer une redirection avec la fonction </a:t>
+            </a:r>
+            <a:r>
+              <a:rPr kumimoji="0" lang="fr-FR" altLang="fr-FR" b="1" i="0" u="none" strike="noStrike" cap="none" normalizeH="0" baseline="0">
+                <a:ln>
+                  <a:noFill/>
+                </a:ln>
+                <a:solidFill>
+                  <a:srgbClr val="D1D5DB"/>
+                </a:solidFill>
+                <a:effectLst/>
+                <a:latin typeface="Söhne Mono"/>
+              </a:rPr>
+              <a:t>header()</a:t>
+            </a:r>
+            <a:r>
+              <a:rPr kumimoji="0" lang="fr-FR" altLang="fr-FR" sz="1200" b="0" i="0" u="none" strike="noStrike" cap="none" normalizeH="0" baseline="0">
+                <a:ln>
+                  <a:noFill/>
+                </a:ln>
+                <a:solidFill>
+                  <a:srgbClr val="D1D5DB"/>
+                </a:solidFill>
+                <a:effectLst/>
+                <a:latin typeface="Söhne"/>
+              </a:rPr>
+              <a:t>, utilisez l'en-tête "Location" suivi de l'URL vers laquelle vous souhaitez rediriger l'utilisateur</a:t>
+            </a:r>
+          </a:p>
+          <a:p>
+            <a:pPr marL="0" marR="0" lvl="0" indent="0" algn="l" defTabSz="914400" rtl="0" eaLnBrk="0" fontAlgn="base" latinLnBrk="0" hangingPunct="0">
+              <a:lnSpc>
+                <a:spcPct val="100000"/>
+              </a:lnSpc>
+              <a:spcBef>
+                <a:spcPct val="0"/>
+              </a:spcBef>
+              <a:spcAft>
+                <a:spcPct val="0"/>
+              </a:spcAft>
+              <a:buClrTx/>
+              <a:buSzTx/>
+              <a:buFontTx/>
+              <a:buNone/>
+              <a:tabLst/>
+            </a:pPr>
+            <a:endParaRPr kumimoji="0" lang="fr-FR" altLang="fr-FR" sz="1800" b="0" i="0" u="none" strike="noStrike" cap="none" normalizeH="0" baseline="0">
+              <a:ln>
+                <a:noFill/>
+              </a:ln>
+              <a:solidFill>
+                <a:schemeClr val="tx1"/>
+              </a:solidFill>
+              <a:effectLst/>
+              <a:latin typeface="Arial" panose="020B0604020202020204" pitchFamily="34" charset="0"/>
+            </a:endParaRPr>
+          </a:p>
+        </p:txBody>
+      </p:sp>
+    </p:spTree>
+    <p:extLst>
+      <p:ext uri="{BB962C8B-B14F-4D97-AF65-F5344CB8AC3E}">
+        <p14:creationId xmlns:p14="http://schemas.microsoft.com/office/powerpoint/2010/main" val="2995661574"/>
+      </p:ext>
+    </p:extLst>
+  </p:cSld>
+  <p:clrMapOvr>
+    <a:masterClrMapping/>
+  </p:clrMapOvr>
+</p:sld>
+</file>
+
+<file path=ppt/slides/slide12.xml><?xml version="1.0" encoding="utf-8"?>
 <p:sld xmlns:a="http://schemas.openxmlformats.org/drawingml/2006/main" xmlns:r="http://schemas.openxmlformats.org/officeDocument/2006/relationships" xmlns:p="http://schemas.openxmlformats.org/presentationml/2006/main">
   <p:cSld>
     <p:spTree>
@@ -10780,9 +14026,10 @@
               </a:lnSpc>
             </a:pPr>
             <a:r>
-              <a:rPr lang="fr-FR" sz="2200" dirty="0"/>
-              <a:t>TP : Installation et configuration de l’environnement de développement</a:t>
-            </a:r>
+              <a:rPr lang="fr-FR" sz="2400" dirty="0"/>
+              <a:t>TP : Utilisation de la fonction header();</a:t>
+            </a:r>
+            <a:endParaRPr lang="fr-FR" sz="2200" dirty="0"/>
           </a:p>
         </p:txBody>
       </p:sp>
@@ -10825,668 +14072,7 @@
     </p:spTree>
     <p:extLst>
       <p:ext uri="{BB962C8B-B14F-4D97-AF65-F5344CB8AC3E}">
-        <p14:creationId xmlns:p14="http://schemas.microsoft.com/office/powerpoint/2010/main" val="3319986647"/>
-      </p:ext>
-    </p:extLst>
-  </p:cSld>
-  <p:clrMapOvr>
-    <a:masterClrMapping/>
-  </p:clrMapOvr>
-</p:sld>
-</file>
-
-<file path=ppt/slides/slide11.xml><?xml version="1.0" encoding="utf-8"?>
-<p:sld xmlns:a="http://schemas.openxmlformats.org/drawingml/2006/main" xmlns:r="http://schemas.openxmlformats.org/officeDocument/2006/relationships" xmlns:p="http://schemas.openxmlformats.org/presentationml/2006/main">
-  <p:cSld>
-    <p:spTree>
-      <p:nvGrpSpPr>
-        <p:cNvPr id="1" name=""/>
-        <p:cNvGrpSpPr/>
-        <p:nvPr/>
-      </p:nvGrpSpPr>
-      <p:grpSpPr>
-        <a:xfrm>
-          <a:off x="0" y="0"/>
-          <a:ext cx="0" cy="0"/>
-          <a:chOff x="0" y="0"/>
-          <a:chExt cx="0" cy="0"/>
-        </a:xfrm>
-      </p:grpSpPr>
-      <p:pic>
-        <p:nvPicPr>
-          <p:cNvPr id="7" name="Espace réservé du contenu 6" descr="Une image contenant flou&#10;&#10;Description générée automatiquement">
-            <a:extLst>
-              <a:ext uri="{FF2B5EF4-FFF2-40B4-BE49-F238E27FC236}">
-                <a16:creationId xmlns:a16="http://schemas.microsoft.com/office/drawing/2014/main" id="{B8022E6E-0CF5-38F0-D90B-D0235623BCE7}"/>
-              </a:ext>
-            </a:extLst>
-          </p:cNvPr>
-          <p:cNvPicPr>
-            <a:picLocks noGrp="1" noChangeAspect="1"/>
-          </p:cNvPicPr>
-          <p:nvPr>
-            <p:ph type="pic" idx="1"/>
-          </p:nvPr>
-        </p:nvPicPr>
-        <p:blipFill rotWithShape="1">
-          <a:blip r:embed="rId2">
-            <a:extLst>
-              <a:ext uri="{28A0092B-C50C-407E-A947-70E740481C1C}">
-                <a14:useLocalDpi xmlns:a14="http://schemas.microsoft.com/office/drawing/2010/main" val="0"/>
-              </a:ext>
-            </a:extLst>
-          </a:blip>
-          <a:srcRect l="13196" r="14455" b="1"/>
-          <a:stretch/>
-        </p:blipFill>
-        <p:spPr>
-          <a:xfrm>
-            <a:off x="228599" y="237744"/>
-            <a:ext cx="7696201" cy="6382512"/>
-          </a:xfrm>
-          <a:noFill/>
-        </p:spPr>
-      </p:pic>
-      <p:sp>
-        <p:nvSpPr>
-          <p:cNvPr id="4" name="Espace réservé de la date 3">
-            <a:extLst>
-              <a:ext uri="{FF2B5EF4-FFF2-40B4-BE49-F238E27FC236}">
-                <a16:creationId xmlns:a16="http://schemas.microsoft.com/office/drawing/2014/main" id="{278D00EF-CAC3-05B2-21C6-39D7CD94D34E}"/>
-              </a:ext>
-            </a:extLst>
-          </p:cNvPr>
-          <p:cNvSpPr>
-            <a:spLocks noGrp="1"/>
-          </p:cNvSpPr>
-          <p:nvPr>
-            <p:ph type="dt" sz="half" idx="10"/>
-          </p:nvPr>
-        </p:nvSpPr>
-        <p:spPr>
-          <a:xfrm>
-            <a:off x="5662337" y="6035040"/>
-            <a:ext cx="2071963" cy="365760"/>
-          </a:xfrm>
-        </p:spPr>
-        <p:txBody>
-          <a:bodyPr anchor="b">
-            <a:normAutofit/>
-          </a:bodyPr>
-          <a:lstStyle/>
-          <a:p>
-            <a:pPr rtl="0">
-              <a:spcAft>
-                <a:spcPts val="600"/>
-              </a:spcAft>
-            </a:pPr>
-            <a:fld id="{43B6331D-8BD5-4AF5-97EE-8FB3C79FE924}" type="datetime1">
-              <a:rPr lang="fr-FR" smtClean="0"/>
-              <a:pPr rtl="0">
-                <a:spcAft>
-                  <a:spcPts val="600"/>
-                </a:spcAft>
-              </a:pPr>
-              <a:t>20/03/2023</a:t>
-            </a:fld>
-            <a:endParaRPr lang="en-US"/>
-          </a:p>
-        </p:txBody>
-      </p:sp>
-      <p:sp>
-        <p:nvSpPr>
-          <p:cNvPr id="2" name="Titre 1">
-            <a:extLst>
-              <a:ext uri="{FF2B5EF4-FFF2-40B4-BE49-F238E27FC236}">
-                <a16:creationId xmlns:a16="http://schemas.microsoft.com/office/drawing/2014/main" id="{EFA281C8-854F-CB7B-4F0F-A9D0704C22C8}"/>
-              </a:ext>
-            </a:extLst>
-          </p:cNvPr>
-          <p:cNvSpPr>
-            <a:spLocks noGrp="1"/>
-          </p:cNvSpPr>
-          <p:nvPr>
-            <p:ph type="title"/>
-          </p:nvPr>
-        </p:nvSpPr>
-        <p:spPr>
-          <a:xfrm>
-            <a:off x="8477250" y="603504"/>
-            <a:ext cx="3144774" cy="1645920"/>
-          </a:xfrm>
-        </p:spPr>
-        <p:txBody>
-          <a:bodyPr anchor="b">
-            <a:normAutofit/>
-          </a:bodyPr>
-          <a:lstStyle/>
-          <a:p>
-            <a:r>
-              <a:rPr lang="fr-FR"/>
-              <a:t>Les bases de PHP</a:t>
-            </a:r>
-          </a:p>
-        </p:txBody>
-      </p:sp>
-      <p:sp>
-        <p:nvSpPr>
-          <p:cNvPr id="3" name="Sous-titre 2">
-            <a:extLst>
-              <a:ext uri="{FF2B5EF4-FFF2-40B4-BE49-F238E27FC236}">
-                <a16:creationId xmlns:a16="http://schemas.microsoft.com/office/drawing/2014/main" id="{281EC24D-08A3-F28D-5EC8-ED36EB51352E}"/>
-              </a:ext>
-            </a:extLst>
-          </p:cNvPr>
-          <p:cNvSpPr>
-            <a:spLocks noGrp="1"/>
-          </p:cNvSpPr>
-          <p:nvPr>
-            <p:ph type="body" sz="half" idx="2"/>
-          </p:nvPr>
-        </p:nvSpPr>
-        <p:spPr>
-          <a:xfrm>
-            <a:off x="8477250" y="2386584"/>
-            <a:ext cx="3144774" cy="3511296"/>
-          </a:xfrm>
-        </p:spPr>
-        <p:txBody>
-          <a:bodyPr>
-            <a:normAutofit/>
-          </a:bodyPr>
-          <a:lstStyle/>
-          <a:p>
-            <a:r>
-              <a:rPr lang="fr-FR" dirty="0"/>
-              <a:t>Pour bien comprendre !</a:t>
-            </a:r>
-            <a:endParaRPr lang="en-US" dirty="0"/>
-          </a:p>
-        </p:txBody>
-      </p:sp>
-    </p:spTree>
-    <p:extLst>
-      <p:ext uri="{BB962C8B-B14F-4D97-AF65-F5344CB8AC3E}">
-        <p14:creationId xmlns:p14="http://schemas.microsoft.com/office/powerpoint/2010/main" val="2318128542"/>
-      </p:ext>
-    </p:extLst>
-  </p:cSld>
-  <p:clrMapOvr>
-    <a:masterClrMapping/>
-  </p:clrMapOvr>
-</p:sld>
-</file>
-
-<file path=ppt/slides/slide12.xml><?xml version="1.0" encoding="utf-8"?>
-<p:sld xmlns:a="http://schemas.openxmlformats.org/drawingml/2006/main" xmlns:r="http://schemas.openxmlformats.org/officeDocument/2006/relationships" xmlns:p="http://schemas.openxmlformats.org/presentationml/2006/main">
-  <p:cSld>
-    <p:bg>
-      <p:bgPr>
-        <a:solidFill>
-          <a:schemeClr val="bg1"/>
-        </a:solidFill>
-        <a:effectLst/>
-      </p:bgPr>
-    </p:bg>
-    <p:spTree>
-      <p:nvGrpSpPr>
-        <p:cNvPr id="1" name=""/>
-        <p:cNvGrpSpPr/>
-        <p:nvPr/>
-      </p:nvGrpSpPr>
-      <p:grpSpPr>
-        <a:xfrm>
-          <a:off x="0" y="0"/>
-          <a:ext cx="0" cy="0"/>
-          <a:chOff x="0" y="0"/>
-          <a:chExt cx="0" cy="0"/>
-        </a:xfrm>
-      </p:grpSpPr>
-      <p:sp>
-        <p:nvSpPr>
-          <p:cNvPr id="2" name="Titre 1">
-            <a:extLst>
-              <a:ext uri="{FF2B5EF4-FFF2-40B4-BE49-F238E27FC236}">
-                <a16:creationId xmlns:a16="http://schemas.microsoft.com/office/drawing/2014/main" id="{7A4919D0-F177-4BBA-9A0B-DBA69E2ED764}"/>
-              </a:ext>
-            </a:extLst>
-          </p:cNvPr>
-          <p:cNvSpPr>
-            <a:spLocks noGrp="1"/>
-          </p:cNvSpPr>
-          <p:nvPr>
-            <p:ph type="title"/>
-          </p:nvPr>
-        </p:nvSpPr>
-        <p:spPr>
-          <a:xfrm>
-            <a:off x="1066800" y="642594"/>
-            <a:ext cx="10058400" cy="1371600"/>
-          </a:xfrm>
-        </p:spPr>
-        <p:txBody>
-          <a:bodyPr rtlCol="0">
-            <a:normAutofit/>
-          </a:bodyPr>
-          <a:lstStyle/>
-          <a:p>
-            <a:pPr algn="ctr" rtl="0"/>
-            <a:r>
-              <a:rPr lang="fr" dirty="0"/>
-              <a:t>Les bases de PHP</a:t>
-            </a:r>
-            <a:br>
-              <a:rPr lang="fr" dirty="0"/>
-            </a:br>
-            <a:r>
-              <a:rPr lang="fr" sz="2800" b="1" dirty="0"/>
-              <a:t>Opérateurs</a:t>
-            </a:r>
-            <a:endParaRPr lang="fr" b="1" dirty="0"/>
-          </a:p>
-        </p:txBody>
-      </p:sp>
-      <p:sp>
-        <p:nvSpPr>
-          <p:cNvPr id="4" name="Espace réservé du contenu 3">
-            <a:extLst>
-              <a:ext uri="{FF2B5EF4-FFF2-40B4-BE49-F238E27FC236}">
-                <a16:creationId xmlns:a16="http://schemas.microsoft.com/office/drawing/2014/main" id="{BE79CDCE-D971-C683-1302-D4C2731A5EF3}"/>
-              </a:ext>
-            </a:extLst>
-          </p:cNvPr>
-          <p:cNvSpPr>
-            <a:spLocks noGrp="1"/>
-          </p:cNvSpPr>
-          <p:nvPr>
-            <p:ph idx="1"/>
-          </p:nvPr>
-        </p:nvSpPr>
-        <p:spPr/>
-        <p:txBody>
-          <a:bodyPr/>
-          <a:lstStyle/>
-          <a:p>
-            <a:r>
-              <a:rPr lang="fr-FR" dirty="0"/>
-              <a:t>Opérateurs arithmétiques : ‘</a:t>
-            </a:r>
-            <a:r>
-              <a:rPr lang="fr-FR" b="1" i="1" dirty="0"/>
-              <a:t>+</a:t>
-            </a:r>
-            <a:r>
-              <a:rPr lang="fr-FR" dirty="0"/>
-              <a:t>’,’</a:t>
-            </a:r>
-            <a:r>
-              <a:rPr lang="fr-FR" b="1" i="1" dirty="0"/>
-              <a:t>-</a:t>
-            </a:r>
-            <a:r>
-              <a:rPr lang="fr-FR" dirty="0"/>
-              <a:t>’,’</a:t>
-            </a:r>
-            <a:r>
-              <a:rPr lang="fr-FR" b="1" i="1" dirty="0"/>
-              <a:t>*</a:t>
-            </a:r>
-            <a:r>
-              <a:rPr lang="fr-FR" dirty="0"/>
-              <a:t>’,’</a:t>
-            </a:r>
-            <a:r>
-              <a:rPr lang="fr-FR" b="1" i="1" dirty="0"/>
-              <a:t>/</a:t>
-            </a:r>
-            <a:r>
-              <a:rPr lang="fr-FR" dirty="0"/>
-              <a:t>’,’</a:t>
-            </a:r>
-            <a:r>
-              <a:rPr lang="fr-FR" b="1" i="1" dirty="0"/>
-              <a:t>%</a:t>
-            </a:r>
-            <a:r>
-              <a:rPr lang="fr-FR" dirty="0"/>
-              <a:t>’</a:t>
-            </a:r>
-          </a:p>
-          <a:p>
-            <a:r>
-              <a:rPr lang="fr-FR" dirty="0"/>
-              <a:t>Opérateurs d’affectation : ‘</a:t>
-            </a:r>
-            <a:r>
-              <a:rPr lang="fr-FR" b="1" i="1" dirty="0"/>
-              <a:t>=</a:t>
-            </a:r>
-            <a:r>
-              <a:rPr lang="fr-FR" dirty="0"/>
-              <a:t>‘, ‘</a:t>
-            </a:r>
-            <a:r>
-              <a:rPr lang="fr-FR" b="1" i="1" dirty="0"/>
-              <a:t>+=</a:t>
-            </a:r>
-            <a:r>
-              <a:rPr lang="fr-FR" dirty="0"/>
-              <a:t>‘, ‘</a:t>
-            </a:r>
-            <a:r>
-              <a:rPr lang="fr-FR" b="1" i="1" dirty="0"/>
-              <a:t>-=</a:t>
-            </a:r>
-            <a:r>
-              <a:rPr lang="fr-FR" dirty="0"/>
-              <a:t>‘, ‘</a:t>
-            </a:r>
-            <a:r>
-              <a:rPr lang="fr-FR" b="1" i="1" dirty="0"/>
-              <a:t>*=</a:t>
-            </a:r>
-            <a:r>
-              <a:rPr lang="fr-FR" dirty="0"/>
-              <a:t>‘, ‘</a:t>
-            </a:r>
-            <a:r>
-              <a:rPr lang="fr-FR" b="1" i="1" dirty="0"/>
-              <a:t>/=</a:t>
-            </a:r>
-            <a:r>
-              <a:rPr lang="fr-FR" dirty="0"/>
-              <a:t>‘, ‘</a:t>
-            </a:r>
-            <a:r>
-              <a:rPr lang="fr-FR" b="1" i="1" dirty="0"/>
-              <a:t>%=</a:t>
-            </a:r>
-            <a:r>
-              <a:rPr lang="fr-FR" dirty="0"/>
-              <a:t>‘, ‘</a:t>
-            </a:r>
-            <a:r>
-              <a:rPr lang="fr-FR" b="1" dirty="0"/>
-              <a:t>.=</a:t>
-            </a:r>
-            <a:r>
-              <a:rPr lang="fr-FR" dirty="0"/>
-              <a:t>‘(</a:t>
-            </a:r>
-            <a:r>
-              <a:rPr lang="fr-FR" b="1" dirty="0"/>
-              <a:t>concaténation</a:t>
-            </a:r>
-            <a:r>
-              <a:rPr lang="fr-FR" dirty="0"/>
-              <a:t>)</a:t>
-            </a:r>
-          </a:p>
-          <a:p>
-            <a:r>
-              <a:rPr lang="fr-FR" dirty="0"/>
-              <a:t>Opérateurs de comparaison : ‘</a:t>
-            </a:r>
-            <a:r>
-              <a:rPr lang="fr-FR" b="1" dirty="0"/>
-              <a:t>==</a:t>
-            </a:r>
-            <a:r>
-              <a:rPr lang="fr-FR" dirty="0"/>
-              <a:t>‘, ‘</a:t>
-            </a:r>
-            <a:r>
-              <a:rPr lang="fr-FR" b="1" dirty="0"/>
-              <a:t>===</a:t>
-            </a:r>
-            <a:r>
-              <a:rPr lang="fr-FR" dirty="0"/>
-              <a:t>‘, ‘</a:t>
-            </a:r>
-            <a:r>
-              <a:rPr lang="fr-FR" b="1" dirty="0"/>
-              <a:t>!=</a:t>
-            </a:r>
-            <a:r>
-              <a:rPr lang="fr-FR" dirty="0"/>
-              <a:t>‘, ‘</a:t>
-            </a:r>
-            <a:r>
-              <a:rPr lang="fr-FR" b="1" dirty="0"/>
-              <a:t>!==</a:t>
-            </a:r>
-            <a:r>
-              <a:rPr lang="fr-FR" dirty="0"/>
-              <a:t>‘, ‘</a:t>
-            </a:r>
-            <a:r>
-              <a:rPr lang="fr-FR" b="1" dirty="0"/>
-              <a:t>&lt;</a:t>
-            </a:r>
-            <a:r>
-              <a:rPr lang="fr-FR" dirty="0"/>
-              <a:t>‘, ‘</a:t>
-            </a:r>
-            <a:r>
-              <a:rPr lang="fr-FR" b="1" dirty="0"/>
-              <a:t>&gt;</a:t>
-            </a:r>
-            <a:r>
-              <a:rPr lang="fr-FR" dirty="0"/>
-              <a:t>’, ‘</a:t>
-            </a:r>
-            <a:r>
-              <a:rPr lang="fr-FR" b="1" dirty="0"/>
-              <a:t>&lt;=</a:t>
-            </a:r>
-            <a:r>
-              <a:rPr lang="fr-FR" dirty="0"/>
-              <a:t>‘, ‘</a:t>
-            </a:r>
-            <a:r>
-              <a:rPr lang="fr-FR" b="1" dirty="0"/>
-              <a:t>&gt;=</a:t>
-            </a:r>
-            <a:r>
-              <a:rPr lang="fr-FR" dirty="0"/>
-              <a:t>‘, ‘</a:t>
-            </a:r>
-            <a:r>
-              <a:rPr lang="fr-FR" b="1" dirty="0"/>
-              <a:t>&lt;=&gt;</a:t>
-            </a:r>
-            <a:r>
-              <a:rPr lang="fr-FR" dirty="0"/>
-              <a:t>’ (</a:t>
-            </a:r>
-            <a:r>
-              <a:rPr lang="fr-FR" b="1" dirty="0" err="1"/>
-              <a:t>spaceship</a:t>
-            </a:r>
-            <a:r>
-              <a:rPr lang="fr-FR" dirty="0"/>
-              <a:t>)</a:t>
-            </a:r>
-          </a:p>
-          <a:p>
-            <a:r>
-              <a:rPr lang="fr-FR" dirty="0"/>
-              <a:t>Opérateurs logiques : ‘</a:t>
-            </a:r>
-            <a:r>
-              <a:rPr lang="fr-FR" b="1" dirty="0"/>
-              <a:t>&amp;&amp;</a:t>
-            </a:r>
-            <a:r>
-              <a:rPr lang="fr-FR" dirty="0"/>
-              <a:t>’(</a:t>
-            </a:r>
-            <a:r>
-              <a:rPr lang="fr-FR" b="1" i="1" dirty="0"/>
-              <a:t>et</a:t>
-            </a:r>
-            <a:r>
-              <a:rPr lang="fr-FR" dirty="0"/>
-              <a:t>), ‘</a:t>
-            </a:r>
-            <a:r>
-              <a:rPr lang="fr-FR" b="1" dirty="0"/>
-              <a:t>||</a:t>
-            </a:r>
-            <a:r>
-              <a:rPr lang="fr-FR" dirty="0"/>
-              <a:t>’ (</a:t>
-            </a:r>
-            <a:r>
-              <a:rPr lang="fr-FR" b="1" i="1" dirty="0"/>
-              <a:t>ou</a:t>
-            </a:r>
-            <a:r>
-              <a:rPr lang="fr-FR" dirty="0"/>
-              <a:t>), ‘</a:t>
-            </a:r>
-            <a:r>
-              <a:rPr lang="fr-FR" b="1" dirty="0"/>
-              <a:t>!</a:t>
-            </a:r>
-            <a:r>
-              <a:rPr lang="fr-FR" dirty="0"/>
-              <a:t>’ (</a:t>
-            </a:r>
-            <a:r>
-              <a:rPr lang="fr-FR" b="1" i="1" dirty="0"/>
-              <a:t>non</a:t>
-            </a:r>
-            <a:r>
-              <a:rPr lang="fr-FR" dirty="0"/>
-              <a:t>) </a:t>
-            </a:r>
-          </a:p>
-          <a:p>
-            <a:r>
-              <a:rPr lang="fr-FR" dirty="0"/>
-              <a:t>Opérateurs d’incrémentation/</a:t>
-            </a:r>
-            <a:r>
-              <a:rPr lang="fr-FR" dirty="0" err="1"/>
-              <a:t>décrementation</a:t>
-            </a:r>
-            <a:r>
-              <a:rPr lang="fr-FR" dirty="0"/>
-              <a:t> : ‘</a:t>
-            </a:r>
-            <a:r>
-              <a:rPr lang="fr-FR" b="1" i="1" dirty="0"/>
-              <a:t>++</a:t>
-            </a:r>
-            <a:r>
-              <a:rPr lang="fr-FR" dirty="0"/>
-              <a:t>’, ‘</a:t>
-            </a:r>
-            <a:r>
-              <a:rPr lang="fr-FR" b="1" i="1" dirty="0"/>
-              <a:t>--</a:t>
-            </a:r>
-            <a:r>
-              <a:rPr lang="fr-FR" dirty="0"/>
-              <a:t>’</a:t>
-            </a:r>
-          </a:p>
-          <a:p>
-            <a:r>
-              <a:rPr lang="fr-FR" dirty="0"/>
-              <a:t>Opérateurs ternaires : ‘</a:t>
-            </a:r>
-            <a:r>
-              <a:rPr lang="fr-FR" b="1" i="1" dirty="0"/>
-              <a:t>condition ? </a:t>
-            </a:r>
-            <a:r>
-              <a:rPr lang="fr-FR" b="1" i="1" dirty="0" err="1">
-                <a:solidFill>
-                  <a:schemeClr val="accent1"/>
-                </a:solidFill>
-              </a:rPr>
-              <a:t>valeur_si_vrai</a:t>
-            </a:r>
-            <a:r>
-              <a:rPr lang="fr-FR" b="1" i="1" dirty="0">
-                <a:solidFill>
-                  <a:schemeClr val="accent1"/>
-                </a:solidFill>
-              </a:rPr>
-              <a:t> </a:t>
-            </a:r>
-            <a:r>
-              <a:rPr lang="fr-FR" b="1" i="1" dirty="0"/>
-              <a:t>: </a:t>
-            </a:r>
-            <a:r>
-              <a:rPr lang="fr-FR" b="1" i="1" dirty="0" err="1">
-                <a:solidFill>
-                  <a:schemeClr val="accent2">
-                    <a:lumMod val="75000"/>
-                  </a:schemeClr>
-                </a:solidFill>
-              </a:rPr>
-              <a:t>valeur_si_faux</a:t>
-            </a:r>
-            <a:r>
-              <a:rPr lang="fr-FR" dirty="0"/>
-              <a:t>’</a:t>
-            </a:r>
-          </a:p>
-          <a:p>
-            <a:r>
-              <a:rPr lang="fr-FR" dirty="0"/>
-              <a:t>Opérateur </a:t>
-            </a:r>
-            <a:r>
-              <a:rPr lang="fr-FR" dirty="0" err="1"/>
-              <a:t>null</a:t>
-            </a:r>
-            <a:r>
-              <a:rPr lang="fr-FR" dirty="0"/>
-              <a:t> </a:t>
-            </a:r>
-            <a:r>
-              <a:rPr lang="fr-FR" dirty="0" err="1"/>
-              <a:t>coallescent</a:t>
-            </a:r>
-            <a:r>
-              <a:rPr lang="fr-FR" dirty="0"/>
-              <a:t> (depuis </a:t>
-            </a:r>
-            <a:r>
-              <a:rPr lang="fr-FR" dirty="0" err="1"/>
-              <a:t>php</a:t>
-            </a:r>
-            <a:r>
-              <a:rPr lang="fr-FR" dirty="0"/>
-              <a:t> 7) : ‘</a:t>
-            </a:r>
-            <a:r>
-              <a:rPr lang="fr-FR" b="1" i="1" dirty="0"/>
-              <a:t>??</a:t>
-            </a:r>
-            <a:r>
-              <a:rPr lang="fr-FR" dirty="0"/>
-              <a:t>’</a:t>
-            </a:r>
-          </a:p>
-          <a:p>
-            <a:r>
-              <a:rPr lang="fr-FR" dirty="0"/>
-              <a:t>Démo…</a:t>
-            </a:r>
-            <a:endParaRPr lang="en-US" dirty="0"/>
-          </a:p>
-        </p:txBody>
-      </p:sp>
-    </p:spTree>
-    <p:extLst>
-      <p:ext uri="{BB962C8B-B14F-4D97-AF65-F5344CB8AC3E}">
-        <p14:creationId xmlns:p14="http://schemas.microsoft.com/office/powerpoint/2010/main" val="1972216935"/>
+        <p14:creationId xmlns:p14="http://schemas.microsoft.com/office/powerpoint/2010/main" val="1471083913"/>
       </p:ext>
     </p:extLst>
   </p:cSld>
@@ -11515,19 +14101,19 @@
       </p:grpSpPr>
       <p:pic>
         <p:nvPicPr>
-          <p:cNvPr id="15" name="Image 14" descr="Une image contenant texte, intérieur, Appareils électroniques, ordinateur&#10;&#10;Description générée automatiquement">
+          <p:cNvPr id="2050" name="Picture 2" descr="Vecteur gratuit illustration de papier">
             <a:extLst>
               <a:ext uri="{FF2B5EF4-FFF2-40B4-BE49-F238E27FC236}">
-                <a16:creationId xmlns:a16="http://schemas.microsoft.com/office/drawing/2014/main" id="{107A8572-D5D3-A0E8-E1F3-083B07131B19}"/>
+                <a16:creationId xmlns:a16="http://schemas.microsoft.com/office/drawing/2014/main" id="{25F7CC9A-D3D9-1B6E-D744-0210380DDFB4}"/>
               </a:ext>
             </a:extLst>
           </p:cNvPr>
           <p:cNvPicPr>
-            <a:picLocks noChangeAspect="1"/>
+            <a:picLocks noChangeAspect="1" noChangeArrowheads="1"/>
           </p:cNvPicPr>
           <p:nvPr/>
         </p:nvPicPr>
-        <p:blipFill rotWithShape="1">
+        <p:blipFill>
           <a:blip r:embed="rId2">
             <a:extLst>
               <a:ext uri="{28A0092B-C50C-407E-A947-70E740481C1C}">
@@ -11535,21 +14121,33 @@
               </a:ext>
             </a:extLst>
           </a:blip>
-          <a:srcRect r="16196" b="1"/>
-          <a:stretch/>
+          <a:stretch>
+            <a:fillRect/>
+          </a:stretch>
         </p:blipFill>
-        <p:spPr>
+        <p:spPr bwMode="auto">
           <a:xfrm>
-            <a:off x="228599" y="237744"/>
-            <a:ext cx="7696201" cy="6382512"/>
+            <a:off x="885443" y="237744"/>
+            <a:ext cx="6382512" cy="6382512"/>
           </a:xfrm>
           <a:prstGeom prst="rect">
             <a:avLst/>
           </a:prstGeom>
-          <a:noFill/>
+          <a:solidFill>
+            <a:srgbClr val="FFFFFF"/>
+          </a:solidFill>
           <a:ln>
             <a:noFill/>
           </a:ln>
+          <a:extLst>
+            <a:ext uri="{909E8E84-426E-40DD-AFC4-6F175D3DCCD1}">
+              <a14:hiddenFill xmlns:a14="http://schemas.microsoft.com/office/drawing/2010/main">
+                <a:solidFill>
+                  <a:srgbClr val="FFFFFF"/>
+                </a:solidFill>
+              </a14:hiddenFill>
+            </a:ext>
+          </a:extLst>
         </p:spPr>
       </p:pic>
       <p:sp>
@@ -11628,7 +14226,7 @@
           <a:p>
             <a:r>
               <a:rPr lang="fr-FR" dirty="0"/>
-              <a:t>Les fonctions</a:t>
+              <a:t>Utilisation de formulaires en PHP</a:t>
             </a:r>
           </a:p>
         </p:txBody>
@@ -11672,7 +14270,7 @@
     </p:spTree>
     <p:extLst>
       <p:ext uri="{BB962C8B-B14F-4D97-AF65-F5344CB8AC3E}">
-        <p14:creationId xmlns:p14="http://schemas.microsoft.com/office/powerpoint/2010/main" val="400260103"/>
+        <p14:creationId xmlns:p14="http://schemas.microsoft.com/office/powerpoint/2010/main" val="2318128542"/>
       </p:ext>
     </p:extLst>
   </p:cSld>
@@ -11735,10 +14333,1472 @@
           </a:bodyPr>
           <a:lstStyle/>
           <a:p>
+            <a:r>
+              <a:rPr lang="fr-FR" dirty="0"/>
+              <a:t>Utilisation de formulaires en PHP</a:t>
+            </a:r>
+          </a:p>
+        </p:txBody>
+      </p:sp>
+      <p:sp>
+        <p:nvSpPr>
+          <p:cNvPr id="6" name="Espace réservé du contenu 5">
+            <a:extLst>
+              <a:ext uri="{FF2B5EF4-FFF2-40B4-BE49-F238E27FC236}">
+                <a16:creationId xmlns:a16="http://schemas.microsoft.com/office/drawing/2014/main" id="{D5707AB2-79D8-775B-89D6-0079B9F4F48C}"/>
+              </a:ext>
+            </a:extLst>
+          </p:cNvPr>
+          <p:cNvSpPr>
+            <a:spLocks noGrp="1"/>
+          </p:cNvSpPr>
+          <p:nvPr>
+            <p:ph idx="1"/>
+          </p:nvPr>
+        </p:nvSpPr>
+        <p:spPr/>
+        <p:txBody>
+          <a:bodyPr/>
+          <a:lstStyle/>
+          <a:p>
+            <a:r>
+              <a:rPr lang="fr-FR" dirty="0"/>
+              <a:t>Présentation des éléments de bases d’un formulaire html : </a:t>
+            </a:r>
+          </a:p>
+          <a:p>
+            <a:pPr lvl="1"/>
+            <a:r>
+              <a:rPr lang="fr-FR" dirty="0"/>
+              <a:t>&lt;</a:t>
+            </a:r>
+            <a:r>
+              <a:rPr lang="fr-FR" dirty="0" err="1"/>
+              <a:t>form</a:t>
+            </a:r>
+            <a:r>
+              <a:rPr lang="fr-FR" dirty="0"/>
+              <a:t>&gt; </a:t>
+            </a:r>
+            <a:r>
+              <a:rPr lang="fr-FR" dirty="0">
+                <a:sym typeface="Wingdings" panose="05000000000000000000" pitchFamily="2" charset="2"/>
+              </a:rPr>
+              <a:t> pour déclarer un formulaire</a:t>
+            </a:r>
+          </a:p>
+          <a:p>
+            <a:pPr lvl="1"/>
+            <a:r>
+              <a:rPr lang="fr-FR" dirty="0">
+                <a:sym typeface="Wingdings" panose="05000000000000000000" pitchFamily="2" charset="2"/>
+              </a:rPr>
+              <a:t>&lt;input&gt;  pour déclarer un champ d’entrée</a:t>
+            </a:r>
+          </a:p>
+          <a:p>
+            <a:pPr lvl="1"/>
+            <a:r>
+              <a:rPr lang="fr-FR" dirty="0">
+                <a:sym typeface="Wingdings" panose="05000000000000000000" pitchFamily="2" charset="2"/>
+              </a:rPr>
+              <a:t>&lt;label&gt;  le nom à associer a l’input (souvent une chaine de caractères)</a:t>
+            </a:r>
+          </a:p>
+          <a:p>
+            <a:pPr lvl="1"/>
+            <a:r>
+              <a:rPr lang="fr-FR" dirty="0">
+                <a:sym typeface="Wingdings" panose="05000000000000000000" pitchFamily="2" charset="2"/>
+              </a:rPr>
+              <a:t>&lt;</a:t>
+            </a:r>
+            <a:r>
+              <a:rPr lang="fr-FR" dirty="0" err="1">
+                <a:sym typeface="Wingdings" panose="05000000000000000000" pitchFamily="2" charset="2"/>
+              </a:rPr>
+              <a:t>textarea</a:t>
+            </a:r>
+            <a:r>
+              <a:rPr lang="fr-FR" dirty="0">
+                <a:sym typeface="Wingdings" panose="05000000000000000000" pitchFamily="2" charset="2"/>
+              </a:rPr>
+              <a:t>&gt;  un input qui prends en charge le multiligne</a:t>
+            </a:r>
+          </a:p>
+          <a:p>
+            <a:pPr lvl="1"/>
+            <a:r>
+              <a:rPr lang="fr-FR" dirty="0">
+                <a:sym typeface="Wingdings" panose="05000000000000000000" pitchFamily="2" charset="2"/>
+              </a:rPr>
+              <a:t>&lt;select&gt;  Un </a:t>
+            </a:r>
+            <a:r>
+              <a:rPr lang="fr-FR" dirty="0" err="1">
+                <a:sym typeface="Wingdings" panose="05000000000000000000" pitchFamily="2" charset="2"/>
+              </a:rPr>
+              <a:t>selecteur</a:t>
+            </a:r>
+            <a:r>
+              <a:rPr lang="fr-FR" dirty="0">
+                <a:sym typeface="Wingdings" panose="05000000000000000000" pitchFamily="2" charset="2"/>
+              </a:rPr>
+              <a:t> avec des options</a:t>
+            </a:r>
+          </a:p>
+          <a:p>
+            <a:pPr lvl="1"/>
+            <a:r>
+              <a:rPr lang="fr-FR" dirty="0">
+                <a:sym typeface="Wingdings" panose="05000000000000000000" pitchFamily="2" charset="2"/>
+              </a:rPr>
+              <a:t>&lt;</a:t>
+            </a:r>
+            <a:r>
+              <a:rPr lang="fr-FR" dirty="0" err="1">
+                <a:sym typeface="Wingdings" panose="05000000000000000000" pitchFamily="2" charset="2"/>
+              </a:rPr>
+              <a:t>button</a:t>
+            </a:r>
+            <a:r>
+              <a:rPr lang="fr-FR" dirty="0">
+                <a:sym typeface="Wingdings" panose="05000000000000000000" pitchFamily="2" charset="2"/>
+              </a:rPr>
+              <a:t>&gt;  Un bouton</a:t>
+            </a:r>
+          </a:p>
+          <a:p>
+            <a:pPr lvl="1"/>
+            <a:endParaRPr lang="fr-FR" dirty="0"/>
+          </a:p>
+          <a:p>
+            <a:r>
+              <a:rPr lang="fr-FR" dirty="0"/>
+              <a:t>Les attributs importants : Name, id,  type, value, </a:t>
+            </a:r>
+            <a:r>
+              <a:rPr lang="fr-FR" dirty="0" err="1"/>
+              <a:t>required</a:t>
+            </a:r>
+            <a:r>
+              <a:rPr lang="fr-FR" dirty="0"/>
+              <a:t> et </a:t>
+            </a:r>
+            <a:r>
+              <a:rPr lang="fr-FR" dirty="0" err="1"/>
+              <a:t>placeholder</a:t>
+            </a:r>
+            <a:endParaRPr lang="fr-FR" dirty="0"/>
+          </a:p>
+          <a:p>
+            <a:r>
+              <a:rPr lang="fr-FR" dirty="0"/>
+              <a:t>Les types d’input courants : </a:t>
+            </a:r>
+            <a:r>
+              <a:rPr lang="fr-FR" dirty="0" err="1"/>
+              <a:t>text</a:t>
+            </a:r>
+            <a:r>
+              <a:rPr lang="fr-FR" dirty="0"/>
+              <a:t>, email, </a:t>
+            </a:r>
+            <a:r>
+              <a:rPr lang="fr-FR" dirty="0" err="1"/>
+              <a:t>password</a:t>
+            </a:r>
+            <a:r>
+              <a:rPr lang="fr-FR" dirty="0"/>
+              <a:t>, </a:t>
+            </a:r>
+            <a:r>
+              <a:rPr lang="fr-FR" dirty="0" err="1"/>
+              <a:t>number</a:t>
+            </a:r>
+            <a:r>
+              <a:rPr lang="fr-FR" dirty="0"/>
+              <a:t>, date, </a:t>
+            </a:r>
+            <a:r>
+              <a:rPr lang="fr-FR" dirty="0" err="1"/>
+              <a:t>checkbox</a:t>
+            </a:r>
+            <a:r>
+              <a:rPr lang="fr-FR" dirty="0"/>
+              <a:t>, radio, </a:t>
+            </a:r>
+            <a:r>
+              <a:rPr lang="fr-FR" dirty="0" err="1"/>
+              <a:t>submit</a:t>
+            </a:r>
+            <a:r>
+              <a:rPr lang="fr-FR" dirty="0"/>
+              <a:t>, reset</a:t>
+            </a:r>
+          </a:p>
+          <a:p>
+            <a:r>
+              <a:rPr lang="fr-FR" dirty="0"/>
+              <a:t>Deux possibilités de traitement à l’envoi : POST et GET</a:t>
+            </a:r>
+          </a:p>
+        </p:txBody>
+      </p:sp>
+      <p:sp>
+        <p:nvSpPr>
+          <p:cNvPr id="3" name="Rectangle 1">
+            <a:extLst>
+              <a:ext uri="{FF2B5EF4-FFF2-40B4-BE49-F238E27FC236}">
+                <a16:creationId xmlns:a16="http://schemas.microsoft.com/office/drawing/2014/main" id="{817F2514-D7D2-9ACF-E066-CFBE1CC9AB8A}"/>
+              </a:ext>
+            </a:extLst>
+          </p:cNvPr>
+          <p:cNvSpPr>
+            <a:spLocks noChangeArrowheads="1"/>
+          </p:cNvSpPr>
+          <p:nvPr/>
+        </p:nvSpPr>
+        <p:spPr bwMode="auto">
+          <a:xfrm>
+            <a:off x="0" y="0"/>
+            <a:ext cx="12192000" cy="0"/>
+          </a:xfrm>
+          <a:prstGeom prst="rect">
+            <a:avLst/>
+          </a:prstGeom>
+          <a:solidFill>
+            <a:srgbClr val="444654"/>
+          </a:solidFill>
+          <a:ln>
+            <a:noFill/>
+          </a:ln>
+          <a:effectLst/>
+          <a:extLst>
+            <a:ext uri="{91240B29-F687-4F45-9708-019B960494DF}">
+              <a14:hiddenLine xmlns:a14="http://schemas.microsoft.com/office/drawing/2010/main" w="9525">
+                <a:solidFill>
+                  <a:schemeClr val="tx1"/>
+                </a:solidFill>
+                <a:miter lim="800000"/>
+                <a:headEnd/>
+                <a:tailEnd/>
+              </a14:hiddenLine>
+            </a:ext>
+            <a:ext uri="{AF507438-7753-43E0-B8FC-AC1667EBCBE1}">
+              <a14:hiddenEffects xmlns:a14="http://schemas.microsoft.com/office/drawing/2010/main">
+                <a:effectLst>
+                  <a:outerShdw dist="35921" dir="2700000" algn="ctr" rotWithShape="0">
+                    <a:schemeClr val="bg2"/>
+                  </a:outerShdw>
+                </a:effectLst>
+              </a14:hiddenEffects>
+            </a:ext>
+          </a:extLst>
+        </p:spPr>
+        <p:txBody>
+          <a:bodyPr vert="horz" wrap="none" lIns="0" tIns="0" rIns="0" bIns="0" numCol="1" anchor="ctr" anchorCtr="0" compatLnSpc="1">
+            <a:prstTxWarp prst="textNoShape">
+              <a:avLst/>
+            </a:prstTxWarp>
+            <a:spAutoFit/>
+          </a:bodyPr>
+          <a:lstStyle/>
+          <a:p>
+            <a:pPr marL="0" marR="0" lvl="0" indent="0" algn="l" defTabSz="914400" rtl="0" eaLnBrk="0" fontAlgn="base" latinLnBrk="0" hangingPunct="0">
+              <a:lnSpc>
+                <a:spcPct val="100000"/>
+              </a:lnSpc>
+              <a:spcBef>
+                <a:spcPct val="0"/>
+              </a:spcBef>
+              <a:spcAft>
+                <a:spcPct val="0"/>
+              </a:spcAft>
+              <a:buClrTx/>
+              <a:buSzTx/>
+              <a:buFontTx/>
+              <a:buNone/>
+              <a:tabLst/>
+            </a:pPr>
+            <a:endParaRPr kumimoji="0" lang="fr-FR" altLang="fr-FR" sz="1800" b="0" i="0" u="none" strike="noStrike" cap="none" normalizeH="0" baseline="0">
+              <a:ln>
+                <a:noFill/>
+              </a:ln>
+              <a:solidFill>
+                <a:schemeClr val="tx1"/>
+              </a:solidFill>
+              <a:effectLst/>
+              <a:latin typeface="Arial" panose="020B0604020202020204" pitchFamily="34" charset="0"/>
+            </a:endParaRPr>
+          </a:p>
+          <a:p>
+            <a:pPr marL="0" marR="0" lvl="0" indent="0" algn="l" defTabSz="914400" rtl="0" eaLnBrk="0" fontAlgn="base" latinLnBrk="0" hangingPunct="0">
+              <a:lnSpc>
+                <a:spcPct val="100000"/>
+              </a:lnSpc>
+              <a:spcBef>
+                <a:spcPct val="0"/>
+              </a:spcBef>
+              <a:spcAft>
+                <a:spcPct val="0"/>
+              </a:spcAft>
+              <a:buClrTx/>
+              <a:buSzTx/>
+              <a:buFontTx/>
+              <a:buChar char="•"/>
+              <a:tabLst/>
+            </a:pPr>
+            <a:r>
+              <a:rPr kumimoji="0" lang="fr-FR" altLang="fr-FR" sz="1200" b="0" i="0" u="none" strike="noStrike" cap="none" normalizeH="0" baseline="0">
+                <a:ln>
+                  <a:noFill/>
+                </a:ln>
+                <a:solidFill>
+                  <a:srgbClr val="D1D5DB"/>
+                </a:solidFill>
+                <a:effectLst/>
+                <a:latin typeface="Söhne"/>
+              </a:rPr>
+              <a:t>La redirection est une technique courante pour envoyer les utilisateurs d'une page à une autre automatiquement</a:t>
+            </a:r>
+          </a:p>
+          <a:p>
+            <a:pPr marL="0" marR="0" lvl="0" indent="0" algn="l" defTabSz="914400" rtl="0" eaLnBrk="0" fontAlgn="base" latinLnBrk="0" hangingPunct="0">
+              <a:lnSpc>
+                <a:spcPct val="100000"/>
+              </a:lnSpc>
+              <a:spcBef>
+                <a:spcPct val="0"/>
+              </a:spcBef>
+              <a:spcAft>
+                <a:spcPct val="0"/>
+              </a:spcAft>
+              <a:buClrTx/>
+              <a:buSzTx/>
+              <a:buFontTx/>
+              <a:buChar char="•"/>
+              <a:tabLst/>
+            </a:pPr>
+            <a:r>
+              <a:rPr kumimoji="0" lang="fr-FR" altLang="fr-FR" sz="1200" b="0" i="0" u="none" strike="noStrike" cap="none" normalizeH="0" baseline="0">
+                <a:ln>
+                  <a:noFill/>
+                </a:ln>
+                <a:solidFill>
+                  <a:srgbClr val="D1D5DB"/>
+                </a:solidFill>
+                <a:effectLst/>
+                <a:latin typeface="Söhne"/>
+              </a:rPr>
+              <a:t>Pour effectuer une redirection avec la fonction </a:t>
+            </a:r>
+            <a:r>
+              <a:rPr kumimoji="0" lang="fr-FR" altLang="fr-FR" b="1" i="0" u="none" strike="noStrike" cap="none" normalizeH="0" baseline="0">
+                <a:ln>
+                  <a:noFill/>
+                </a:ln>
+                <a:solidFill>
+                  <a:srgbClr val="D1D5DB"/>
+                </a:solidFill>
+                <a:effectLst/>
+                <a:latin typeface="Söhne Mono"/>
+              </a:rPr>
+              <a:t>header()</a:t>
+            </a:r>
+            <a:r>
+              <a:rPr kumimoji="0" lang="fr-FR" altLang="fr-FR" sz="1200" b="0" i="0" u="none" strike="noStrike" cap="none" normalizeH="0" baseline="0">
+                <a:ln>
+                  <a:noFill/>
+                </a:ln>
+                <a:solidFill>
+                  <a:srgbClr val="D1D5DB"/>
+                </a:solidFill>
+                <a:effectLst/>
+                <a:latin typeface="Söhne"/>
+              </a:rPr>
+              <a:t>, utilisez l'en-tête "Location" suivi de l'URL vers laquelle vous souhaitez rediriger l'utilisateur</a:t>
+            </a:r>
+          </a:p>
+          <a:p>
+            <a:pPr marL="0" marR="0" lvl="0" indent="0" algn="l" defTabSz="914400" rtl="0" eaLnBrk="0" fontAlgn="base" latinLnBrk="0" hangingPunct="0">
+              <a:lnSpc>
+                <a:spcPct val="100000"/>
+              </a:lnSpc>
+              <a:spcBef>
+                <a:spcPct val="0"/>
+              </a:spcBef>
+              <a:spcAft>
+                <a:spcPct val="0"/>
+              </a:spcAft>
+              <a:buClrTx/>
+              <a:buSzTx/>
+              <a:buFontTx/>
+              <a:buNone/>
+              <a:tabLst/>
+            </a:pPr>
+            <a:endParaRPr kumimoji="0" lang="fr-FR" altLang="fr-FR" sz="1800" b="0" i="0" u="none" strike="noStrike" cap="none" normalizeH="0" baseline="0">
+              <a:ln>
+                <a:noFill/>
+              </a:ln>
+              <a:solidFill>
+                <a:schemeClr val="tx1"/>
+              </a:solidFill>
+              <a:effectLst/>
+              <a:latin typeface="Arial" panose="020B0604020202020204" pitchFamily="34" charset="0"/>
+            </a:endParaRPr>
+          </a:p>
+        </p:txBody>
+      </p:sp>
+      <p:sp>
+        <p:nvSpPr>
+          <p:cNvPr id="4" name="Rectangle 2">
+            <a:extLst>
+              <a:ext uri="{FF2B5EF4-FFF2-40B4-BE49-F238E27FC236}">
+                <a16:creationId xmlns:a16="http://schemas.microsoft.com/office/drawing/2014/main" id="{C193D75A-3993-7807-DB88-98D8B2E61A5F}"/>
+              </a:ext>
+            </a:extLst>
+          </p:cNvPr>
+          <p:cNvSpPr>
+            <a:spLocks noChangeArrowheads="1"/>
+          </p:cNvSpPr>
+          <p:nvPr/>
+        </p:nvSpPr>
+        <p:spPr bwMode="auto">
+          <a:xfrm>
+            <a:off x="152400" y="152400"/>
+            <a:ext cx="12192000" cy="0"/>
+          </a:xfrm>
+          <a:prstGeom prst="rect">
+            <a:avLst/>
+          </a:prstGeom>
+          <a:solidFill>
+            <a:srgbClr val="444654"/>
+          </a:solidFill>
+          <a:ln>
+            <a:noFill/>
+          </a:ln>
+          <a:effectLst/>
+          <a:extLst>
+            <a:ext uri="{91240B29-F687-4F45-9708-019B960494DF}">
+              <a14:hiddenLine xmlns:a14="http://schemas.microsoft.com/office/drawing/2010/main" w="9525">
+                <a:solidFill>
+                  <a:schemeClr val="tx1"/>
+                </a:solidFill>
+                <a:miter lim="800000"/>
+                <a:headEnd/>
+                <a:tailEnd/>
+              </a14:hiddenLine>
+            </a:ext>
+            <a:ext uri="{AF507438-7753-43E0-B8FC-AC1667EBCBE1}">
+              <a14:hiddenEffects xmlns:a14="http://schemas.microsoft.com/office/drawing/2010/main">
+                <a:effectLst>
+                  <a:outerShdw dist="35921" dir="2700000" algn="ctr" rotWithShape="0">
+                    <a:schemeClr val="bg2"/>
+                  </a:outerShdw>
+                </a:effectLst>
+              </a14:hiddenEffects>
+            </a:ext>
+          </a:extLst>
+        </p:spPr>
+        <p:txBody>
+          <a:bodyPr vert="horz" wrap="none" lIns="0" tIns="0" rIns="0" bIns="0" numCol="1" anchor="ctr" anchorCtr="0" compatLnSpc="1">
+            <a:prstTxWarp prst="textNoShape">
+              <a:avLst/>
+            </a:prstTxWarp>
+            <a:spAutoFit/>
+          </a:bodyPr>
+          <a:lstStyle/>
+          <a:p>
+            <a:pPr marL="0" marR="0" lvl="0" indent="0" algn="l" defTabSz="914400" rtl="0" eaLnBrk="0" fontAlgn="base" latinLnBrk="0" hangingPunct="0">
+              <a:lnSpc>
+                <a:spcPct val="100000"/>
+              </a:lnSpc>
+              <a:spcBef>
+                <a:spcPct val="0"/>
+              </a:spcBef>
+              <a:spcAft>
+                <a:spcPct val="0"/>
+              </a:spcAft>
+              <a:buClrTx/>
+              <a:buSzTx/>
+              <a:buFontTx/>
+              <a:buNone/>
+              <a:tabLst/>
+            </a:pPr>
+            <a:endParaRPr kumimoji="0" lang="fr-FR" altLang="fr-FR" sz="1800" b="0" i="0" u="none" strike="noStrike" cap="none" normalizeH="0" baseline="0">
+              <a:ln>
+                <a:noFill/>
+              </a:ln>
+              <a:solidFill>
+                <a:schemeClr val="tx1"/>
+              </a:solidFill>
+              <a:effectLst/>
+              <a:latin typeface="Arial" panose="020B0604020202020204" pitchFamily="34" charset="0"/>
+            </a:endParaRPr>
+          </a:p>
+          <a:p>
+            <a:pPr marL="0" marR="0" lvl="0" indent="0" algn="l" defTabSz="914400" rtl="0" eaLnBrk="0" fontAlgn="base" latinLnBrk="0" hangingPunct="0">
+              <a:lnSpc>
+                <a:spcPct val="100000"/>
+              </a:lnSpc>
+              <a:spcBef>
+                <a:spcPct val="0"/>
+              </a:spcBef>
+              <a:spcAft>
+                <a:spcPct val="0"/>
+              </a:spcAft>
+              <a:buClrTx/>
+              <a:buSzTx/>
+              <a:buFontTx/>
+              <a:buChar char="•"/>
+              <a:tabLst/>
+            </a:pPr>
+            <a:r>
+              <a:rPr kumimoji="0" lang="fr-FR" altLang="fr-FR" sz="1200" b="0" i="0" u="none" strike="noStrike" cap="none" normalizeH="0" baseline="0">
+                <a:ln>
+                  <a:noFill/>
+                </a:ln>
+                <a:solidFill>
+                  <a:srgbClr val="D1D5DB"/>
+                </a:solidFill>
+                <a:effectLst/>
+                <a:latin typeface="Söhne"/>
+              </a:rPr>
+              <a:t>La redirection est une technique courante pour envoyer les utilisateurs d'une page à une autre automatiquement</a:t>
+            </a:r>
+          </a:p>
+          <a:p>
+            <a:pPr marL="0" marR="0" lvl="0" indent="0" algn="l" defTabSz="914400" rtl="0" eaLnBrk="0" fontAlgn="base" latinLnBrk="0" hangingPunct="0">
+              <a:lnSpc>
+                <a:spcPct val="100000"/>
+              </a:lnSpc>
+              <a:spcBef>
+                <a:spcPct val="0"/>
+              </a:spcBef>
+              <a:spcAft>
+                <a:spcPct val="0"/>
+              </a:spcAft>
+              <a:buClrTx/>
+              <a:buSzTx/>
+              <a:buFontTx/>
+              <a:buChar char="•"/>
+              <a:tabLst/>
+            </a:pPr>
+            <a:r>
+              <a:rPr kumimoji="0" lang="fr-FR" altLang="fr-FR" sz="1200" b="0" i="0" u="none" strike="noStrike" cap="none" normalizeH="0" baseline="0">
+                <a:ln>
+                  <a:noFill/>
+                </a:ln>
+                <a:solidFill>
+                  <a:srgbClr val="D1D5DB"/>
+                </a:solidFill>
+                <a:effectLst/>
+                <a:latin typeface="Söhne"/>
+              </a:rPr>
+              <a:t>Pour effectuer une redirection avec la fonction </a:t>
+            </a:r>
+            <a:r>
+              <a:rPr kumimoji="0" lang="fr-FR" altLang="fr-FR" b="1" i="0" u="none" strike="noStrike" cap="none" normalizeH="0" baseline="0">
+                <a:ln>
+                  <a:noFill/>
+                </a:ln>
+                <a:solidFill>
+                  <a:srgbClr val="D1D5DB"/>
+                </a:solidFill>
+                <a:effectLst/>
+                <a:latin typeface="Söhne Mono"/>
+              </a:rPr>
+              <a:t>header()</a:t>
+            </a:r>
+            <a:r>
+              <a:rPr kumimoji="0" lang="fr-FR" altLang="fr-FR" sz="1200" b="0" i="0" u="none" strike="noStrike" cap="none" normalizeH="0" baseline="0">
+                <a:ln>
+                  <a:noFill/>
+                </a:ln>
+                <a:solidFill>
+                  <a:srgbClr val="D1D5DB"/>
+                </a:solidFill>
+                <a:effectLst/>
+                <a:latin typeface="Söhne"/>
+              </a:rPr>
+              <a:t>, utilisez l'en-tête "Location" suivi de l'URL vers laquelle vous souhaitez rediriger l'utilisateur</a:t>
+            </a:r>
+          </a:p>
+          <a:p>
+            <a:pPr marL="0" marR="0" lvl="0" indent="0" algn="l" defTabSz="914400" rtl="0" eaLnBrk="0" fontAlgn="base" latinLnBrk="0" hangingPunct="0">
+              <a:lnSpc>
+                <a:spcPct val="100000"/>
+              </a:lnSpc>
+              <a:spcBef>
+                <a:spcPct val="0"/>
+              </a:spcBef>
+              <a:spcAft>
+                <a:spcPct val="0"/>
+              </a:spcAft>
+              <a:buClrTx/>
+              <a:buSzTx/>
+              <a:buFontTx/>
+              <a:buNone/>
+              <a:tabLst/>
+            </a:pPr>
+            <a:endParaRPr kumimoji="0" lang="fr-FR" altLang="fr-FR" sz="1800" b="0" i="0" u="none" strike="noStrike" cap="none" normalizeH="0" baseline="0">
+              <a:ln>
+                <a:noFill/>
+              </a:ln>
+              <a:solidFill>
+                <a:schemeClr val="tx1"/>
+              </a:solidFill>
+              <a:effectLst/>
+              <a:latin typeface="Arial" panose="020B0604020202020204" pitchFamily="34" charset="0"/>
+            </a:endParaRPr>
+          </a:p>
+        </p:txBody>
+      </p:sp>
+    </p:spTree>
+    <p:extLst>
+      <p:ext uri="{BB962C8B-B14F-4D97-AF65-F5344CB8AC3E}">
+        <p14:creationId xmlns:p14="http://schemas.microsoft.com/office/powerpoint/2010/main" val="214189134"/>
+      </p:ext>
+    </p:extLst>
+  </p:cSld>
+  <p:clrMapOvr>
+    <a:masterClrMapping/>
+  </p:clrMapOvr>
+</p:sld>
+</file>
+
+<file path=ppt/slides/slide15.xml><?xml version="1.0" encoding="utf-8"?>
+<p:sld xmlns:a="http://schemas.openxmlformats.org/drawingml/2006/main" xmlns:r="http://schemas.openxmlformats.org/officeDocument/2006/relationships" xmlns:p="http://schemas.openxmlformats.org/presentationml/2006/main">
+  <p:cSld>
+    <p:spTree>
+      <p:nvGrpSpPr>
+        <p:cNvPr id="1" name=""/>
+        <p:cNvGrpSpPr/>
+        <p:nvPr/>
+      </p:nvGrpSpPr>
+      <p:grpSpPr>
+        <a:xfrm>
+          <a:off x="0" y="0"/>
+          <a:ext cx="0" cy="0"/>
+          <a:chOff x="0" y="0"/>
+          <a:chExt cx="0" cy="0"/>
+        </a:xfrm>
+      </p:grpSpPr>
+      <p:pic>
+        <p:nvPicPr>
+          <p:cNvPr id="9" name="Image 8" descr="Une image contenant diagramme&#10;&#10;Description générée automatiquement">
+            <a:extLst>
+              <a:ext uri="{FF2B5EF4-FFF2-40B4-BE49-F238E27FC236}">
+                <a16:creationId xmlns:a16="http://schemas.microsoft.com/office/drawing/2014/main" id="{E34A1A50-D9D2-4D6C-42BD-1844763AF684}"/>
+              </a:ext>
+            </a:extLst>
+          </p:cNvPr>
+          <p:cNvPicPr>
+            <a:picLocks noChangeAspect="1"/>
+          </p:cNvPicPr>
+          <p:nvPr/>
+        </p:nvPicPr>
+        <p:blipFill rotWithShape="1">
+          <a:blip r:embed="rId3">
+            <a:extLst>
+              <a:ext uri="{28A0092B-C50C-407E-A947-70E740481C1C}">
+                <a14:useLocalDpi xmlns:a14="http://schemas.microsoft.com/office/drawing/2010/main" val="0"/>
+              </a:ext>
+            </a:extLst>
+          </a:blip>
+          <a:srcRect t="17069" r="3" b="3"/>
+          <a:stretch/>
+        </p:blipFill>
+        <p:spPr>
+          <a:xfrm>
+            <a:off x="228599" y="237744"/>
+            <a:ext cx="7696201" cy="6382512"/>
+          </a:xfrm>
+          <a:prstGeom prst="rect">
+            <a:avLst/>
+          </a:prstGeom>
+          <a:noFill/>
+          <a:ln>
+            <a:noFill/>
+          </a:ln>
+        </p:spPr>
+      </p:pic>
+      <p:sp>
+        <p:nvSpPr>
+          <p:cNvPr id="4" name="Espace réservé de la date 3">
+            <a:extLst>
+              <a:ext uri="{FF2B5EF4-FFF2-40B4-BE49-F238E27FC236}">
+                <a16:creationId xmlns:a16="http://schemas.microsoft.com/office/drawing/2014/main" id="{278D00EF-CAC3-05B2-21C6-39D7CD94D34E}"/>
+              </a:ext>
+            </a:extLst>
+          </p:cNvPr>
+          <p:cNvSpPr>
+            <a:spLocks noGrp="1"/>
+          </p:cNvSpPr>
+          <p:nvPr>
+            <p:ph type="dt" sz="half" idx="10"/>
+          </p:nvPr>
+        </p:nvSpPr>
+        <p:spPr>
+          <a:xfrm>
+            <a:off x="5662337" y="6035040"/>
+            <a:ext cx="2071963" cy="365760"/>
+          </a:xfrm>
+        </p:spPr>
+        <p:txBody>
+          <a:bodyPr anchor="b">
+            <a:normAutofit/>
+          </a:bodyPr>
+          <a:lstStyle/>
+          <a:p>
+            <a:pPr rtl="0">
+              <a:spcAft>
+                <a:spcPts val="600"/>
+              </a:spcAft>
+            </a:pPr>
+            <a:fld id="{43B6331D-8BD5-4AF5-97EE-8FB3C79FE924}" type="datetime1">
+              <a:rPr lang="fr-FR" smtClean="0"/>
+              <a:pPr rtl="0">
+                <a:spcAft>
+                  <a:spcPts val="600"/>
+                </a:spcAft>
+              </a:pPr>
+              <a:t>20/03/2023</a:t>
+            </a:fld>
+            <a:endParaRPr lang="en-US"/>
+          </a:p>
+        </p:txBody>
+      </p:sp>
+      <p:sp>
+        <p:nvSpPr>
+          <p:cNvPr id="2" name="Titre 1">
+            <a:extLst>
+              <a:ext uri="{FF2B5EF4-FFF2-40B4-BE49-F238E27FC236}">
+                <a16:creationId xmlns:a16="http://schemas.microsoft.com/office/drawing/2014/main" id="{EFA281C8-854F-CB7B-4F0F-A9D0704C22C8}"/>
+              </a:ext>
+            </a:extLst>
+          </p:cNvPr>
+          <p:cNvSpPr>
+            <a:spLocks noGrp="1"/>
+          </p:cNvSpPr>
+          <p:nvPr>
+            <p:ph type="title"/>
+          </p:nvPr>
+        </p:nvSpPr>
+        <p:spPr>
+          <a:xfrm>
+            <a:off x="8477250" y="603504"/>
+            <a:ext cx="3144774" cy="1645920"/>
+          </a:xfrm>
+        </p:spPr>
+        <p:txBody>
+          <a:bodyPr anchor="b">
+            <a:normAutofit/>
+          </a:bodyPr>
+          <a:lstStyle/>
+          <a:p>
+            <a:pPr>
+              <a:lnSpc>
+                <a:spcPct val="90000"/>
+              </a:lnSpc>
+            </a:pPr>
+            <a:r>
+              <a:rPr lang="fr-FR" sz="2400" dirty="0"/>
+              <a:t>TP : Différence entre méthode GET et POST</a:t>
+            </a:r>
+            <a:endParaRPr lang="fr-FR" sz="2200" dirty="0"/>
+          </a:p>
+        </p:txBody>
+      </p:sp>
+      <p:sp>
+        <p:nvSpPr>
+          <p:cNvPr id="3" name="Sous-titre 2">
+            <a:extLst>
+              <a:ext uri="{FF2B5EF4-FFF2-40B4-BE49-F238E27FC236}">
+                <a16:creationId xmlns:a16="http://schemas.microsoft.com/office/drawing/2014/main" id="{281EC24D-08A3-F28D-5EC8-ED36EB51352E}"/>
+              </a:ext>
+            </a:extLst>
+          </p:cNvPr>
+          <p:cNvSpPr>
+            <a:spLocks noGrp="1"/>
+          </p:cNvSpPr>
+          <p:nvPr>
+            <p:ph type="body" sz="half" idx="2"/>
+          </p:nvPr>
+        </p:nvSpPr>
+        <p:spPr>
+          <a:xfrm>
+            <a:off x="8477250" y="2386584"/>
+            <a:ext cx="3144774" cy="3511296"/>
+          </a:xfrm>
+        </p:spPr>
+        <p:txBody>
+          <a:bodyPr>
+            <a:normAutofit/>
+          </a:bodyPr>
+          <a:lstStyle/>
+          <a:p>
+            <a:r>
+              <a:rPr lang="fr-FR" dirty="0"/>
+              <a:t>Pour bien comprendre !</a:t>
+            </a:r>
+            <a:endParaRPr lang="en-US" dirty="0"/>
+          </a:p>
+        </p:txBody>
+      </p:sp>
+    </p:spTree>
+    <p:extLst>
+      <p:ext uri="{BB962C8B-B14F-4D97-AF65-F5344CB8AC3E}">
+        <p14:creationId xmlns:p14="http://schemas.microsoft.com/office/powerpoint/2010/main" val="3545629977"/>
+      </p:ext>
+    </p:extLst>
+  </p:cSld>
+  <p:clrMapOvr>
+    <a:masterClrMapping/>
+  </p:clrMapOvr>
+</p:sld>
+</file>
+
+<file path=ppt/slides/slide16.xml><?xml version="1.0" encoding="utf-8"?>
+<p:sld xmlns:a="http://schemas.openxmlformats.org/drawingml/2006/main" xmlns:r="http://schemas.openxmlformats.org/officeDocument/2006/relationships" xmlns:p="http://schemas.openxmlformats.org/presentationml/2006/main">
+  <p:cSld>
+    <p:spTree>
+      <p:nvGrpSpPr>
+        <p:cNvPr id="1" name=""/>
+        <p:cNvGrpSpPr/>
+        <p:nvPr/>
+      </p:nvGrpSpPr>
+      <p:grpSpPr>
+        <a:xfrm>
+          <a:off x="0" y="0"/>
+          <a:ext cx="0" cy="0"/>
+          <a:chOff x="0" y="0"/>
+          <a:chExt cx="0" cy="0"/>
+        </a:xfrm>
+      </p:grpSpPr>
+      <p:pic>
+        <p:nvPicPr>
+          <p:cNvPr id="9" name="Image 8" descr="Une image contenant diagramme&#10;&#10;Description générée automatiquement">
+            <a:extLst>
+              <a:ext uri="{FF2B5EF4-FFF2-40B4-BE49-F238E27FC236}">
+                <a16:creationId xmlns:a16="http://schemas.microsoft.com/office/drawing/2014/main" id="{E34A1A50-D9D2-4D6C-42BD-1844763AF684}"/>
+              </a:ext>
+            </a:extLst>
+          </p:cNvPr>
+          <p:cNvPicPr>
+            <a:picLocks noChangeAspect="1"/>
+          </p:cNvPicPr>
+          <p:nvPr/>
+        </p:nvPicPr>
+        <p:blipFill rotWithShape="1">
+          <a:blip r:embed="rId3">
+            <a:extLst>
+              <a:ext uri="{28A0092B-C50C-407E-A947-70E740481C1C}">
+                <a14:useLocalDpi xmlns:a14="http://schemas.microsoft.com/office/drawing/2010/main" val="0"/>
+              </a:ext>
+            </a:extLst>
+          </a:blip>
+          <a:srcRect t="17069" r="3" b="3"/>
+          <a:stretch/>
+        </p:blipFill>
+        <p:spPr>
+          <a:xfrm>
+            <a:off x="228599" y="237744"/>
+            <a:ext cx="7696201" cy="6382512"/>
+          </a:xfrm>
+          <a:prstGeom prst="rect">
+            <a:avLst/>
+          </a:prstGeom>
+          <a:noFill/>
+          <a:ln>
+            <a:noFill/>
+          </a:ln>
+        </p:spPr>
+      </p:pic>
+      <p:sp>
+        <p:nvSpPr>
+          <p:cNvPr id="4" name="Espace réservé de la date 3">
+            <a:extLst>
+              <a:ext uri="{FF2B5EF4-FFF2-40B4-BE49-F238E27FC236}">
+                <a16:creationId xmlns:a16="http://schemas.microsoft.com/office/drawing/2014/main" id="{278D00EF-CAC3-05B2-21C6-39D7CD94D34E}"/>
+              </a:ext>
+            </a:extLst>
+          </p:cNvPr>
+          <p:cNvSpPr>
+            <a:spLocks noGrp="1"/>
+          </p:cNvSpPr>
+          <p:nvPr>
+            <p:ph type="dt" sz="half" idx="10"/>
+          </p:nvPr>
+        </p:nvSpPr>
+        <p:spPr>
+          <a:xfrm>
+            <a:off x="5662337" y="6035040"/>
+            <a:ext cx="2071963" cy="365760"/>
+          </a:xfrm>
+        </p:spPr>
+        <p:txBody>
+          <a:bodyPr anchor="b">
+            <a:normAutofit/>
+          </a:bodyPr>
+          <a:lstStyle/>
+          <a:p>
+            <a:pPr rtl="0">
+              <a:spcAft>
+                <a:spcPts val="600"/>
+              </a:spcAft>
+            </a:pPr>
+            <a:fld id="{43B6331D-8BD5-4AF5-97EE-8FB3C79FE924}" type="datetime1">
+              <a:rPr lang="fr-FR" smtClean="0"/>
+              <a:pPr rtl="0">
+                <a:spcAft>
+                  <a:spcPts val="600"/>
+                </a:spcAft>
+              </a:pPr>
+              <a:t>20/03/2023</a:t>
+            </a:fld>
+            <a:endParaRPr lang="en-US"/>
+          </a:p>
+        </p:txBody>
+      </p:sp>
+      <p:sp>
+        <p:nvSpPr>
+          <p:cNvPr id="2" name="Titre 1">
+            <a:extLst>
+              <a:ext uri="{FF2B5EF4-FFF2-40B4-BE49-F238E27FC236}">
+                <a16:creationId xmlns:a16="http://schemas.microsoft.com/office/drawing/2014/main" id="{EFA281C8-854F-CB7B-4F0F-A9D0704C22C8}"/>
+              </a:ext>
+            </a:extLst>
+          </p:cNvPr>
+          <p:cNvSpPr>
+            <a:spLocks noGrp="1"/>
+          </p:cNvSpPr>
+          <p:nvPr>
+            <p:ph type="title"/>
+          </p:nvPr>
+        </p:nvSpPr>
+        <p:spPr>
+          <a:xfrm>
+            <a:off x="8477250" y="603504"/>
+            <a:ext cx="3144774" cy="1645920"/>
+          </a:xfrm>
+        </p:spPr>
+        <p:txBody>
+          <a:bodyPr anchor="b">
+            <a:normAutofit/>
+          </a:bodyPr>
+          <a:lstStyle/>
+          <a:p>
+            <a:pPr>
+              <a:lnSpc>
+                <a:spcPct val="90000"/>
+              </a:lnSpc>
+            </a:pPr>
+            <a:r>
+              <a:rPr lang="fr-FR" sz="2400" dirty="0"/>
+              <a:t>TP : Action référencée et autoréférencée</a:t>
+            </a:r>
+            <a:endParaRPr lang="fr-FR" sz="2200" dirty="0"/>
+          </a:p>
+        </p:txBody>
+      </p:sp>
+      <p:sp>
+        <p:nvSpPr>
+          <p:cNvPr id="3" name="Sous-titre 2">
+            <a:extLst>
+              <a:ext uri="{FF2B5EF4-FFF2-40B4-BE49-F238E27FC236}">
+                <a16:creationId xmlns:a16="http://schemas.microsoft.com/office/drawing/2014/main" id="{281EC24D-08A3-F28D-5EC8-ED36EB51352E}"/>
+              </a:ext>
+            </a:extLst>
+          </p:cNvPr>
+          <p:cNvSpPr>
+            <a:spLocks noGrp="1"/>
+          </p:cNvSpPr>
+          <p:nvPr>
+            <p:ph type="body" sz="half" idx="2"/>
+          </p:nvPr>
+        </p:nvSpPr>
+        <p:spPr>
+          <a:xfrm>
+            <a:off x="8477250" y="2386584"/>
+            <a:ext cx="3144774" cy="3511296"/>
+          </a:xfrm>
+        </p:spPr>
+        <p:txBody>
+          <a:bodyPr>
+            <a:normAutofit/>
+          </a:bodyPr>
+          <a:lstStyle/>
+          <a:p>
+            <a:r>
+              <a:rPr lang="fr-FR" dirty="0"/>
+              <a:t>Pour bien comprendre !</a:t>
+            </a:r>
+            <a:endParaRPr lang="en-US" dirty="0"/>
+          </a:p>
+        </p:txBody>
+      </p:sp>
+    </p:spTree>
+    <p:extLst>
+      <p:ext uri="{BB962C8B-B14F-4D97-AF65-F5344CB8AC3E}">
+        <p14:creationId xmlns:p14="http://schemas.microsoft.com/office/powerpoint/2010/main" val="607654888"/>
+      </p:ext>
+    </p:extLst>
+  </p:cSld>
+  <p:clrMapOvr>
+    <a:masterClrMapping/>
+  </p:clrMapOvr>
+</p:sld>
+</file>
+
+<file path=ppt/slides/slide17.xml><?xml version="1.0" encoding="utf-8"?>
+<p:sld xmlns:a="http://schemas.openxmlformats.org/drawingml/2006/main" xmlns:r="http://schemas.openxmlformats.org/officeDocument/2006/relationships" xmlns:p="http://schemas.openxmlformats.org/presentationml/2006/main">
+  <p:cSld>
+    <p:spTree>
+      <p:nvGrpSpPr>
+        <p:cNvPr id="1" name=""/>
+        <p:cNvGrpSpPr/>
+        <p:nvPr/>
+      </p:nvGrpSpPr>
+      <p:grpSpPr>
+        <a:xfrm>
+          <a:off x="0" y="0"/>
+          <a:ext cx="0" cy="0"/>
+          <a:chOff x="0" y="0"/>
+          <a:chExt cx="0" cy="0"/>
+        </a:xfrm>
+      </p:grpSpPr>
+      <p:pic>
+        <p:nvPicPr>
+          <p:cNvPr id="9" name="Image 8" descr="Une image contenant diagramme&#10;&#10;Description générée automatiquement">
+            <a:extLst>
+              <a:ext uri="{FF2B5EF4-FFF2-40B4-BE49-F238E27FC236}">
+                <a16:creationId xmlns:a16="http://schemas.microsoft.com/office/drawing/2014/main" id="{E34A1A50-D9D2-4D6C-42BD-1844763AF684}"/>
+              </a:ext>
+            </a:extLst>
+          </p:cNvPr>
+          <p:cNvPicPr>
+            <a:picLocks noChangeAspect="1"/>
+          </p:cNvPicPr>
+          <p:nvPr/>
+        </p:nvPicPr>
+        <p:blipFill rotWithShape="1">
+          <a:blip r:embed="rId3">
+            <a:extLst>
+              <a:ext uri="{28A0092B-C50C-407E-A947-70E740481C1C}">
+                <a14:useLocalDpi xmlns:a14="http://schemas.microsoft.com/office/drawing/2010/main" val="0"/>
+              </a:ext>
+            </a:extLst>
+          </a:blip>
+          <a:srcRect t="17069" r="3" b="3"/>
+          <a:stretch/>
+        </p:blipFill>
+        <p:spPr>
+          <a:xfrm>
+            <a:off x="228599" y="237744"/>
+            <a:ext cx="7696201" cy="6382512"/>
+          </a:xfrm>
+          <a:prstGeom prst="rect">
+            <a:avLst/>
+          </a:prstGeom>
+          <a:noFill/>
+          <a:ln>
+            <a:noFill/>
+          </a:ln>
+        </p:spPr>
+      </p:pic>
+      <p:sp>
+        <p:nvSpPr>
+          <p:cNvPr id="4" name="Espace réservé de la date 3">
+            <a:extLst>
+              <a:ext uri="{FF2B5EF4-FFF2-40B4-BE49-F238E27FC236}">
+                <a16:creationId xmlns:a16="http://schemas.microsoft.com/office/drawing/2014/main" id="{278D00EF-CAC3-05B2-21C6-39D7CD94D34E}"/>
+              </a:ext>
+            </a:extLst>
+          </p:cNvPr>
+          <p:cNvSpPr>
+            <a:spLocks noGrp="1"/>
+          </p:cNvSpPr>
+          <p:nvPr>
+            <p:ph type="dt" sz="half" idx="10"/>
+          </p:nvPr>
+        </p:nvSpPr>
+        <p:spPr>
+          <a:xfrm>
+            <a:off x="5662337" y="6035040"/>
+            <a:ext cx="2071963" cy="365760"/>
+          </a:xfrm>
+        </p:spPr>
+        <p:txBody>
+          <a:bodyPr anchor="b">
+            <a:normAutofit/>
+          </a:bodyPr>
+          <a:lstStyle/>
+          <a:p>
+            <a:pPr rtl="0">
+              <a:spcAft>
+                <a:spcPts val="600"/>
+              </a:spcAft>
+            </a:pPr>
+            <a:fld id="{43B6331D-8BD5-4AF5-97EE-8FB3C79FE924}" type="datetime1">
+              <a:rPr lang="fr-FR" smtClean="0"/>
+              <a:pPr rtl="0">
+                <a:spcAft>
+                  <a:spcPts val="600"/>
+                </a:spcAft>
+              </a:pPr>
+              <a:t>20/03/2023</a:t>
+            </a:fld>
+            <a:endParaRPr lang="en-US"/>
+          </a:p>
+        </p:txBody>
+      </p:sp>
+      <p:sp>
+        <p:nvSpPr>
+          <p:cNvPr id="2" name="Titre 1">
+            <a:extLst>
+              <a:ext uri="{FF2B5EF4-FFF2-40B4-BE49-F238E27FC236}">
+                <a16:creationId xmlns:a16="http://schemas.microsoft.com/office/drawing/2014/main" id="{EFA281C8-854F-CB7B-4F0F-A9D0704C22C8}"/>
+              </a:ext>
+            </a:extLst>
+          </p:cNvPr>
+          <p:cNvSpPr>
+            <a:spLocks noGrp="1"/>
+          </p:cNvSpPr>
+          <p:nvPr>
+            <p:ph type="title"/>
+          </p:nvPr>
+        </p:nvSpPr>
+        <p:spPr>
+          <a:xfrm>
+            <a:off x="8477250" y="603504"/>
+            <a:ext cx="3144774" cy="1645920"/>
+          </a:xfrm>
+        </p:spPr>
+        <p:txBody>
+          <a:bodyPr anchor="b">
+            <a:normAutofit/>
+          </a:bodyPr>
+          <a:lstStyle/>
+          <a:p>
+            <a:pPr>
+              <a:lnSpc>
+                <a:spcPct val="90000"/>
+              </a:lnSpc>
+            </a:pPr>
+            <a:r>
+              <a:rPr lang="fr-FR" sz="2400" dirty="0"/>
+              <a:t>TP : Formulaire d’inscription</a:t>
+            </a:r>
+            <a:endParaRPr lang="fr-FR" sz="2200" dirty="0"/>
+          </a:p>
+        </p:txBody>
+      </p:sp>
+      <p:sp>
+        <p:nvSpPr>
+          <p:cNvPr id="3" name="Sous-titre 2">
+            <a:extLst>
+              <a:ext uri="{FF2B5EF4-FFF2-40B4-BE49-F238E27FC236}">
+                <a16:creationId xmlns:a16="http://schemas.microsoft.com/office/drawing/2014/main" id="{281EC24D-08A3-F28D-5EC8-ED36EB51352E}"/>
+              </a:ext>
+            </a:extLst>
+          </p:cNvPr>
+          <p:cNvSpPr>
+            <a:spLocks noGrp="1"/>
+          </p:cNvSpPr>
+          <p:nvPr>
+            <p:ph type="body" sz="half" idx="2"/>
+          </p:nvPr>
+        </p:nvSpPr>
+        <p:spPr>
+          <a:xfrm>
+            <a:off x="8477250" y="2386584"/>
+            <a:ext cx="3144774" cy="3511296"/>
+          </a:xfrm>
+        </p:spPr>
+        <p:txBody>
+          <a:bodyPr>
+            <a:normAutofit/>
+          </a:bodyPr>
+          <a:lstStyle/>
+          <a:p>
+            <a:r>
+              <a:rPr lang="fr-FR" dirty="0"/>
+              <a:t>Pour bien comprendre !</a:t>
+            </a:r>
+            <a:endParaRPr lang="en-US" dirty="0"/>
+          </a:p>
+        </p:txBody>
+      </p:sp>
+    </p:spTree>
+    <p:extLst>
+      <p:ext uri="{BB962C8B-B14F-4D97-AF65-F5344CB8AC3E}">
+        <p14:creationId xmlns:p14="http://schemas.microsoft.com/office/powerpoint/2010/main" val="1652311346"/>
+      </p:ext>
+    </p:extLst>
+  </p:cSld>
+  <p:clrMapOvr>
+    <a:masterClrMapping/>
+  </p:clrMapOvr>
+</p:sld>
+</file>
+
+<file path=ppt/slides/slide18.xml><?xml version="1.0" encoding="utf-8"?>
+<p:sld xmlns:a="http://schemas.openxmlformats.org/drawingml/2006/main" xmlns:r="http://schemas.openxmlformats.org/officeDocument/2006/relationships" xmlns:p="http://schemas.openxmlformats.org/presentationml/2006/main">
+  <p:cSld>
+    <p:spTree>
+      <p:nvGrpSpPr>
+        <p:cNvPr id="1" name=""/>
+        <p:cNvGrpSpPr/>
+        <p:nvPr/>
+      </p:nvGrpSpPr>
+      <p:grpSpPr>
+        <a:xfrm>
+          <a:off x="0" y="0"/>
+          <a:ext cx="0" cy="0"/>
+          <a:chOff x="0" y="0"/>
+          <a:chExt cx="0" cy="0"/>
+        </a:xfrm>
+      </p:grpSpPr>
+      <p:pic>
+        <p:nvPicPr>
+          <p:cNvPr id="4098" name="Picture 2" descr="Vecteur gratuit sécurité globale des données, sécurité des données personnelles, illustration de concept en ligne de sécurité des données cybernétiques, sécurité internet ou confidentialité et protection des informations.">
+            <a:extLst>
+              <a:ext uri="{FF2B5EF4-FFF2-40B4-BE49-F238E27FC236}">
+                <a16:creationId xmlns:a16="http://schemas.microsoft.com/office/drawing/2014/main" id="{A59ABACE-E198-E6C8-C94C-9F415B51759F}"/>
+              </a:ext>
+            </a:extLst>
+          </p:cNvPr>
+          <p:cNvPicPr>
+            <a:picLocks noChangeAspect="1" noChangeArrowheads="1"/>
+          </p:cNvPicPr>
+          <p:nvPr/>
+        </p:nvPicPr>
+        <p:blipFill>
+          <a:blip r:embed="rId2">
+            <a:extLst>
+              <a:ext uri="{28A0092B-C50C-407E-A947-70E740481C1C}">
+                <a14:useLocalDpi xmlns:a14="http://schemas.microsoft.com/office/drawing/2010/main" val="0"/>
+              </a:ext>
+            </a:extLst>
+          </a:blip>
+          <a:stretch>
+            <a:fillRect/>
+          </a:stretch>
+        </p:blipFill>
+        <p:spPr bwMode="auto">
+          <a:xfrm>
+            <a:off x="228599" y="542925"/>
+            <a:ext cx="7696201" cy="5772150"/>
+          </a:xfrm>
+          <a:prstGeom prst="rect">
+            <a:avLst/>
+          </a:prstGeom>
+          <a:solidFill>
+            <a:srgbClr val="FFFFFF"/>
+          </a:solidFill>
+          <a:ln>
+            <a:noFill/>
+          </a:ln>
+          <a:extLst>
+            <a:ext uri="{909E8E84-426E-40DD-AFC4-6F175D3DCCD1}">
+              <a14:hiddenFill xmlns:a14="http://schemas.microsoft.com/office/drawing/2010/main">
+                <a:solidFill>
+                  <a:srgbClr val="FFFFFF"/>
+                </a:solidFill>
+              </a14:hiddenFill>
+            </a:ext>
+          </a:extLst>
+        </p:spPr>
+      </p:pic>
+      <p:sp>
+        <p:nvSpPr>
+          <p:cNvPr id="4" name="Espace réservé de la date 3">
+            <a:extLst>
+              <a:ext uri="{FF2B5EF4-FFF2-40B4-BE49-F238E27FC236}">
+                <a16:creationId xmlns:a16="http://schemas.microsoft.com/office/drawing/2014/main" id="{278D00EF-CAC3-05B2-21C6-39D7CD94D34E}"/>
+              </a:ext>
+            </a:extLst>
+          </p:cNvPr>
+          <p:cNvSpPr>
+            <a:spLocks noGrp="1"/>
+          </p:cNvSpPr>
+          <p:nvPr>
+            <p:ph type="dt" sz="half" idx="10"/>
+          </p:nvPr>
+        </p:nvSpPr>
+        <p:spPr>
+          <a:xfrm>
+            <a:off x="5662337" y="6035040"/>
+            <a:ext cx="2071963" cy="365760"/>
+          </a:xfrm>
+        </p:spPr>
+        <p:txBody>
+          <a:bodyPr anchor="b">
+            <a:normAutofit/>
+          </a:bodyPr>
+          <a:lstStyle/>
+          <a:p>
+            <a:pPr rtl="0">
+              <a:spcAft>
+                <a:spcPts val="600"/>
+              </a:spcAft>
+            </a:pPr>
+            <a:fld id="{43B6331D-8BD5-4AF5-97EE-8FB3C79FE924}" type="datetime1">
+              <a:rPr lang="fr-FR" smtClean="0"/>
+              <a:pPr rtl="0">
+                <a:spcAft>
+                  <a:spcPts val="600"/>
+                </a:spcAft>
+              </a:pPr>
+              <a:t>20/03/2023</a:t>
+            </a:fld>
+            <a:endParaRPr lang="en-US"/>
+          </a:p>
+        </p:txBody>
+      </p:sp>
+      <p:sp>
+        <p:nvSpPr>
+          <p:cNvPr id="2" name="Titre 1">
+            <a:extLst>
+              <a:ext uri="{FF2B5EF4-FFF2-40B4-BE49-F238E27FC236}">
+                <a16:creationId xmlns:a16="http://schemas.microsoft.com/office/drawing/2014/main" id="{EFA281C8-854F-CB7B-4F0F-A9D0704C22C8}"/>
+              </a:ext>
+            </a:extLst>
+          </p:cNvPr>
+          <p:cNvSpPr>
+            <a:spLocks noGrp="1"/>
+          </p:cNvSpPr>
+          <p:nvPr>
+            <p:ph type="title"/>
+          </p:nvPr>
+        </p:nvSpPr>
+        <p:spPr>
+          <a:xfrm>
+            <a:off x="8477250" y="603504"/>
+            <a:ext cx="3144774" cy="1645920"/>
+          </a:xfrm>
+        </p:spPr>
+        <p:txBody>
+          <a:bodyPr anchor="b">
+            <a:normAutofit/>
+          </a:bodyPr>
+          <a:lstStyle/>
+          <a:p>
+            <a:r>
+              <a:rPr lang="fr-FR" dirty="0"/>
+              <a:t>Validation des données et sécurité</a:t>
+            </a:r>
+          </a:p>
+        </p:txBody>
+      </p:sp>
+      <p:sp>
+        <p:nvSpPr>
+          <p:cNvPr id="3" name="Sous-titre 2">
+            <a:extLst>
+              <a:ext uri="{FF2B5EF4-FFF2-40B4-BE49-F238E27FC236}">
+                <a16:creationId xmlns:a16="http://schemas.microsoft.com/office/drawing/2014/main" id="{281EC24D-08A3-F28D-5EC8-ED36EB51352E}"/>
+              </a:ext>
+            </a:extLst>
+          </p:cNvPr>
+          <p:cNvSpPr>
+            <a:spLocks noGrp="1"/>
+          </p:cNvSpPr>
+          <p:nvPr>
+            <p:ph type="body" sz="half" idx="2"/>
+          </p:nvPr>
+        </p:nvSpPr>
+        <p:spPr>
+          <a:xfrm>
+            <a:off x="8477250" y="2386584"/>
+            <a:ext cx="3144774" cy="3511296"/>
+          </a:xfrm>
+        </p:spPr>
+        <p:txBody>
+          <a:bodyPr>
+            <a:normAutofit/>
+          </a:bodyPr>
+          <a:lstStyle/>
+          <a:p>
+            <a:r>
+              <a:rPr lang="fr-FR" dirty="0"/>
+              <a:t>Pour bien comprendre !</a:t>
+            </a:r>
+            <a:endParaRPr lang="en-US" dirty="0"/>
+          </a:p>
+        </p:txBody>
+      </p:sp>
+    </p:spTree>
+    <p:extLst>
+      <p:ext uri="{BB962C8B-B14F-4D97-AF65-F5344CB8AC3E}">
+        <p14:creationId xmlns:p14="http://schemas.microsoft.com/office/powerpoint/2010/main" val="400260103"/>
+      </p:ext>
+    </p:extLst>
+  </p:cSld>
+  <p:clrMapOvr>
+    <a:masterClrMapping/>
+  </p:clrMapOvr>
+</p:sld>
+</file>
+
+<file path=ppt/slides/slide19.xml><?xml version="1.0" encoding="utf-8"?>
+<p:sld xmlns:a="http://schemas.openxmlformats.org/drawingml/2006/main" xmlns:r="http://schemas.openxmlformats.org/officeDocument/2006/relationships" xmlns:p="http://schemas.openxmlformats.org/presentationml/2006/main">
+  <p:cSld>
+    <p:bg>
+      <p:bgPr>
+        <a:solidFill>
+          <a:schemeClr val="bg1"/>
+        </a:solidFill>
+        <a:effectLst/>
+      </p:bgPr>
+    </p:bg>
+    <p:spTree>
+      <p:nvGrpSpPr>
+        <p:cNvPr id="1" name=""/>
+        <p:cNvGrpSpPr/>
+        <p:nvPr/>
+      </p:nvGrpSpPr>
+      <p:grpSpPr>
+        <a:xfrm>
+          <a:off x="0" y="0"/>
+          <a:ext cx="0" cy="0"/>
+          <a:chOff x="0" y="0"/>
+          <a:chExt cx="0" cy="0"/>
+        </a:xfrm>
+      </p:grpSpPr>
+      <p:sp>
+        <p:nvSpPr>
+          <p:cNvPr id="2" name="Titre 1">
+            <a:extLst>
+              <a:ext uri="{FF2B5EF4-FFF2-40B4-BE49-F238E27FC236}">
+                <a16:creationId xmlns:a16="http://schemas.microsoft.com/office/drawing/2014/main" id="{7A4919D0-F177-4BBA-9A0B-DBA69E2ED764}"/>
+              </a:ext>
+            </a:extLst>
+          </p:cNvPr>
+          <p:cNvSpPr>
+            <a:spLocks noGrp="1"/>
+          </p:cNvSpPr>
+          <p:nvPr>
+            <p:ph type="title"/>
+          </p:nvPr>
+        </p:nvSpPr>
+        <p:spPr>
+          <a:xfrm>
+            <a:off x="1066800" y="642594"/>
+            <a:ext cx="10058400" cy="1371600"/>
+          </a:xfrm>
+        </p:spPr>
+        <p:txBody>
+          <a:bodyPr rtlCol="0">
+            <a:normAutofit/>
+          </a:bodyPr>
+          <a:lstStyle/>
+          <a:p>
             <a:pPr algn="ctr" rtl="0"/>
             <a:r>
               <a:rPr lang="fr" dirty="0"/>
-              <a:t>Les fonctions</a:t>
+              <a:t>Validation des données et sécurité (validation)</a:t>
             </a:r>
           </a:p>
         </p:txBody>
@@ -11762,169 +15822,80 @@
         <p:spPr/>
         <p:txBody>
           <a:bodyPr>
-            <a:normAutofit lnSpcReduction="10000"/>
+            <a:normAutofit/>
           </a:bodyPr>
           <a:lstStyle/>
           <a:p>
             <a:r>
               <a:rPr lang="fr-FR" dirty="0"/>
-              <a:t>Définition : ‘</a:t>
-            </a:r>
-            <a:r>
-              <a:rPr lang="fr-FR" b="1" i="1" dirty="0"/>
-              <a:t>Un bloc de code réutilisable qui effectue une action </a:t>
-            </a:r>
-            <a:r>
-              <a:rPr lang="fr-FR" b="1" i="1" dirty="0" err="1"/>
-              <a:t>spéficique</a:t>
-            </a:r>
-            <a:r>
-              <a:rPr lang="fr-FR" b="1" i="1" dirty="0"/>
-              <a:t> et peut être appelé avec un nom donné’</a:t>
-            </a:r>
-          </a:p>
-          <a:p>
+              <a:t>Importance de la validation des données du côté serveur : </a:t>
+            </a:r>
+          </a:p>
+          <a:p>
+            <a:pPr lvl="1"/>
             <a:r>
               <a:rPr lang="fr-FR" dirty="0"/>
-              <a:t>Déclaration : mot-clé ‘</a:t>
-            </a:r>
-            <a:r>
-              <a:rPr lang="fr-FR" b="1" i="1" dirty="0" err="1"/>
-              <a:t>function</a:t>
-            </a:r>
+              <a:t>Prévenir les erreurs/problèmes de sécurité</a:t>
+            </a:r>
+          </a:p>
+          <a:p>
+            <a:pPr lvl="1"/>
             <a:r>
               <a:rPr lang="fr-FR" dirty="0"/>
-              <a:t>’ suivi de la fonction avec des paramètres éventuels entre parenthèses</a:t>
-            </a:r>
-          </a:p>
-          <a:p>
+              <a:t>Complément à la validation côté client</a:t>
+            </a:r>
+          </a:p>
+          <a:p>
+            <a:pPr lvl="1"/>
             <a:r>
               <a:rPr lang="fr-FR" dirty="0"/>
-              <a:t>Paramètres : Les </a:t>
-            </a:r>
-            <a:r>
-              <a:rPr lang="fr-FR" b="1" i="1" dirty="0"/>
-              <a:t>valeurs d’entrées </a:t>
-            </a:r>
+              <a:t>Respect des contraintes de l’application</a:t>
+            </a:r>
+          </a:p>
+          <a:p>
+            <a:pPr lvl="1"/>
             <a:r>
               <a:rPr lang="fr-FR" dirty="0"/>
-              <a:t>passés à la fonction pour effectuer des opérations spécifiques</a:t>
-            </a:r>
+              <a:t>Amélioration de l’expérience utilisateur</a:t>
+            </a:r>
+          </a:p>
+          <a:p>
+            <a:endParaRPr lang="fr-FR" dirty="0"/>
           </a:p>
           <a:p>
             <a:r>
               <a:rPr lang="fr-FR" dirty="0"/>
-              <a:t>Valeur de retour : mot-clé ‘</a:t>
-            </a:r>
-            <a:r>
-              <a:rPr lang="fr-FR" b="1" i="1" dirty="0"/>
-              <a:t>return</a:t>
-            </a:r>
+              <a:t>Utilisation des fonctions de validation intégrées à PHP :</a:t>
+            </a:r>
+          </a:p>
+          <a:p>
+            <a:pPr lvl="1"/>
             <a:r>
               <a:rPr lang="fr-FR" dirty="0"/>
-              <a:t>’ pour renvoyer une valeur depuis la fonction. </a:t>
-            </a:r>
-          </a:p>
-          <a:p>
+              <a:t>Fonctions de validations :</a:t>
+            </a:r>
+          </a:p>
+          <a:p>
+            <a:pPr lvl="2"/>
+            <a:r>
+              <a:rPr lang="fr-FR" dirty="0" err="1"/>
+              <a:t>Filter_var</a:t>
+            </a:r>
             <a:r>
               <a:rPr lang="fr-FR" dirty="0"/>
-              <a:t>Portée des variables : Les variables définies à l’intérieur d’une fonction ont une </a:t>
-            </a:r>
-            <a:r>
-              <a:rPr lang="fr-FR" b="1" i="1" dirty="0"/>
-              <a:t>portée locale</a:t>
-            </a:r>
-            <a:r>
-              <a:rPr lang="fr-FR" dirty="0"/>
-              <a:t>, tandis que les </a:t>
-            </a:r>
-            <a:r>
-              <a:rPr lang="fr-FR" b="1" i="1" dirty="0"/>
-              <a:t>variables globales </a:t>
-            </a:r>
-            <a:r>
-              <a:rPr lang="fr-FR" dirty="0"/>
-              <a:t>peuvent-être utilisées avec le mot-clé ‘</a:t>
-            </a:r>
-            <a:r>
-              <a:rPr lang="fr-FR" b="1" i="1" dirty="0"/>
-              <a:t>global</a:t>
-            </a:r>
-            <a:r>
-              <a:rPr lang="fr-FR" dirty="0"/>
-              <a:t>’</a:t>
-            </a:r>
-          </a:p>
-          <a:p>
-            <a:r>
-              <a:rPr lang="fr-FR" dirty="0"/>
-              <a:t>Fonctions anonymes : Des </a:t>
-            </a:r>
-            <a:r>
-              <a:rPr lang="fr-FR" b="1" i="1" dirty="0"/>
-              <a:t>fonctions sans nom</a:t>
-            </a:r>
-            <a:r>
-              <a:rPr lang="fr-FR" dirty="0"/>
-              <a:t>, souvent utilisée comme arguments pour d’autres fonctions ou pour des opérations de rappel (</a:t>
-            </a:r>
-            <a:r>
-              <a:rPr lang="fr-FR" b="1" i="1" dirty="0"/>
-              <a:t>callback</a:t>
-            </a:r>
-            <a:r>
-              <a:rPr lang="fr-FR" dirty="0"/>
-              <a:t>)</a:t>
-            </a:r>
-          </a:p>
-          <a:p>
-            <a:r>
-              <a:rPr lang="fr-FR" dirty="0"/>
-              <a:t>Fonctions prédéfinies : PHP dispose d’un grand nombre de </a:t>
-            </a:r>
-            <a:r>
-              <a:rPr lang="fr-FR" b="1" i="1" dirty="0"/>
-              <a:t>fonctions prédéfinies </a:t>
-            </a:r>
-            <a:r>
-              <a:rPr lang="fr-FR" dirty="0"/>
-              <a:t>pour effectuer diverses opérations, comme le traitement de </a:t>
-            </a:r>
-            <a:r>
-              <a:rPr lang="fr-FR" b="1" i="1" dirty="0"/>
-              <a:t>chaîne de caractères</a:t>
-            </a:r>
-            <a:r>
-              <a:rPr lang="fr-FR" dirty="0"/>
-              <a:t>, </a:t>
-            </a:r>
-            <a:r>
-              <a:rPr lang="fr-FR" b="1" i="1" dirty="0"/>
-              <a:t>de tableaux</a:t>
-            </a:r>
-            <a:r>
-              <a:rPr lang="fr-FR" dirty="0"/>
-              <a:t>, </a:t>
-            </a:r>
-            <a:r>
-              <a:rPr lang="fr-FR" b="1" i="1" dirty="0"/>
-              <a:t>de fichiers</a:t>
-            </a:r>
-            <a:r>
-              <a:rPr lang="fr-FR" dirty="0"/>
-              <a:t>…</a:t>
-            </a:r>
+              <a:t>()</a:t>
+            </a:r>
+          </a:p>
+          <a:p>
+            <a:pPr lvl="2"/>
             <a:r>
               <a:rPr lang="fr-FR" dirty="0" err="1"/>
-              <a:t>etc</a:t>
+              <a:t>Preg_match</a:t>
             </a:r>
             <a:endParaRPr lang="fr-FR" dirty="0"/>
           </a:p>
           <a:p>
-            <a:r>
-              <a:rPr lang="fr-FR" dirty="0"/>
-              <a:t>Démo…</a:t>
-            </a:r>
+            <a:pPr lvl="1"/>
             <a:endParaRPr lang="en-US" dirty="0"/>
           </a:p>
         </p:txBody>
@@ -11988,10 +15959,10 @@
           <a:lstStyle/>
           <a:p>
             <a:r>
-              <a:rPr lang="fr-FR" b="1"/>
+              <a:rPr lang="fr-FR" b="1" dirty="0"/>
               <a:t>Sommaire</a:t>
             </a:r>
-            <a:endParaRPr lang="en-US" b="1"/>
+            <a:endParaRPr lang="en-US" b="1" dirty="0"/>
           </a:p>
         </p:txBody>
       </p:sp>
@@ -12019,13 +15990,13 @@
         </p:spPr>
         <p:txBody>
           <a:bodyPr>
-            <a:normAutofit fontScale="92500" lnSpcReduction="10000"/>
+            <a:normAutofit fontScale="85000" lnSpcReduction="10000"/>
           </a:bodyPr>
           <a:lstStyle/>
           <a:p>
             <a:r>
               <a:rPr lang="fr-FR" dirty="0"/>
-              <a:t>Inclure du code PHP dans une page HTML + TP (1h)</a:t>
+              <a:t>Inclure du code PHP dans une page HTML + TP</a:t>
             </a:r>
           </a:p>
           <a:p>
@@ -12038,7 +16009,7 @@
             </a:r>
             <a:r>
               <a:rPr lang="fr-FR" dirty="0"/>
-              <a:t> : utilisation de la fonction header() + TP (1h)</a:t>
+              <a:t> : utilisation de la fonction header() + TP</a:t>
             </a:r>
           </a:p>
           <a:p>
@@ -12047,7 +16018,7 @@
           <a:p>
             <a:r>
               <a:rPr lang="fr-FR" dirty="0"/>
-              <a:t>Utilisation des formulaires pour envoyer des données au serveur (1h30)</a:t>
+              <a:t>Utilisation des formulaires pour envoyer des données au serveur + TP</a:t>
             </a:r>
           </a:p>
           <a:p>
@@ -12056,7 +16027,16 @@
           <a:p>
             <a:r>
               <a:rPr lang="fr-FR" dirty="0"/>
-              <a:t>Traitement des données envoyées par un formulaire + TP (3h)</a:t>
+              <a:t>Validation des données et sécurité + TP</a:t>
+            </a:r>
+          </a:p>
+          <a:p>
+            <a:endParaRPr lang="fr-FR" dirty="0"/>
+          </a:p>
+          <a:p>
+            <a:r>
+              <a:rPr lang="fr-FR" dirty="0"/>
+              <a:t>Cookies &amp; Session + TP</a:t>
             </a:r>
           </a:p>
         </p:txBody>
@@ -12158,6 +16138,1545 @@
     <p:extLst>
       <p:ext uri="{BB962C8B-B14F-4D97-AF65-F5344CB8AC3E}">
         <p14:creationId xmlns:p14="http://schemas.microsoft.com/office/powerpoint/2010/main" val="3569398931"/>
+      </p:ext>
+    </p:extLst>
+  </p:cSld>
+  <p:clrMapOvr>
+    <a:masterClrMapping/>
+  </p:clrMapOvr>
+</p:sld>
+</file>
+
+<file path=ppt/slides/slide20.xml><?xml version="1.0" encoding="utf-8"?>
+<p:sld xmlns:a="http://schemas.openxmlformats.org/drawingml/2006/main" xmlns:r="http://schemas.openxmlformats.org/officeDocument/2006/relationships" xmlns:p="http://schemas.openxmlformats.org/presentationml/2006/main">
+  <p:cSld>
+    <p:spTree>
+      <p:nvGrpSpPr>
+        <p:cNvPr id="1" name=""/>
+        <p:cNvGrpSpPr/>
+        <p:nvPr/>
+      </p:nvGrpSpPr>
+      <p:grpSpPr>
+        <a:xfrm>
+          <a:off x="0" y="0"/>
+          <a:ext cx="0" cy="0"/>
+          <a:chOff x="0" y="0"/>
+          <a:chExt cx="0" cy="0"/>
+        </a:xfrm>
+      </p:grpSpPr>
+      <p:pic>
+        <p:nvPicPr>
+          <p:cNvPr id="9" name="Image 8" descr="Une image contenant diagramme&#10;&#10;Description générée automatiquement">
+            <a:extLst>
+              <a:ext uri="{FF2B5EF4-FFF2-40B4-BE49-F238E27FC236}">
+                <a16:creationId xmlns:a16="http://schemas.microsoft.com/office/drawing/2014/main" id="{E34A1A50-D9D2-4D6C-42BD-1844763AF684}"/>
+              </a:ext>
+            </a:extLst>
+          </p:cNvPr>
+          <p:cNvPicPr>
+            <a:picLocks noChangeAspect="1"/>
+          </p:cNvPicPr>
+          <p:nvPr/>
+        </p:nvPicPr>
+        <p:blipFill rotWithShape="1">
+          <a:blip r:embed="rId3">
+            <a:extLst>
+              <a:ext uri="{28A0092B-C50C-407E-A947-70E740481C1C}">
+                <a14:useLocalDpi xmlns:a14="http://schemas.microsoft.com/office/drawing/2010/main" val="0"/>
+              </a:ext>
+            </a:extLst>
+          </a:blip>
+          <a:srcRect t="17069" r="3" b="3"/>
+          <a:stretch/>
+        </p:blipFill>
+        <p:spPr>
+          <a:xfrm>
+            <a:off x="228599" y="237744"/>
+            <a:ext cx="7696201" cy="6382512"/>
+          </a:xfrm>
+          <a:prstGeom prst="rect">
+            <a:avLst/>
+          </a:prstGeom>
+          <a:noFill/>
+          <a:ln>
+            <a:noFill/>
+          </a:ln>
+        </p:spPr>
+      </p:pic>
+      <p:sp>
+        <p:nvSpPr>
+          <p:cNvPr id="4" name="Espace réservé de la date 3">
+            <a:extLst>
+              <a:ext uri="{FF2B5EF4-FFF2-40B4-BE49-F238E27FC236}">
+                <a16:creationId xmlns:a16="http://schemas.microsoft.com/office/drawing/2014/main" id="{278D00EF-CAC3-05B2-21C6-39D7CD94D34E}"/>
+              </a:ext>
+            </a:extLst>
+          </p:cNvPr>
+          <p:cNvSpPr>
+            <a:spLocks noGrp="1"/>
+          </p:cNvSpPr>
+          <p:nvPr>
+            <p:ph type="dt" sz="half" idx="10"/>
+          </p:nvPr>
+        </p:nvSpPr>
+        <p:spPr>
+          <a:xfrm>
+            <a:off x="5662337" y="6035040"/>
+            <a:ext cx="2071963" cy="365760"/>
+          </a:xfrm>
+        </p:spPr>
+        <p:txBody>
+          <a:bodyPr anchor="b">
+            <a:normAutofit/>
+          </a:bodyPr>
+          <a:lstStyle/>
+          <a:p>
+            <a:pPr rtl="0">
+              <a:spcAft>
+                <a:spcPts val="600"/>
+              </a:spcAft>
+            </a:pPr>
+            <a:fld id="{43B6331D-8BD5-4AF5-97EE-8FB3C79FE924}" type="datetime1">
+              <a:rPr lang="fr-FR" smtClean="0"/>
+              <a:pPr rtl="0">
+                <a:spcAft>
+                  <a:spcPts val="600"/>
+                </a:spcAft>
+              </a:pPr>
+              <a:t>20/03/2023</a:t>
+            </a:fld>
+            <a:endParaRPr lang="en-US"/>
+          </a:p>
+        </p:txBody>
+      </p:sp>
+      <p:sp>
+        <p:nvSpPr>
+          <p:cNvPr id="2" name="Titre 1">
+            <a:extLst>
+              <a:ext uri="{FF2B5EF4-FFF2-40B4-BE49-F238E27FC236}">
+                <a16:creationId xmlns:a16="http://schemas.microsoft.com/office/drawing/2014/main" id="{EFA281C8-854F-CB7B-4F0F-A9D0704C22C8}"/>
+              </a:ext>
+            </a:extLst>
+          </p:cNvPr>
+          <p:cNvSpPr>
+            <a:spLocks noGrp="1"/>
+          </p:cNvSpPr>
+          <p:nvPr>
+            <p:ph type="title"/>
+          </p:nvPr>
+        </p:nvSpPr>
+        <p:spPr>
+          <a:xfrm>
+            <a:off x="8477250" y="603504"/>
+            <a:ext cx="3144774" cy="1645920"/>
+          </a:xfrm>
+        </p:spPr>
+        <p:txBody>
+          <a:bodyPr anchor="b">
+            <a:normAutofit/>
+          </a:bodyPr>
+          <a:lstStyle/>
+          <a:p>
+            <a:pPr>
+              <a:lnSpc>
+                <a:spcPct val="90000"/>
+              </a:lnSpc>
+            </a:pPr>
+            <a:r>
+              <a:rPr lang="fr-FR" sz="2400" dirty="0"/>
+              <a:t>TP : Validation de données</a:t>
+            </a:r>
+            <a:endParaRPr lang="fr-FR" sz="2200" dirty="0"/>
+          </a:p>
+        </p:txBody>
+      </p:sp>
+      <p:sp>
+        <p:nvSpPr>
+          <p:cNvPr id="3" name="Sous-titre 2">
+            <a:extLst>
+              <a:ext uri="{FF2B5EF4-FFF2-40B4-BE49-F238E27FC236}">
+                <a16:creationId xmlns:a16="http://schemas.microsoft.com/office/drawing/2014/main" id="{281EC24D-08A3-F28D-5EC8-ED36EB51352E}"/>
+              </a:ext>
+            </a:extLst>
+          </p:cNvPr>
+          <p:cNvSpPr>
+            <a:spLocks noGrp="1"/>
+          </p:cNvSpPr>
+          <p:nvPr>
+            <p:ph type="body" sz="half" idx="2"/>
+          </p:nvPr>
+        </p:nvSpPr>
+        <p:spPr>
+          <a:xfrm>
+            <a:off x="8477250" y="2386584"/>
+            <a:ext cx="3144774" cy="3511296"/>
+          </a:xfrm>
+        </p:spPr>
+        <p:txBody>
+          <a:bodyPr>
+            <a:normAutofit/>
+          </a:bodyPr>
+          <a:lstStyle/>
+          <a:p>
+            <a:r>
+              <a:rPr lang="fr-FR" dirty="0"/>
+              <a:t>Pour bien comprendre !</a:t>
+            </a:r>
+            <a:endParaRPr lang="en-US" dirty="0"/>
+          </a:p>
+        </p:txBody>
+      </p:sp>
+    </p:spTree>
+    <p:extLst>
+      <p:ext uri="{BB962C8B-B14F-4D97-AF65-F5344CB8AC3E}">
+        <p14:creationId xmlns:p14="http://schemas.microsoft.com/office/powerpoint/2010/main" val="1423203124"/>
+      </p:ext>
+    </p:extLst>
+  </p:cSld>
+  <p:clrMapOvr>
+    <a:masterClrMapping/>
+  </p:clrMapOvr>
+</p:sld>
+</file>
+
+<file path=ppt/slides/slide21.xml><?xml version="1.0" encoding="utf-8"?>
+<p:sld xmlns:a="http://schemas.openxmlformats.org/drawingml/2006/main" xmlns:r="http://schemas.openxmlformats.org/officeDocument/2006/relationships" xmlns:p="http://schemas.openxmlformats.org/presentationml/2006/main">
+  <p:cSld>
+    <p:bg>
+      <p:bgPr>
+        <a:solidFill>
+          <a:schemeClr val="bg1"/>
+        </a:solidFill>
+        <a:effectLst/>
+      </p:bgPr>
+    </p:bg>
+    <p:spTree>
+      <p:nvGrpSpPr>
+        <p:cNvPr id="1" name=""/>
+        <p:cNvGrpSpPr/>
+        <p:nvPr/>
+      </p:nvGrpSpPr>
+      <p:grpSpPr>
+        <a:xfrm>
+          <a:off x="0" y="0"/>
+          <a:ext cx="0" cy="0"/>
+          <a:chOff x="0" y="0"/>
+          <a:chExt cx="0" cy="0"/>
+        </a:xfrm>
+      </p:grpSpPr>
+      <p:sp>
+        <p:nvSpPr>
+          <p:cNvPr id="2" name="Titre 1">
+            <a:extLst>
+              <a:ext uri="{FF2B5EF4-FFF2-40B4-BE49-F238E27FC236}">
+                <a16:creationId xmlns:a16="http://schemas.microsoft.com/office/drawing/2014/main" id="{7A4919D0-F177-4BBA-9A0B-DBA69E2ED764}"/>
+              </a:ext>
+            </a:extLst>
+          </p:cNvPr>
+          <p:cNvSpPr>
+            <a:spLocks noGrp="1"/>
+          </p:cNvSpPr>
+          <p:nvPr>
+            <p:ph type="title"/>
+          </p:nvPr>
+        </p:nvSpPr>
+        <p:spPr>
+          <a:xfrm>
+            <a:off x="1066800" y="642594"/>
+            <a:ext cx="10058400" cy="1371600"/>
+          </a:xfrm>
+        </p:spPr>
+        <p:txBody>
+          <a:bodyPr rtlCol="0">
+            <a:normAutofit/>
+          </a:bodyPr>
+          <a:lstStyle/>
+          <a:p>
+            <a:pPr algn="ctr" rtl="0"/>
+            <a:r>
+              <a:rPr lang="fr" dirty="0"/>
+              <a:t>Validation des données et sécurité (sécurité)</a:t>
+            </a:r>
+          </a:p>
+        </p:txBody>
+      </p:sp>
+      <p:sp>
+        <p:nvSpPr>
+          <p:cNvPr id="4" name="Espace réservé du contenu 3">
+            <a:extLst>
+              <a:ext uri="{FF2B5EF4-FFF2-40B4-BE49-F238E27FC236}">
+                <a16:creationId xmlns:a16="http://schemas.microsoft.com/office/drawing/2014/main" id="{BE79CDCE-D971-C683-1302-D4C2731A5EF3}"/>
+              </a:ext>
+            </a:extLst>
+          </p:cNvPr>
+          <p:cNvSpPr>
+            <a:spLocks noGrp="1"/>
+          </p:cNvSpPr>
+          <p:nvPr>
+            <p:ph idx="1"/>
+          </p:nvPr>
+        </p:nvSpPr>
+        <p:spPr/>
+        <p:txBody>
+          <a:bodyPr>
+            <a:normAutofit/>
+          </a:bodyPr>
+          <a:lstStyle/>
+          <a:p>
+            <a:r>
+              <a:rPr lang="fr-FR" dirty="0"/>
+              <a:t>Protection contre les injections SQL </a:t>
+            </a:r>
+          </a:p>
+          <a:p>
+            <a:endParaRPr lang="fr-FR" dirty="0"/>
+          </a:p>
+          <a:p>
+            <a:r>
+              <a:rPr lang="fr-FR" dirty="0"/>
+              <a:t>Protection contre les attaques XSS</a:t>
+            </a:r>
+          </a:p>
+          <a:p>
+            <a:endParaRPr lang="fr-FR" dirty="0"/>
+          </a:p>
+          <a:p>
+            <a:r>
+              <a:rPr lang="fr-FR" dirty="0"/>
+              <a:t>Utilisation des fonctions </a:t>
+            </a:r>
+            <a:r>
+              <a:rPr lang="fr-FR" dirty="0" err="1"/>
+              <a:t>htmlspecialchars</a:t>
+            </a:r>
+            <a:r>
+              <a:rPr lang="fr-FR" dirty="0"/>
+              <a:t>() et </a:t>
+            </a:r>
+            <a:r>
+              <a:rPr lang="fr-FR" dirty="0" err="1"/>
+              <a:t>strip_tags</a:t>
+            </a:r>
+            <a:r>
+              <a:rPr lang="fr-FR" dirty="0"/>
+              <a:t>() pour assurer la sécurité des données</a:t>
+            </a:r>
+          </a:p>
+          <a:p>
+            <a:endParaRPr lang="fr-FR" dirty="0"/>
+          </a:p>
+          <a:p>
+            <a:r>
+              <a:rPr lang="fr-FR" dirty="0"/>
+              <a:t>Configurer les entêtes du navigateur</a:t>
+            </a:r>
+          </a:p>
+        </p:txBody>
+      </p:sp>
+    </p:spTree>
+    <p:extLst>
+      <p:ext uri="{BB962C8B-B14F-4D97-AF65-F5344CB8AC3E}">
+        <p14:creationId xmlns:p14="http://schemas.microsoft.com/office/powerpoint/2010/main" val="1940957713"/>
+      </p:ext>
+    </p:extLst>
+  </p:cSld>
+  <p:clrMapOvr>
+    <a:masterClrMapping/>
+  </p:clrMapOvr>
+</p:sld>
+</file>
+
+<file path=ppt/slides/slide22.xml><?xml version="1.0" encoding="utf-8"?>
+<p:sld xmlns:a="http://schemas.openxmlformats.org/drawingml/2006/main" xmlns:r="http://schemas.openxmlformats.org/officeDocument/2006/relationships" xmlns:p="http://schemas.openxmlformats.org/presentationml/2006/main">
+  <p:cSld>
+    <p:spTree>
+      <p:nvGrpSpPr>
+        <p:cNvPr id="1" name=""/>
+        <p:cNvGrpSpPr/>
+        <p:nvPr/>
+      </p:nvGrpSpPr>
+      <p:grpSpPr>
+        <a:xfrm>
+          <a:off x="0" y="0"/>
+          <a:ext cx="0" cy="0"/>
+          <a:chOff x="0" y="0"/>
+          <a:chExt cx="0" cy="0"/>
+        </a:xfrm>
+      </p:grpSpPr>
+      <p:pic>
+        <p:nvPicPr>
+          <p:cNvPr id="9" name="Image 8" descr="Une image contenant diagramme&#10;&#10;Description générée automatiquement">
+            <a:extLst>
+              <a:ext uri="{FF2B5EF4-FFF2-40B4-BE49-F238E27FC236}">
+                <a16:creationId xmlns:a16="http://schemas.microsoft.com/office/drawing/2014/main" id="{E34A1A50-D9D2-4D6C-42BD-1844763AF684}"/>
+              </a:ext>
+            </a:extLst>
+          </p:cNvPr>
+          <p:cNvPicPr>
+            <a:picLocks noChangeAspect="1"/>
+          </p:cNvPicPr>
+          <p:nvPr/>
+        </p:nvPicPr>
+        <p:blipFill rotWithShape="1">
+          <a:blip r:embed="rId3">
+            <a:extLst>
+              <a:ext uri="{28A0092B-C50C-407E-A947-70E740481C1C}">
+                <a14:useLocalDpi xmlns:a14="http://schemas.microsoft.com/office/drawing/2010/main" val="0"/>
+              </a:ext>
+            </a:extLst>
+          </a:blip>
+          <a:srcRect t="17069" r="3" b="3"/>
+          <a:stretch/>
+        </p:blipFill>
+        <p:spPr>
+          <a:xfrm>
+            <a:off x="228599" y="237744"/>
+            <a:ext cx="7696201" cy="6382512"/>
+          </a:xfrm>
+          <a:prstGeom prst="rect">
+            <a:avLst/>
+          </a:prstGeom>
+          <a:noFill/>
+          <a:ln>
+            <a:noFill/>
+          </a:ln>
+        </p:spPr>
+      </p:pic>
+      <p:sp>
+        <p:nvSpPr>
+          <p:cNvPr id="4" name="Espace réservé de la date 3">
+            <a:extLst>
+              <a:ext uri="{FF2B5EF4-FFF2-40B4-BE49-F238E27FC236}">
+                <a16:creationId xmlns:a16="http://schemas.microsoft.com/office/drawing/2014/main" id="{278D00EF-CAC3-05B2-21C6-39D7CD94D34E}"/>
+              </a:ext>
+            </a:extLst>
+          </p:cNvPr>
+          <p:cNvSpPr>
+            <a:spLocks noGrp="1"/>
+          </p:cNvSpPr>
+          <p:nvPr>
+            <p:ph type="dt" sz="half" idx="10"/>
+          </p:nvPr>
+        </p:nvSpPr>
+        <p:spPr>
+          <a:xfrm>
+            <a:off x="5662337" y="6035040"/>
+            <a:ext cx="2071963" cy="365760"/>
+          </a:xfrm>
+        </p:spPr>
+        <p:txBody>
+          <a:bodyPr anchor="b">
+            <a:normAutofit/>
+          </a:bodyPr>
+          <a:lstStyle/>
+          <a:p>
+            <a:pPr rtl="0">
+              <a:spcAft>
+                <a:spcPts val="600"/>
+              </a:spcAft>
+            </a:pPr>
+            <a:fld id="{43B6331D-8BD5-4AF5-97EE-8FB3C79FE924}" type="datetime1">
+              <a:rPr lang="fr-FR" smtClean="0"/>
+              <a:pPr rtl="0">
+                <a:spcAft>
+                  <a:spcPts val="600"/>
+                </a:spcAft>
+              </a:pPr>
+              <a:t>20/03/2023</a:t>
+            </a:fld>
+            <a:endParaRPr lang="en-US"/>
+          </a:p>
+        </p:txBody>
+      </p:sp>
+      <p:sp>
+        <p:nvSpPr>
+          <p:cNvPr id="2" name="Titre 1">
+            <a:extLst>
+              <a:ext uri="{FF2B5EF4-FFF2-40B4-BE49-F238E27FC236}">
+                <a16:creationId xmlns:a16="http://schemas.microsoft.com/office/drawing/2014/main" id="{EFA281C8-854F-CB7B-4F0F-A9D0704C22C8}"/>
+              </a:ext>
+            </a:extLst>
+          </p:cNvPr>
+          <p:cNvSpPr>
+            <a:spLocks noGrp="1"/>
+          </p:cNvSpPr>
+          <p:nvPr>
+            <p:ph type="title"/>
+          </p:nvPr>
+        </p:nvSpPr>
+        <p:spPr>
+          <a:xfrm>
+            <a:off x="8477250" y="603504"/>
+            <a:ext cx="3144774" cy="1645920"/>
+          </a:xfrm>
+        </p:spPr>
+        <p:txBody>
+          <a:bodyPr anchor="b">
+            <a:normAutofit/>
+          </a:bodyPr>
+          <a:lstStyle/>
+          <a:p>
+            <a:pPr>
+              <a:lnSpc>
+                <a:spcPct val="90000"/>
+              </a:lnSpc>
+            </a:pPr>
+            <a:r>
+              <a:rPr lang="fr-FR" sz="2400" dirty="0"/>
+              <a:t>TP : Sécuriser les données</a:t>
+            </a:r>
+            <a:endParaRPr lang="fr-FR" sz="2200" dirty="0"/>
+          </a:p>
+        </p:txBody>
+      </p:sp>
+      <p:sp>
+        <p:nvSpPr>
+          <p:cNvPr id="3" name="Sous-titre 2">
+            <a:extLst>
+              <a:ext uri="{FF2B5EF4-FFF2-40B4-BE49-F238E27FC236}">
+                <a16:creationId xmlns:a16="http://schemas.microsoft.com/office/drawing/2014/main" id="{281EC24D-08A3-F28D-5EC8-ED36EB51352E}"/>
+              </a:ext>
+            </a:extLst>
+          </p:cNvPr>
+          <p:cNvSpPr>
+            <a:spLocks noGrp="1"/>
+          </p:cNvSpPr>
+          <p:nvPr>
+            <p:ph type="body" sz="half" idx="2"/>
+          </p:nvPr>
+        </p:nvSpPr>
+        <p:spPr>
+          <a:xfrm>
+            <a:off x="8477250" y="2386584"/>
+            <a:ext cx="3144774" cy="3511296"/>
+          </a:xfrm>
+        </p:spPr>
+        <p:txBody>
+          <a:bodyPr>
+            <a:normAutofit/>
+          </a:bodyPr>
+          <a:lstStyle/>
+          <a:p>
+            <a:r>
+              <a:rPr lang="fr-FR" dirty="0"/>
+              <a:t>Pour bien comprendre !</a:t>
+            </a:r>
+            <a:endParaRPr lang="en-US" dirty="0"/>
+          </a:p>
+        </p:txBody>
+      </p:sp>
+    </p:spTree>
+    <p:extLst>
+      <p:ext uri="{BB962C8B-B14F-4D97-AF65-F5344CB8AC3E}">
+        <p14:creationId xmlns:p14="http://schemas.microsoft.com/office/powerpoint/2010/main" val="3495857367"/>
+      </p:ext>
+    </p:extLst>
+  </p:cSld>
+  <p:clrMapOvr>
+    <a:masterClrMapping/>
+  </p:clrMapOvr>
+</p:sld>
+</file>
+
+<file path=ppt/slides/slide23.xml><?xml version="1.0" encoding="utf-8"?>
+<p:sld xmlns:a="http://schemas.openxmlformats.org/drawingml/2006/main" xmlns:r="http://schemas.openxmlformats.org/officeDocument/2006/relationships" xmlns:p="http://schemas.openxmlformats.org/presentationml/2006/main">
+  <p:cSld>
+    <p:spTree>
+      <p:nvGrpSpPr>
+        <p:cNvPr id="1" name=""/>
+        <p:cNvGrpSpPr/>
+        <p:nvPr/>
+      </p:nvGrpSpPr>
+      <p:grpSpPr>
+        <a:xfrm>
+          <a:off x="0" y="0"/>
+          <a:ext cx="0" cy="0"/>
+          <a:chOff x="0" y="0"/>
+          <a:chExt cx="0" cy="0"/>
+        </a:xfrm>
+      </p:grpSpPr>
+      <p:pic>
+        <p:nvPicPr>
+          <p:cNvPr id="5122" name="Picture 2" descr="Photo gratuite close-up girl avec ordinateur portable et cookies">
+            <a:extLst>
+              <a:ext uri="{FF2B5EF4-FFF2-40B4-BE49-F238E27FC236}">
+                <a16:creationId xmlns:a16="http://schemas.microsoft.com/office/drawing/2014/main" id="{E074AF9A-E723-1122-351A-9DC8F64DCC10}"/>
+              </a:ext>
+            </a:extLst>
+          </p:cNvPr>
+          <p:cNvPicPr>
+            <a:picLocks noChangeAspect="1" noChangeArrowheads="1"/>
+          </p:cNvPicPr>
+          <p:nvPr/>
+        </p:nvPicPr>
+        <p:blipFill rotWithShape="1">
+          <a:blip r:embed="rId3">
+            <a:extLst>
+              <a:ext uri="{28A0092B-C50C-407E-A947-70E740481C1C}">
+                <a14:useLocalDpi xmlns:a14="http://schemas.microsoft.com/office/drawing/2010/main" val="0"/>
+              </a:ext>
+            </a:extLst>
+          </a:blip>
+          <a:srcRect l="16181" r="3630" b="-2"/>
+          <a:stretch/>
+        </p:blipFill>
+        <p:spPr bwMode="auto">
+          <a:xfrm>
+            <a:off x="228599" y="237744"/>
+            <a:ext cx="7696201" cy="6382512"/>
+          </a:xfrm>
+          <a:prstGeom prst="rect">
+            <a:avLst/>
+          </a:prstGeom>
+          <a:solidFill>
+            <a:srgbClr val="FFFFFF"/>
+          </a:solidFill>
+          <a:ln>
+            <a:noFill/>
+          </a:ln>
+          <a:extLst>
+            <a:ext uri="{909E8E84-426E-40DD-AFC4-6F175D3DCCD1}">
+              <a14:hiddenFill xmlns:a14="http://schemas.microsoft.com/office/drawing/2010/main">
+                <a:solidFill>
+                  <a:srgbClr val="FFFFFF"/>
+                </a:solidFill>
+              </a14:hiddenFill>
+            </a:ext>
+          </a:extLst>
+        </p:spPr>
+      </p:pic>
+      <p:sp>
+        <p:nvSpPr>
+          <p:cNvPr id="4" name="Espace réservé de la date 3">
+            <a:extLst>
+              <a:ext uri="{FF2B5EF4-FFF2-40B4-BE49-F238E27FC236}">
+                <a16:creationId xmlns:a16="http://schemas.microsoft.com/office/drawing/2014/main" id="{278D00EF-CAC3-05B2-21C6-39D7CD94D34E}"/>
+              </a:ext>
+            </a:extLst>
+          </p:cNvPr>
+          <p:cNvSpPr>
+            <a:spLocks noGrp="1"/>
+          </p:cNvSpPr>
+          <p:nvPr>
+            <p:ph type="dt" sz="half" idx="10"/>
+          </p:nvPr>
+        </p:nvSpPr>
+        <p:spPr>
+          <a:xfrm>
+            <a:off x="5662337" y="6035040"/>
+            <a:ext cx="2071963" cy="365760"/>
+          </a:xfrm>
+        </p:spPr>
+        <p:txBody>
+          <a:bodyPr anchor="b">
+            <a:normAutofit/>
+          </a:bodyPr>
+          <a:lstStyle/>
+          <a:p>
+            <a:pPr rtl="0">
+              <a:spcAft>
+                <a:spcPts val="600"/>
+              </a:spcAft>
+            </a:pPr>
+            <a:fld id="{43B6331D-8BD5-4AF5-97EE-8FB3C79FE924}" type="datetime1">
+              <a:rPr lang="fr-FR" smtClean="0"/>
+              <a:pPr rtl="0">
+                <a:spcAft>
+                  <a:spcPts val="600"/>
+                </a:spcAft>
+              </a:pPr>
+              <a:t>20/03/2023</a:t>
+            </a:fld>
+            <a:endParaRPr lang="en-US"/>
+          </a:p>
+        </p:txBody>
+      </p:sp>
+      <p:sp>
+        <p:nvSpPr>
+          <p:cNvPr id="2" name="Titre 1">
+            <a:extLst>
+              <a:ext uri="{FF2B5EF4-FFF2-40B4-BE49-F238E27FC236}">
+                <a16:creationId xmlns:a16="http://schemas.microsoft.com/office/drawing/2014/main" id="{EFA281C8-854F-CB7B-4F0F-A9D0704C22C8}"/>
+              </a:ext>
+            </a:extLst>
+          </p:cNvPr>
+          <p:cNvSpPr>
+            <a:spLocks noGrp="1"/>
+          </p:cNvSpPr>
+          <p:nvPr>
+            <p:ph type="title"/>
+          </p:nvPr>
+        </p:nvSpPr>
+        <p:spPr>
+          <a:xfrm>
+            <a:off x="8477250" y="603504"/>
+            <a:ext cx="3144774" cy="1645920"/>
+          </a:xfrm>
+        </p:spPr>
+        <p:txBody>
+          <a:bodyPr anchor="b">
+            <a:normAutofit/>
+          </a:bodyPr>
+          <a:lstStyle/>
+          <a:p>
+            <a:r>
+              <a:rPr lang="fr-FR" dirty="0"/>
+              <a:t>Cookies et Session</a:t>
+            </a:r>
+          </a:p>
+        </p:txBody>
+      </p:sp>
+      <p:sp>
+        <p:nvSpPr>
+          <p:cNvPr id="3" name="Sous-titre 2">
+            <a:extLst>
+              <a:ext uri="{FF2B5EF4-FFF2-40B4-BE49-F238E27FC236}">
+                <a16:creationId xmlns:a16="http://schemas.microsoft.com/office/drawing/2014/main" id="{281EC24D-08A3-F28D-5EC8-ED36EB51352E}"/>
+              </a:ext>
+            </a:extLst>
+          </p:cNvPr>
+          <p:cNvSpPr>
+            <a:spLocks noGrp="1"/>
+          </p:cNvSpPr>
+          <p:nvPr>
+            <p:ph type="body" sz="half" idx="2"/>
+          </p:nvPr>
+        </p:nvSpPr>
+        <p:spPr>
+          <a:xfrm>
+            <a:off x="8477250" y="2386584"/>
+            <a:ext cx="3144774" cy="3511296"/>
+          </a:xfrm>
+        </p:spPr>
+        <p:txBody>
+          <a:bodyPr>
+            <a:normAutofit/>
+          </a:bodyPr>
+          <a:lstStyle/>
+          <a:p>
+            <a:r>
+              <a:rPr lang="fr-FR" dirty="0"/>
+              <a:t>Pour bien comprendre !</a:t>
+            </a:r>
+            <a:endParaRPr lang="en-US" dirty="0"/>
+          </a:p>
+        </p:txBody>
+      </p:sp>
+    </p:spTree>
+    <p:extLst>
+      <p:ext uri="{BB962C8B-B14F-4D97-AF65-F5344CB8AC3E}">
+        <p14:creationId xmlns:p14="http://schemas.microsoft.com/office/powerpoint/2010/main" val="166344086"/>
+      </p:ext>
+    </p:extLst>
+  </p:cSld>
+  <p:clrMapOvr>
+    <a:masterClrMapping/>
+  </p:clrMapOvr>
+</p:sld>
+</file>
+
+<file path=ppt/slides/slide24.xml><?xml version="1.0" encoding="utf-8"?>
+<p:sld xmlns:a="http://schemas.openxmlformats.org/drawingml/2006/main" xmlns:r="http://schemas.openxmlformats.org/officeDocument/2006/relationships" xmlns:p="http://schemas.openxmlformats.org/presentationml/2006/main">
+  <p:cSld>
+    <p:bg>
+      <p:bgPr>
+        <a:solidFill>
+          <a:schemeClr val="bg1"/>
+        </a:solidFill>
+        <a:effectLst/>
+      </p:bgPr>
+    </p:bg>
+    <p:spTree>
+      <p:nvGrpSpPr>
+        <p:cNvPr id="1" name=""/>
+        <p:cNvGrpSpPr/>
+        <p:nvPr/>
+      </p:nvGrpSpPr>
+      <p:grpSpPr>
+        <a:xfrm>
+          <a:off x="0" y="0"/>
+          <a:ext cx="0" cy="0"/>
+          <a:chOff x="0" y="0"/>
+          <a:chExt cx="0" cy="0"/>
+        </a:xfrm>
+      </p:grpSpPr>
+      <p:sp>
+        <p:nvSpPr>
+          <p:cNvPr id="2" name="Titre 1">
+            <a:extLst>
+              <a:ext uri="{FF2B5EF4-FFF2-40B4-BE49-F238E27FC236}">
+                <a16:creationId xmlns:a16="http://schemas.microsoft.com/office/drawing/2014/main" id="{7A4919D0-F177-4BBA-9A0B-DBA69E2ED764}"/>
+              </a:ext>
+            </a:extLst>
+          </p:cNvPr>
+          <p:cNvSpPr>
+            <a:spLocks noGrp="1"/>
+          </p:cNvSpPr>
+          <p:nvPr>
+            <p:ph type="title"/>
+          </p:nvPr>
+        </p:nvSpPr>
+        <p:spPr>
+          <a:xfrm>
+            <a:off x="1066800" y="642594"/>
+            <a:ext cx="10058400" cy="1371600"/>
+          </a:xfrm>
+        </p:spPr>
+        <p:txBody>
+          <a:bodyPr rtlCol="0">
+            <a:normAutofit/>
+          </a:bodyPr>
+          <a:lstStyle/>
+          <a:p>
+            <a:pPr algn="ctr" rtl="0"/>
+            <a:r>
+              <a:rPr lang="fr" dirty="0"/>
+              <a:t>Cookies &amp; Session (Cookies)</a:t>
+            </a:r>
+          </a:p>
+        </p:txBody>
+      </p:sp>
+      <p:sp>
+        <p:nvSpPr>
+          <p:cNvPr id="4" name="Espace réservé du contenu 3">
+            <a:extLst>
+              <a:ext uri="{FF2B5EF4-FFF2-40B4-BE49-F238E27FC236}">
+                <a16:creationId xmlns:a16="http://schemas.microsoft.com/office/drawing/2014/main" id="{BE79CDCE-D971-C683-1302-D4C2731A5EF3}"/>
+              </a:ext>
+            </a:extLst>
+          </p:cNvPr>
+          <p:cNvSpPr>
+            <a:spLocks noGrp="1"/>
+          </p:cNvSpPr>
+          <p:nvPr>
+            <p:ph idx="1"/>
+          </p:nvPr>
+        </p:nvSpPr>
+        <p:spPr/>
+        <p:txBody>
+          <a:bodyPr>
+            <a:normAutofit/>
+          </a:bodyPr>
+          <a:lstStyle/>
+          <a:p>
+            <a:r>
+              <a:rPr lang="fr-FR" dirty="0"/>
+              <a:t>Mais c’est quoi un cookies ?</a:t>
+            </a:r>
+          </a:p>
+          <a:p>
+            <a:endParaRPr lang="fr-FR" dirty="0"/>
+          </a:p>
+          <a:p>
+            <a:pPr lvl="1"/>
+            <a:r>
+              <a:rPr lang="fr-FR" dirty="0"/>
+              <a:t>C’est un petit fichier texte stocké sur le navigateur</a:t>
+            </a:r>
+          </a:p>
+          <a:p>
+            <a:pPr lvl="1"/>
+            <a:endParaRPr lang="fr-FR" dirty="0"/>
+          </a:p>
+          <a:p>
+            <a:pPr lvl="1"/>
+            <a:r>
+              <a:rPr lang="fr-FR" dirty="0"/>
+              <a:t>Il contient des informations sous formes de paires clé-valeur</a:t>
+            </a:r>
+          </a:p>
+          <a:p>
+            <a:pPr lvl="1"/>
+            <a:endParaRPr lang="fr-FR" dirty="0"/>
+          </a:p>
+          <a:p>
+            <a:pPr lvl="1"/>
+            <a:r>
+              <a:rPr lang="fr-FR" dirty="0"/>
+              <a:t>Les cookies sont utilisés pour conserver l’état et les préférences de l’utilisateur, tels que les articles ajoutés à un panier d’achat ou les préférences de langues</a:t>
+            </a:r>
+          </a:p>
+          <a:p>
+            <a:pPr lvl="1"/>
+            <a:endParaRPr lang="fr-FR" dirty="0"/>
+          </a:p>
+          <a:p>
+            <a:pPr lvl="1"/>
+            <a:r>
+              <a:rPr lang="fr-FR" dirty="0"/>
+              <a:t>Les cookies ont une date d’expiration définie et sont automatiquement supprimés après cette date</a:t>
+            </a:r>
+          </a:p>
+          <a:p>
+            <a:pPr lvl="1"/>
+            <a:endParaRPr lang="fr-FR" dirty="0"/>
+          </a:p>
+          <a:p>
+            <a:pPr lvl="1"/>
+            <a:r>
+              <a:rPr lang="fr-FR" dirty="0"/>
+              <a:t>Les cookies peuvent être configurés pour être </a:t>
+            </a:r>
+            <a:r>
+              <a:rPr lang="fr-FR" dirty="0" err="1"/>
+              <a:t>persistents</a:t>
+            </a:r>
+            <a:r>
+              <a:rPr lang="fr-FR" dirty="0"/>
+              <a:t> (stocké sur le disque) ou temporaires (stockés en mémoire)</a:t>
+            </a:r>
+          </a:p>
+          <a:p>
+            <a:pPr lvl="1"/>
+            <a:endParaRPr lang="fr-FR" dirty="0"/>
+          </a:p>
+          <a:p>
+            <a:pPr lvl="1"/>
+            <a:r>
+              <a:rPr lang="fr-FR" dirty="0"/>
+              <a:t>Les cookies sont transmis entre le serveur et le navigateur à chaque requête</a:t>
+            </a:r>
+          </a:p>
+          <a:p>
+            <a:pPr lvl="1"/>
+            <a:endParaRPr lang="fr-FR" dirty="0"/>
+          </a:p>
+        </p:txBody>
+      </p:sp>
+    </p:spTree>
+    <p:extLst>
+      <p:ext uri="{BB962C8B-B14F-4D97-AF65-F5344CB8AC3E}">
+        <p14:creationId xmlns:p14="http://schemas.microsoft.com/office/powerpoint/2010/main" val="2732009769"/>
+      </p:ext>
+    </p:extLst>
+  </p:cSld>
+  <p:clrMapOvr>
+    <a:masterClrMapping/>
+  </p:clrMapOvr>
+</p:sld>
+</file>
+
+<file path=ppt/slides/slide25.xml><?xml version="1.0" encoding="utf-8"?>
+<p:sld xmlns:a="http://schemas.openxmlformats.org/drawingml/2006/main" xmlns:r="http://schemas.openxmlformats.org/officeDocument/2006/relationships" xmlns:p="http://schemas.openxmlformats.org/presentationml/2006/main">
+  <p:cSld>
+    <p:bg>
+      <p:bgPr>
+        <a:solidFill>
+          <a:schemeClr val="bg1"/>
+        </a:solidFill>
+        <a:effectLst/>
+      </p:bgPr>
+    </p:bg>
+    <p:spTree>
+      <p:nvGrpSpPr>
+        <p:cNvPr id="1" name=""/>
+        <p:cNvGrpSpPr/>
+        <p:nvPr/>
+      </p:nvGrpSpPr>
+      <p:grpSpPr>
+        <a:xfrm>
+          <a:off x="0" y="0"/>
+          <a:ext cx="0" cy="0"/>
+          <a:chOff x="0" y="0"/>
+          <a:chExt cx="0" cy="0"/>
+        </a:xfrm>
+      </p:grpSpPr>
+      <p:sp>
+        <p:nvSpPr>
+          <p:cNvPr id="2" name="Titre 1">
+            <a:extLst>
+              <a:ext uri="{FF2B5EF4-FFF2-40B4-BE49-F238E27FC236}">
+                <a16:creationId xmlns:a16="http://schemas.microsoft.com/office/drawing/2014/main" id="{7A4919D0-F177-4BBA-9A0B-DBA69E2ED764}"/>
+              </a:ext>
+            </a:extLst>
+          </p:cNvPr>
+          <p:cNvSpPr>
+            <a:spLocks noGrp="1"/>
+          </p:cNvSpPr>
+          <p:nvPr>
+            <p:ph type="title"/>
+          </p:nvPr>
+        </p:nvSpPr>
+        <p:spPr>
+          <a:xfrm>
+            <a:off x="1066800" y="642594"/>
+            <a:ext cx="10058400" cy="1371600"/>
+          </a:xfrm>
+        </p:spPr>
+        <p:txBody>
+          <a:bodyPr rtlCol="0">
+            <a:normAutofit/>
+          </a:bodyPr>
+          <a:lstStyle/>
+          <a:p>
+            <a:pPr algn="ctr" rtl="0"/>
+            <a:r>
+              <a:rPr lang="fr" dirty="0"/>
+              <a:t>Cookies &amp; Session (Session)</a:t>
+            </a:r>
+          </a:p>
+        </p:txBody>
+      </p:sp>
+      <p:sp>
+        <p:nvSpPr>
+          <p:cNvPr id="4" name="Espace réservé du contenu 3">
+            <a:extLst>
+              <a:ext uri="{FF2B5EF4-FFF2-40B4-BE49-F238E27FC236}">
+                <a16:creationId xmlns:a16="http://schemas.microsoft.com/office/drawing/2014/main" id="{BE79CDCE-D971-C683-1302-D4C2731A5EF3}"/>
+              </a:ext>
+            </a:extLst>
+          </p:cNvPr>
+          <p:cNvSpPr>
+            <a:spLocks noGrp="1"/>
+          </p:cNvSpPr>
+          <p:nvPr>
+            <p:ph idx="1"/>
+          </p:nvPr>
+        </p:nvSpPr>
+        <p:spPr/>
+        <p:txBody>
+          <a:bodyPr>
+            <a:normAutofit/>
+          </a:bodyPr>
+          <a:lstStyle/>
+          <a:p>
+            <a:r>
+              <a:rPr lang="fr-FR" dirty="0"/>
+              <a:t>Mais c’est quoi une session ?</a:t>
+            </a:r>
+          </a:p>
+          <a:p>
+            <a:endParaRPr lang="fr-FR" dirty="0"/>
+          </a:p>
+          <a:p>
+            <a:pPr lvl="1"/>
+            <a:r>
+              <a:rPr lang="fr-FR" dirty="0"/>
+              <a:t>Une session est un mécanisme de stockage côté serveur qui permet de conserver les données de l’utilisateur pour une période donnée.</a:t>
+            </a:r>
+          </a:p>
+          <a:p>
+            <a:pPr lvl="1"/>
+            <a:endParaRPr lang="fr-FR" dirty="0"/>
+          </a:p>
+          <a:p>
+            <a:pPr lvl="1"/>
+            <a:r>
+              <a:rPr lang="fr-FR" dirty="0"/>
+              <a:t>La session est identifiée par un identifiant de session unique (session ID) qui est généralement stocké dans un cookie côté client</a:t>
+            </a:r>
+          </a:p>
+          <a:p>
+            <a:pPr lvl="1"/>
+            <a:endParaRPr lang="fr-FR" dirty="0"/>
+          </a:p>
+          <a:p>
+            <a:pPr lvl="1"/>
+            <a:r>
+              <a:rPr lang="fr-FR" dirty="0"/>
+              <a:t>Les sessions sont utiles pour conserver des informations sensibles, telles que la donnée d’authentification d’un utilisateur</a:t>
+            </a:r>
+          </a:p>
+          <a:p>
+            <a:pPr lvl="1"/>
+            <a:endParaRPr lang="fr-FR" dirty="0"/>
+          </a:p>
+          <a:p>
+            <a:pPr lvl="1"/>
+            <a:r>
+              <a:rPr lang="fr-FR" dirty="0"/>
+              <a:t>Les sessions sont automatiquement détruites après un certain temps d’inactivité ou lorsque l’utilisateur ferme son navigateur</a:t>
+            </a:r>
+          </a:p>
+        </p:txBody>
+      </p:sp>
+    </p:spTree>
+    <p:extLst>
+      <p:ext uri="{BB962C8B-B14F-4D97-AF65-F5344CB8AC3E}">
+        <p14:creationId xmlns:p14="http://schemas.microsoft.com/office/powerpoint/2010/main" val="121097195"/>
+      </p:ext>
+    </p:extLst>
+  </p:cSld>
+  <p:clrMapOvr>
+    <a:masterClrMapping/>
+  </p:clrMapOvr>
+</p:sld>
+</file>
+
+<file path=ppt/slides/slide26.xml><?xml version="1.0" encoding="utf-8"?>
+<p:sld xmlns:a="http://schemas.openxmlformats.org/drawingml/2006/main" xmlns:r="http://schemas.openxmlformats.org/officeDocument/2006/relationships" xmlns:p="http://schemas.openxmlformats.org/presentationml/2006/main">
+  <p:cSld>
+    <p:bg>
+      <p:bgPr>
+        <a:solidFill>
+          <a:schemeClr val="bg1"/>
+        </a:solidFill>
+        <a:effectLst/>
+      </p:bgPr>
+    </p:bg>
+    <p:spTree>
+      <p:nvGrpSpPr>
+        <p:cNvPr id="1" name=""/>
+        <p:cNvGrpSpPr/>
+        <p:nvPr/>
+      </p:nvGrpSpPr>
+      <p:grpSpPr>
+        <a:xfrm>
+          <a:off x="0" y="0"/>
+          <a:ext cx="0" cy="0"/>
+          <a:chOff x="0" y="0"/>
+          <a:chExt cx="0" cy="0"/>
+        </a:xfrm>
+      </p:grpSpPr>
+      <p:sp>
+        <p:nvSpPr>
+          <p:cNvPr id="2" name="Titre 1">
+            <a:extLst>
+              <a:ext uri="{FF2B5EF4-FFF2-40B4-BE49-F238E27FC236}">
+                <a16:creationId xmlns:a16="http://schemas.microsoft.com/office/drawing/2014/main" id="{7A4919D0-F177-4BBA-9A0B-DBA69E2ED764}"/>
+              </a:ext>
+            </a:extLst>
+          </p:cNvPr>
+          <p:cNvSpPr>
+            <a:spLocks noGrp="1"/>
+          </p:cNvSpPr>
+          <p:nvPr>
+            <p:ph type="title"/>
+          </p:nvPr>
+        </p:nvSpPr>
+        <p:spPr>
+          <a:xfrm>
+            <a:off x="1066800" y="642594"/>
+            <a:ext cx="10058400" cy="1371600"/>
+          </a:xfrm>
+        </p:spPr>
+        <p:txBody>
+          <a:bodyPr rtlCol="0">
+            <a:normAutofit/>
+          </a:bodyPr>
+          <a:lstStyle/>
+          <a:p>
+            <a:pPr algn="ctr" rtl="0"/>
+            <a:r>
+              <a:rPr lang="fr" dirty="0"/>
+              <a:t>Cookies &amp; Session (Différences et similitudes)</a:t>
+            </a:r>
+          </a:p>
+        </p:txBody>
+      </p:sp>
+      <p:sp>
+        <p:nvSpPr>
+          <p:cNvPr id="4" name="Espace réservé du contenu 3">
+            <a:extLst>
+              <a:ext uri="{FF2B5EF4-FFF2-40B4-BE49-F238E27FC236}">
+                <a16:creationId xmlns:a16="http://schemas.microsoft.com/office/drawing/2014/main" id="{BE79CDCE-D971-C683-1302-D4C2731A5EF3}"/>
+              </a:ext>
+            </a:extLst>
+          </p:cNvPr>
+          <p:cNvSpPr>
+            <a:spLocks noGrp="1"/>
+          </p:cNvSpPr>
+          <p:nvPr>
+            <p:ph idx="1"/>
+          </p:nvPr>
+        </p:nvSpPr>
+        <p:spPr/>
+        <p:txBody>
+          <a:bodyPr>
+            <a:normAutofit lnSpcReduction="10000"/>
+          </a:bodyPr>
+          <a:lstStyle/>
+          <a:p>
+            <a:r>
+              <a:rPr lang="fr-FR" dirty="0"/>
+              <a:t>Les cookies sont stockés côté client, tandis que les sessions sont stockées côté serveur.</a:t>
+            </a:r>
+          </a:p>
+          <a:p>
+            <a:endParaRPr lang="fr-FR" dirty="0"/>
+          </a:p>
+          <a:p>
+            <a:r>
+              <a:rPr lang="fr-FR" dirty="0"/>
+              <a:t>Les cookies sont transmis à chaque requête HTTP, tandis que les sessions ne sont accessibles que via l’identifiant de session.</a:t>
+            </a:r>
+          </a:p>
+          <a:p>
+            <a:endParaRPr lang="fr-FR" dirty="0"/>
+          </a:p>
+          <a:p>
+            <a:r>
+              <a:rPr lang="fr-FR" dirty="0"/>
+              <a:t>Les cookies ont une taille limitée (4 ko), tandis que les sessions n’ont pas de limite de taille</a:t>
+            </a:r>
+          </a:p>
+          <a:p>
+            <a:endParaRPr lang="fr-FR" dirty="0"/>
+          </a:p>
+          <a:p>
+            <a:r>
+              <a:rPr lang="fr-FR" dirty="0"/>
+              <a:t>Les cookies peuvent être modifiés ou supprimés par l’utilisateur, tandis que les sessions sont contrôlées par le serveur</a:t>
+            </a:r>
+          </a:p>
+          <a:p>
+            <a:endParaRPr lang="fr-FR" dirty="0"/>
+          </a:p>
+          <a:p>
+            <a:r>
+              <a:rPr lang="fr-FR" dirty="0"/>
+              <a:t>Les deux mécanisme permettent de conserver l’état et les informations de l’utilisateur entre les différentes requêtes</a:t>
+            </a:r>
+          </a:p>
+        </p:txBody>
+      </p:sp>
+    </p:spTree>
+    <p:extLst>
+      <p:ext uri="{BB962C8B-B14F-4D97-AF65-F5344CB8AC3E}">
+        <p14:creationId xmlns:p14="http://schemas.microsoft.com/office/powerpoint/2010/main" val="3795427383"/>
+      </p:ext>
+    </p:extLst>
+  </p:cSld>
+  <p:clrMapOvr>
+    <a:masterClrMapping/>
+  </p:clrMapOvr>
+</p:sld>
+</file>
+
+<file path=ppt/slides/slide27.xml><?xml version="1.0" encoding="utf-8"?>
+<p:sld xmlns:a="http://schemas.openxmlformats.org/drawingml/2006/main" xmlns:r="http://schemas.openxmlformats.org/officeDocument/2006/relationships" xmlns:p="http://schemas.openxmlformats.org/presentationml/2006/main">
+  <p:cSld>
+    <p:bg>
+      <p:bgPr>
+        <a:solidFill>
+          <a:schemeClr val="bg1"/>
+        </a:solidFill>
+        <a:effectLst/>
+      </p:bgPr>
+    </p:bg>
+    <p:spTree>
+      <p:nvGrpSpPr>
+        <p:cNvPr id="1" name=""/>
+        <p:cNvGrpSpPr/>
+        <p:nvPr/>
+      </p:nvGrpSpPr>
+      <p:grpSpPr>
+        <a:xfrm>
+          <a:off x="0" y="0"/>
+          <a:ext cx="0" cy="0"/>
+          <a:chOff x="0" y="0"/>
+          <a:chExt cx="0" cy="0"/>
+        </a:xfrm>
+      </p:grpSpPr>
+      <p:sp>
+        <p:nvSpPr>
+          <p:cNvPr id="2" name="Titre 1">
+            <a:extLst>
+              <a:ext uri="{FF2B5EF4-FFF2-40B4-BE49-F238E27FC236}">
+                <a16:creationId xmlns:a16="http://schemas.microsoft.com/office/drawing/2014/main" id="{7A4919D0-F177-4BBA-9A0B-DBA69E2ED764}"/>
+              </a:ext>
+            </a:extLst>
+          </p:cNvPr>
+          <p:cNvSpPr>
+            <a:spLocks noGrp="1"/>
+          </p:cNvSpPr>
+          <p:nvPr>
+            <p:ph type="title"/>
+          </p:nvPr>
+        </p:nvSpPr>
+        <p:spPr>
+          <a:xfrm>
+            <a:off x="1066800" y="642594"/>
+            <a:ext cx="10058400" cy="1371600"/>
+          </a:xfrm>
+        </p:spPr>
+        <p:txBody>
+          <a:bodyPr rtlCol="0">
+            <a:normAutofit/>
+          </a:bodyPr>
+          <a:lstStyle/>
+          <a:p>
+            <a:pPr algn="ctr" rtl="0"/>
+            <a:r>
+              <a:rPr lang="fr" dirty="0"/>
+              <a:t>Cookies &amp; Session (Cas d’utilisation)</a:t>
+            </a:r>
+          </a:p>
+        </p:txBody>
+      </p:sp>
+      <p:sp>
+        <p:nvSpPr>
+          <p:cNvPr id="4" name="Espace réservé du contenu 3">
+            <a:extLst>
+              <a:ext uri="{FF2B5EF4-FFF2-40B4-BE49-F238E27FC236}">
+                <a16:creationId xmlns:a16="http://schemas.microsoft.com/office/drawing/2014/main" id="{BE79CDCE-D971-C683-1302-D4C2731A5EF3}"/>
+              </a:ext>
+            </a:extLst>
+          </p:cNvPr>
+          <p:cNvSpPr>
+            <a:spLocks noGrp="1"/>
+          </p:cNvSpPr>
+          <p:nvPr>
+            <p:ph idx="1"/>
+          </p:nvPr>
+        </p:nvSpPr>
+        <p:spPr/>
+        <p:txBody>
+          <a:bodyPr>
+            <a:normAutofit/>
+          </a:bodyPr>
+          <a:lstStyle/>
+          <a:p>
+            <a:r>
+              <a:rPr lang="fr-FR" dirty="0"/>
+              <a:t>Les cookies pour :</a:t>
+            </a:r>
+          </a:p>
+          <a:p>
+            <a:pPr lvl="1"/>
+            <a:r>
+              <a:rPr lang="fr-FR" dirty="0"/>
+              <a:t>Stocker des préférences utilisateur (par exemple, la langue ou le thème)</a:t>
+            </a:r>
+          </a:p>
+          <a:p>
+            <a:pPr lvl="1"/>
+            <a:r>
+              <a:rPr lang="fr-FR" dirty="0"/>
+              <a:t>Suivre des activités des utilisateurs sur un site web (par exemple, les pages visitées)</a:t>
+            </a:r>
+          </a:p>
+          <a:p>
+            <a:pPr marL="274320" lvl="1" indent="0">
+              <a:buNone/>
+            </a:pPr>
+            <a:endParaRPr lang="fr-FR" dirty="0"/>
+          </a:p>
+          <a:p>
+            <a:r>
+              <a:rPr lang="fr-FR" dirty="0"/>
+              <a:t>Les sessions pour :</a:t>
+            </a:r>
+          </a:p>
+          <a:p>
+            <a:pPr lvl="1"/>
+            <a:r>
+              <a:rPr lang="fr-FR" dirty="0"/>
+              <a:t>Authentifier les utilisateurs et conserver leurs information d’authentification</a:t>
+            </a:r>
+          </a:p>
+          <a:p>
+            <a:pPr lvl="1"/>
+            <a:r>
+              <a:rPr lang="fr-FR" dirty="0"/>
+              <a:t>Stocker les données sensibles ET temporaires (par exemple, les messages d’erreur ou les données de formulaire)</a:t>
+            </a:r>
+          </a:p>
+          <a:p>
+            <a:pPr lvl="1"/>
+            <a:r>
+              <a:rPr lang="fr-FR" dirty="0"/>
+              <a:t>Gérer des paniers d’achat ou des étapes de processus multi-étapes (par exemple, des formulaires en plusieurs parties) </a:t>
+            </a:r>
+          </a:p>
+        </p:txBody>
+      </p:sp>
+    </p:spTree>
+    <p:extLst>
+      <p:ext uri="{BB962C8B-B14F-4D97-AF65-F5344CB8AC3E}">
+        <p14:creationId xmlns:p14="http://schemas.microsoft.com/office/powerpoint/2010/main" val="1228294886"/>
+      </p:ext>
+    </p:extLst>
+  </p:cSld>
+  <p:clrMapOvr>
+    <a:masterClrMapping/>
+  </p:clrMapOvr>
+</p:sld>
+</file>
+
+<file path=ppt/slides/slide28.xml><?xml version="1.0" encoding="utf-8"?>
+<p:sld xmlns:a="http://schemas.openxmlformats.org/drawingml/2006/main" xmlns:r="http://schemas.openxmlformats.org/officeDocument/2006/relationships" xmlns:p="http://schemas.openxmlformats.org/presentationml/2006/main">
+  <p:cSld>
+    <p:spTree>
+      <p:nvGrpSpPr>
+        <p:cNvPr id="1" name=""/>
+        <p:cNvGrpSpPr/>
+        <p:nvPr/>
+      </p:nvGrpSpPr>
+      <p:grpSpPr>
+        <a:xfrm>
+          <a:off x="0" y="0"/>
+          <a:ext cx="0" cy="0"/>
+          <a:chOff x="0" y="0"/>
+          <a:chExt cx="0" cy="0"/>
+        </a:xfrm>
+      </p:grpSpPr>
+      <p:pic>
+        <p:nvPicPr>
+          <p:cNvPr id="9" name="Image 8" descr="Une image contenant diagramme&#10;&#10;Description générée automatiquement">
+            <a:extLst>
+              <a:ext uri="{FF2B5EF4-FFF2-40B4-BE49-F238E27FC236}">
+                <a16:creationId xmlns:a16="http://schemas.microsoft.com/office/drawing/2014/main" id="{E34A1A50-D9D2-4D6C-42BD-1844763AF684}"/>
+              </a:ext>
+            </a:extLst>
+          </p:cNvPr>
+          <p:cNvPicPr>
+            <a:picLocks noChangeAspect="1"/>
+          </p:cNvPicPr>
+          <p:nvPr/>
+        </p:nvPicPr>
+        <p:blipFill rotWithShape="1">
+          <a:blip r:embed="rId3">
+            <a:extLst>
+              <a:ext uri="{28A0092B-C50C-407E-A947-70E740481C1C}">
+                <a14:useLocalDpi xmlns:a14="http://schemas.microsoft.com/office/drawing/2010/main" val="0"/>
+              </a:ext>
+            </a:extLst>
+          </a:blip>
+          <a:srcRect t="17069" r="3" b="3"/>
+          <a:stretch/>
+        </p:blipFill>
+        <p:spPr>
+          <a:xfrm>
+            <a:off x="228599" y="237744"/>
+            <a:ext cx="7696201" cy="6382512"/>
+          </a:xfrm>
+          <a:prstGeom prst="rect">
+            <a:avLst/>
+          </a:prstGeom>
+          <a:noFill/>
+          <a:ln>
+            <a:noFill/>
+          </a:ln>
+        </p:spPr>
+      </p:pic>
+      <p:sp>
+        <p:nvSpPr>
+          <p:cNvPr id="4" name="Espace réservé de la date 3">
+            <a:extLst>
+              <a:ext uri="{FF2B5EF4-FFF2-40B4-BE49-F238E27FC236}">
+                <a16:creationId xmlns:a16="http://schemas.microsoft.com/office/drawing/2014/main" id="{278D00EF-CAC3-05B2-21C6-39D7CD94D34E}"/>
+              </a:ext>
+            </a:extLst>
+          </p:cNvPr>
+          <p:cNvSpPr>
+            <a:spLocks noGrp="1"/>
+          </p:cNvSpPr>
+          <p:nvPr>
+            <p:ph type="dt" sz="half" idx="10"/>
+          </p:nvPr>
+        </p:nvSpPr>
+        <p:spPr>
+          <a:xfrm>
+            <a:off x="5662337" y="6035040"/>
+            <a:ext cx="2071963" cy="365760"/>
+          </a:xfrm>
+        </p:spPr>
+        <p:txBody>
+          <a:bodyPr anchor="b">
+            <a:normAutofit/>
+          </a:bodyPr>
+          <a:lstStyle/>
+          <a:p>
+            <a:pPr rtl="0">
+              <a:spcAft>
+                <a:spcPts val="600"/>
+              </a:spcAft>
+            </a:pPr>
+            <a:fld id="{43B6331D-8BD5-4AF5-97EE-8FB3C79FE924}" type="datetime1">
+              <a:rPr lang="fr-FR" smtClean="0"/>
+              <a:pPr rtl="0">
+                <a:spcAft>
+                  <a:spcPts val="600"/>
+                </a:spcAft>
+              </a:pPr>
+              <a:t>20/03/2023</a:t>
+            </a:fld>
+            <a:endParaRPr lang="en-US"/>
+          </a:p>
+        </p:txBody>
+      </p:sp>
+      <p:sp>
+        <p:nvSpPr>
+          <p:cNvPr id="2" name="Titre 1">
+            <a:extLst>
+              <a:ext uri="{FF2B5EF4-FFF2-40B4-BE49-F238E27FC236}">
+                <a16:creationId xmlns:a16="http://schemas.microsoft.com/office/drawing/2014/main" id="{EFA281C8-854F-CB7B-4F0F-A9D0704C22C8}"/>
+              </a:ext>
+            </a:extLst>
+          </p:cNvPr>
+          <p:cNvSpPr>
+            <a:spLocks noGrp="1"/>
+          </p:cNvSpPr>
+          <p:nvPr>
+            <p:ph type="title"/>
+          </p:nvPr>
+        </p:nvSpPr>
+        <p:spPr>
+          <a:xfrm>
+            <a:off x="8477250" y="603504"/>
+            <a:ext cx="3144774" cy="1645920"/>
+          </a:xfrm>
+        </p:spPr>
+        <p:txBody>
+          <a:bodyPr anchor="b">
+            <a:normAutofit/>
+          </a:bodyPr>
+          <a:lstStyle/>
+          <a:p>
+            <a:pPr>
+              <a:lnSpc>
+                <a:spcPct val="90000"/>
+              </a:lnSpc>
+            </a:pPr>
+            <a:r>
+              <a:rPr lang="fr-FR" sz="2400" dirty="0"/>
+              <a:t>TP : Cookies et Session</a:t>
+            </a:r>
+            <a:endParaRPr lang="fr-FR" sz="2200" dirty="0"/>
+          </a:p>
+        </p:txBody>
+      </p:sp>
+      <p:sp>
+        <p:nvSpPr>
+          <p:cNvPr id="3" name="Sous-titre 2">
+            <a:extLst>
+              <a:ext uri="{FF2B5EF4-FFF2-40B4-BE49-F238E27FC236}">
+                <a16:creationId xmlns:a16="http://schemas.microsoft.com/office/drawing/2014/main" id="{281EC24D-08A3-F28D-5EC8-ED36EB51352E}"/>
+              </a:ext>
+            </a:extLst>
+          </p:cNvPr>
+          <p:cNvSpPr>
+            <a:spLocks noGrp="1"/>
+          </p:cNvSpPr>
+          <p:nvPr>
+            <p:ph type="body" sz="half" idx="2"/>
+          </p:nvPr>
+        </p:nvSpPr>
+        <p:spPr>
+          <a:xfrm>
+            <a:off x="8477250" y="2386584"/>
+            <a:ext cx="3144774" cy="3511296"/>
+          </a:xfrm>
+        </p:spPr>
+        <p:txBody>
+          <a:bodyPr>
+            <a:normAutofit/>
+          </a:bodyPr>
+          <a:lstStyle/>
+          <a:p>
+            <a:r>
+              <a:rPr lang="fr-FR" dirty="0"/>
+              <a:t>Pour bien comprendre !</a:t>
+            </a:r>
+            <a:endParaRPr lang="en-US" dirty="0"/>
+          </a:p>
+        </p:txBody>
+      </p:sp>
+    </p:spTree>
+    <p:extLst>
+      <p:ext uri="{BB962C8B-B14F-4D97-AF65-F5344CB8AC3E}">
+        <p14:creationId xmlns:p14="http://schemas.microsoft.com/office/powerpoint/2010/main" val="4224502849"/>
       </p:ext>
     </p:extLst>
   </p:cSld>
@@ -12224,15 +17743,6 @@
           <a:ln>
             <a:noFill/>
           </a:ln>
-          <a:extLst>
-            <a:ext uri="{909E8E84-426E-40DD-AFC4-6F175D3DCCD1}">
-              <a14:hiddenFill xmlns:a14="http://schemas.microsoft.com/office/drawing/2010/main">
-                <a:solidFill>
-                  <a:srgbClr val="FFFFFF"/>
-                </a:solidFill>
-              </a14:hiddenFill>
-            </a:ext>
-          </a:extLst>
         </p:spPr>
       </p:pic>
       <p:sp>
@@ -12981,7 +18491,12 @@
             <p:ph idx="1"/>
           </p:nvPr>
         </p:nvSpPr>
-        <p:spPr/>
+        <p:spPr>
+          <a:xfrm>
+            <a:off x="1066800" y="2103120"/>
+            <a:ext cx="10399776" cy="3849624"/>
+          </a:xfrm>
+        </p:spPr>
         <p:txBody>
           <a:bodyPr>
             <a:normAutofit/>
@@ -13046,7 +18561,15 @@
             </a:r>
             <a:r>
               <a:rPr lang="en-US" sz="1700" dirty="0"/>
-              <a:t> PHP</a:t>
+              <a:t> PHP (&lt;?</a:t>
+            </a:r>
+            <a:r>
+              <a:rPr lang="en-US" sz="1700" dirty="0" err="1"/>
+              <a:t>php</a:t>
+            </a:r>
+            <a:r>
+              <a:rPr lang="en-US" sz="1700" dirty="0"/>
+              <a:t> ?&gt;)</a:t>
             </a:r>
           </a:p>
           <a:p>
@@ -13452,15 +18975,6 @@
           <a:ln>
             <a:noFill/>
           </a:ln>
-          <a:extLst>
-            <a:ext uri="{909E8E84-426E-40DD-AFC4-6F175D3DCCD1}">
-              <a14:hiddenFill xmlns:a14="http://schemas.microsoft.com/office/drawing/2010/main">
-                <a:solidFill>
-                  <a:srgbClr val="FFFFFF"/>
-                </a:solidFill>
-              </a14:hiddenFill>
-            </a:ext>
-          </a:extLst>
         </p:spPr>
       </p:pic>
       <p:sp>
@@ -13561,14 +19075,14 @@
               </a:lnSpc>
             </a:pPr>
             <a:r>
-              <a:rPr lang="fr-FR" sz="2700" err="1"/>
+              <a:rPr lang="fr-FR" sz="2700" dirty="0" err="1"/>
               <a:t>Multi-pages</a:t>
             </a:r>
             <a:r>
-              <a:rPr lang="fr-FR" sz="2700"/>
-              <a:t> : utilisation de la fonction header()</a:t>
-            </a:r>
-            <a:endParaRPr lang="en-US" sz="2700"/>
+              <a:rPr lang="fr-FR" sz="2700" dirty="0"/>
+              <a:t> : Utilisation de la fonction header()</a:t>
+            </a:r>
+            <a:endParaRPr lang="en-US" sz="2700" dirty="0"/>
           </a:p>
         </p:txBody>
       </p:sp>
@@ -13705,6 +19219,9 @@
         <p:txBody>
           <a:bodyPr/>
           <a:lstStyle/>
+          <a:p>
+            <a:endParaRPr lang="fr-FR" dirty="0"/>
+          </a:p>
           <a:p>
             <a:r>
               <a:rPr lang="fr-FR" dirty="0"/>
